--- a/Presen.pptx
+++ b/Presen.pptx
@@ -6,15 +6,17 @@
   </p:sldMasterIdLst>
   <p:sldIdLst>
     <p:sldId id="256" r:id="rId2"/>
-    <p:sldId id="257" r:id="rId3"/>
-    <p:sldId id="259" r:id="rId4"/>
-    <p:sldId id="258" r:id="rId5"/>
-    <p:sldId id="260" r:id="rId6"/>
-    <p:sldId id="261" r:id="rId7"/>
-    <p:sldId id="262" r:id="rId8"/>
-    <p:sldId id="263" r:id="rId9"/>
-    <p:sldId id="264" r:id="rId10"/>
-    <p:sldId id="265" r:id="rId11"/>
+    <p:sldId id="266" r:id="rId3"/>
+    <p:sldId id="267" r:id="rId4"/>
+    <p:sldId id="257" r:id="rId5"/>
+    <p:sldId id="259" r:id="rId6"/>
+    <p:sldId id="258" r:id="rId7"/>
+    <p:sldId id="260" r:id="rId8"/>
+    <p:sldId id="261" r:id="rId9"/>
+    <p:sldId id="262" r:id="rId10"/>
+    <p:sldId id="263" r:id="rId11"/>
+    <p:sldId id="264" r:id="rId12"/>
+    <p:sldId id="265" r:id="rId13"/>
   </p:sldIdLst>
   <p:sldSz cx="9144000" cy="6858000" type="screen4x3"/>
   <p:notesSz cx="6858000" cy="9144000"/>
@@ -113,6 +115,22 @@
       </a:defRPr>
     </a:lvl9pPr>
   </p:defaultTextStyle>
+  <p:extLst>
+    <p:ext uri="{EFAFB233-063F-42B5-8137-9DF3F51BA10A}">
+      <p15:sldGuideLst xmlns:p15="http://schemas.microsoft.com/office/powerpoint/2012/main">
+        <p15:guide id="1" orient="horz" pos="2160">
+          <p15:clr>
+            <a:srgbClr val="A4A3A4"/>
+          </p15:clr>
+        </p15:guide>
+        <p15:guide id="2" pos="2880">
+          <p15:clr>
+            <a:srgbClr val="A4A3A4"/>
+          </p15:clr>
+        </p15:guide>
+      </p15:sldGuideLst>
+    </p:ext>
+  </p:extLst>
 </p:presentation>
 </file>
 
@@ -297,7 +315,7 @@
           <a:p>
             <a:fld id="{25E79235-0571-48CE-8F54-0E1DC965AED7}" type="datetimeFigureOut">
               <a:rPr lang="es-ES" smtClean="0"/>
-              <a:t>20/05/2018</a:t>
+              <a:t>23/05/2018</a:t>
             </a:fld>
             <a:endParaRPr lang="es-ES"/>
           </a:p>
@@ -467,7 +485,7 @@
           <a:p>
             <a:fld id="{25E79235-0571-48CE-8F54-0E1DC965AED7}" type="datetimeFigureOut">
               <a:rPr lang="es-ES" smtClean="0"/>
-              <a:t>20/05/2018</a:t>
+              <a:t>23/05/2018</a:t>
             </a:fld>
             <a:endParaRPr lang="es-ES"/>
           </a:p>
@@ -647,7 +665,7 @@
           <a:p>
             <a:fld id="{25E79235-0571-48CE-8F54-0E1DC965AED7}" type="datetimeFigureOut">
               <a:rPr lang="es-ES" smtClean="0"/>
-              <a:t>20/05/2018</a:t>
+              <a:t>23/05/2018</a:t>
             </a:fld>
             <a:endParaRPr lang="es-ES"/>
           </a:p>
@@ -817,7 +835,7 @@
           <a:p>
             <a:fld id="{25E79235-0571-48CE-8F54-0E1DC965AED7}" type="datetimeFigureOut">
               <a:rPr lang="es-ES" smtClean="0"/>
-              <a:t>20/05/2018</a:t>
+              <a:t>23/05/2018</a:t>
             </a:fld>
             <a:endParaRPr lang="es-ES"/>
           </a:p>
@@ -1063,7 +1081,7 @@
           <a:p>
             <a:fld id="{25E79235-0571-48CE-8F54-0E1DC965AED7}" type="datetimeFigureOut">
               <a:rPr lang="es-ES" smtClean="0"/>
-              <a:t>20/05/2018</a:t>
+              <a:t>23/05/2018</a:t>
             </a:fld>
             <a:endParaRPr lang="es-ES"/>
           </a:p>
@@ -1351,7 +1369,7 @@
           <a:p>
             <a:fld id="{25E79235-0571-48CE-8F54-0E1DC965AED7}" type="datetimeFigureOut">
               <a:rPr lang="es-ES" smtClean="0"/>
-              <a:t>20/05/2018</a:t>
+              <a:t>23/05/2018</a:t>
             </a:fld>
             <a:endParaRPr lang="es-ES"/>
           </a:p>
@@ -1773,7 +1791,7 @@
           <a:p>
             <a:fld id="{25E79235-0571-48CE-8F54-0E1DC965AED7}" type="datetimeFigureOut">
               <a:rPr lang="es-ES" smtClean="0"/>
-              <a:t>20/05/2018</a:t>
+              <a:t>23/05/2018</a:t>
             </a:fld>
             <a:endParaRPr lang="es-ES"/>
           </a:p>
@@ -1891,7 +1909,7 @@
           <a:p>
             <a:fld id="{25E79235-0571-48CE-8F54-0E1DC965AED7}" type="datetimeFigureOut">
               <a:rPr lang="es-ES" smtClean="0"/>
-              <a:t>20/05/2018</a:t>
+              <a:t>23/05/2018</a:t>
             </a:fld>
             <a:endParaRPr lang="es-ES"/>
           </a:p>
@@ -1986,7 +2004,7 @@
           <a:p>
             <a:fld id="{25E79235-0571-48CE-8F54-0E1DC965AED7}" type="datetimeFigureOut">
               <a:rPr lang="es-ES" smtClean="0"/>
-              <a:t>20/05/2018</a:t>
+              <a:t>23/05/2018</a:t>
             </a:fld>
             <a:endParaRPr lang="es-ES"/>
           </a:p>
@@ -2263,7 +2281,7 @@
           <a:p>
             <a:fld id="{25E79235-0571-48CE-8F54-0E1DC965AED7}" type="datetimeFigureOut">
               <a:rPr lang="es-ES" smtClean="0"/>
-              <a:t>20/05/2018</a:t>
+              <a:t>23/05/2018</a:t>
             </a:fld>
             <a:endParaRPr lang="es-ES"/>
           </a:p>
@@ -2516,7 +2534,7 @@
           <a:p>
             <a:fld id="{25E79235-0571-48CE-8F54-0E1DC965AED7}" type="datetimeFigureOut">
               <a:rPr lang="es-ES" smtClean="0"/>
-              <a:t>20/05/2018</a:t>
+              <a:t>23/05/2018</a:t>
             </a:fld>
             <a:endParaRPr lang="es-ES"/>
           </a:p>
@@ -2729,7 +2747,7 @@
           <a:p>
             <a:fld id="{25E79235-0571-48CE-8F54-0E1DC965AED7}" type="datetimeFigureOut">
               <a:rPr lang="es-ES" smtClean="0"/>
-              <a:t>20/05/2018</a:t>
+              <a:t>23/05/2018</a:t>
             </a:fld>
             <a:endParaRPr lang="es-ES"/>
           </a:p>
@@ -3401,13 +3419,13 @@
   <p:clrMapOvr>
     <a:masterClrMapping/>
   </p:clrMapOvr>
-  <mc:AlternateContent xmlns:mc="http://schemas.openxmlformats.org/markup-compatibility/2006">
-    <mc:Choice xmlns:p14="http://schemas.microsoft.com/office/powerpoint/2010/main" Requires="p14">
+  <mc:AlternateContent xmlns:mc="http://schemas.openxmlformats.org/markup-compatibility/2006" xmlns:p14="http://schemas.microsoft.com/office/powerpoint/2010/main">
+    <mc:Choice Requires="p14">
       <p:transition spd="slow" p14:dur="2000">
         <p:circle/>
       </p:transition>
     </mc:Choice>
-    <mc:Fallback>
+    <mc:Fallback xmlns="">
       <p:transition spd="slow">
         <p:circle/>
       </p:transition>
@@ -3486,9 +3504,9 @@
           <p:nvPr/>
         </p:nvSpPr>
         <p:spPr>
-          <a:xfrm rot="20044047">
-            <a:off x="-360555" y="1216787"/>
-            <a:ext cx="9928759" cy="4339650"/>
+          <a:xfrm>
+            <a:off x="1409259" y="764704"/>
+            <a:ext cx="6408712" cy="707886"/>
           </a:xfrm>
           <a:prstGeom prst="rect">
             <a:avLst/>
@@ -3503,7 +3521,7 @@
           <a:p>
             <a:pPr algn="ctr"/>
             <a:r>
-              <a:rPr lang="es-ES" sz="13800" b="1" dirty="0" smtClean="0">
+              <a:rPr lang="es-ES" sz="4000" b="1" dirty="0" smtClean="0">
                 <a:ln w="12700">
                   <a:solidFill>
                     <a:schemeClr val="tx2">
@@ -3526,9 +3544,9 @@
                   </a:outerShdw>
                 </a:effectLst>
               </a:rPr>
-              <a:t>Gracias por su atención</a:t>
-            </a:r>
-            <a:endParaRPr lang="es-ES" sz="13800" b="1" dirty="0">
+              <a:t>Y esto no es todo…</a:t>
+            </a:r>
+            <a:endParaRPr lang="es-ES" sz="4000" b="1" dirty="0">
               <a:ln w="12700">
                 <a:solidFill>
                   <a:schemeClr val="tx2">
@@ -3554,6 +3572,425 @@
           </a:p>
         </p:txBody>
       </p:sp>
+      <p:pic>
+        <p:nvPicPr>
+          <p:cNvPr id="8196" name="Picture 4" descr="Resultado de imagen de physx"/>
+          <p:cNvPicPr>
+            <a:picLocks noChangeAspect="1" noChangeArrowheads="1"/>
+          </p:cNvPicPr>
+          <p:nvPr/>
+        </p:nvPicPr>
+        <p:blipFill rotWithShape="1">
+          <a:blip r:embed="rId3">
+            <a:extLst>
+              <a:ext uri="{28A0092B-C50C-407E-A947-70E740481C1C}">
+                <a14:useLocalDpi xmlns:a14="http://schemas.microsoft.com/office/drawing/2010/main" val="0"/>
+              </a:ext>
+            </a:extLst>
+          </a:blip>
+          <a:srcRect l="7356" t="30977" r="16140" b="30871"/>
+          <a:stretch/>
+        </p:blipFill>
+        <p:spPr bwMode="auto">
+          <a:xfrm>
+            <a:off x="2616981" y="4441010"/>
+            <a:ext cx="3993267" cy="1562582"/>
+          </a:xfrm>
+          <a:prstGeom prst="rect">
+            <a:avLst/>
+          </a:prstGeom>
+          <a:noFill/>
+          <a:extLst>
+            <a:ext uri="{909E8E84-426E-40DD-AFC4-6F175D3DCCD1}">
+              <a14:hiddenFill xmlns:a14="http://schemas.microsoft.com/office/drawing/2010/main">
+                <a:solidFill>
+                  <a:srgbClr val="FFFFFF"/>
+                </a:solidFill>
+              </a14:hiddenFill>
+            </a:ext>
+          </a:extLst>
+        </p:spPr>
+      </p:pic>
+    </p:spTree>
+    <p:extLst>
+      <p:ext uri="{BB962C8B-B14F-4D97-AF65-F5344CB8AC3E}">
+        <p14:creationId xmlns:p14="http://schemas.microsoft.com/office/powerpoint/2010/main" val="3225306551"/>
+      </p:ext>
+    </p:extLst>
+  </p:cSld>
+  <p:clrMapOvr>
+    <a:masterClrMapping/>
+  </p:clrMapOvr>
+  <mc:AlternateContent xmlns:mc="http://schemas.openxmlformats.org/markup-compatibility/2006" xmlns:p14="http://schemas.microsoft.com/office/powerpoint/2010/main">
+    <mc:Choice Requires="p14">
+      <p:transition spd="slow">
+        <p14:flash/>
+      </p:transition>
+    </mc:Choice>
+    <mc:Fallback xmlns="">
+      <p:transition spd="slow">
+        <p:fade/>
+      </p:transition>
+    </mc:Fallback>
+  </mc:AlternateContent>
+  <p:timing>
+    <p:tnLst>
+      <p:par>
+        <p:cTn id="1" dur="indefinite" restart="never" nodeType="tmRoot"/>
+      </p:par>
+    </p:tnLst>
+  </p:timing>
+</p:sld>
+</file>
+
+<file path=ppt/slides/slide11.xml><?xml version="1.0" encoding="utf-8"?>
+<p:sld xmlns:a="http://schemas.openxmlformats.org/drawingml/2006/main" xmlns:r="http://schemas.openxmlformats.org/officeDocument/2006/relationships" xmlns:p="http://schemas.openxmlformats.org/presentationml/2006/main">
+  <p:cSld>
+    <p:spTree>
+      <p:nvGrpSpPr>
+        <p:cNvPr id="1" name=""/>
+        <p:cNvGrpSpPr/>
+        <p:nvPr/>
+      </p:nvGrpSpPr>
+      <p:grpSpPr>
+        <a:xfrm>
+          <a:off x="0" y="0"/>
+          <a:ext cx="0" cy="0"/>
+          <a:chOff x="0" y="0"/>
+          <a:chExt cx="0" cy="0"/>
+        </a:xfrm>
+      </p:grpSpPr>
+      <p:pic>
+        <p:nvPicPr>
+          <p:cNvPr id="4" name="Picture 2" descr="Imagen relacionada"/>
+          <p:cNvPicPr>
+            <a:picLocks noChangeAspect="1" noChangeArrowheads="1"/>
+          </p:cNvPicPr>
+          <p:nvPr/>
+        </p:nvPicPr>
+        <p:blipFill rotWithShape="1">
+          <a:blip r:embed="rId2">
+            <a:extLst>
+              <a:ext uri="{28A0092B-C50C-407E-A947-70E740481C1C}">
+                <a14:useLocalDpi xmlns:a14="http://schemas.microsoft.com/office/drawing/2010/main" val="0"/>
+              </a:ext>
+            </a:extLst>
+          </a:blip>
+          <a:srcRect r="44372"/>
+          <a:stretch/>
+        </p:blipFill>
+        <p:spPr bwMode="auto">
+          <a:xfrm>
+            <a:off x="-159541" y="-23036"/>
+            <a:ext cx="9546312" cy="7081969"/>
+          </a:xfrm>
+          <a:prstGeom prst="rect">
+            <a:avLst/>
+          </a:prstGeom>
+          <a:noFill/>
+          <a:extLst>
+            <a:ext uri="{909E8E84-426E-40DD-AFC4-6F175D3DCCD1}">
+              <a14:hiddenFill xmlns:a14="http://schemas.microsoft.com/office/drawing/2010/main">
+                <a:solidFill>
+                  <a:srgbClr val="FFFFFF"/>
+                </a:solidFill>
+              </a14:hiddenFill>
+            </a:ext>
+          </a:extLst>
+        </p:spPr>
+      </p:pic>
+      <p:pic>
+        <p:nvPicPr>
+          <p:cNvPr id="9218" name="Picture 2"/>
+          <p:cNvPicPr>
+            <a:picLocks noChangeAspect="1" noChangeArrowheads="1"/>
+          </p:cNvPicPr>
+          <p:nvPr/>
+        </p:nvPicPr>
+        <p:blipFill rotWithShape="1">
+          <a:blip r:embed="rId3">
+            <a:extLst>
+              <a:ext uri="{28A0092B-C50C-407E-A947-70E740481C1C}">
+                <a14:useLocalDpi xmlns:a14="http://schemas.microsoft.com/office/drawing/2010/main" val="0"/>
+              </a:ext>
+            </a:extLst>
+          </a:blip>
+          <a:srcRect l="12932" t="11859" r="2498" b="5205"/>
+          <a:stretch/>
+        </p:blipFill>
+        <p:spPr bwMode="auto">
+          <a:xfrm>
+            <a:off x="-72608" y="1118647"/>
+            <a:ext cx="9372445" cy="5175320"/>
+          </a:xfrm>
+          <a:prstGeom prst="roundRect">
+            <a:avLst>
+              <a:gd name="adj" fmla="val 8594"/>
+            </a:avLst>
+          </a:prstGeom>
+          <a:solidFill>
+            <a:srgbClr val="FFFFFF">
+              <a:shade val="85000"/>
+            </a:srgbClr>
+          </a:solidFill>
+          <a:ln>
+            <a:noFill/>
+          </a:ln>
+          <a:effectLst>
+            <a:reflection blurRad="12700" stA="38000" endPos="28000" dist="5000" dir="5400000" sy="-100000" algn="bl" rotWithShape="0"/>
+          </a:effectLst>
+          <a:extLst>
+            <a:ext uri="{91240B29-F687-4F45-9708-019B960494DF}">
+              <a14:hiddenLine xmlns:a14="http://schemas.microsoft.com/office/drawing/2010/main" w="9525">
+                <a:solidFill>
+                  <a:schemeClr val="tx1"/>
+                </a:solidFill>
+                <a:miter lim="800000"/>
+                <a:headEnd/>
+                <a:tailEnd/>
+              </a14:hiddenLine>
+            </a:ext>
+          </a:extLst>
+        </p:spPr>
+      </p:pic>
+      <p:sp>
+        <p:nvSpPr>
+          <p:cNvPr id="6" name="5 Rectángulo"/>
+          <p:cNvSpPr/>
+          <p:nvPr/>
+        </p:nvSpPr>
+        <p:spPr>
+          <a:xfrm>
+            <a:off x="323528" y="411536"/>
+            <a:ext cx="8820472" cy="523220"/>
+          </a:xfrm>
+          <a:prstGeom prst="rect">
+            <a:avLst/>
+          </a:prstGeom>
+          <a:noFill/>
+        </p:spPr>
+        <p:txBody>
+          <a:bodyPr wrap="square" lIns="91440" tIns="45720" rIns="91440" bIns="45720">
+            <a:spAutoFit/>
+          </a:bodyPr>
+          <a:lstStyle/>
+          <a:p>
+            <a:pPr algn="ctr"/>
+            <a:r>
+              <a:rPr lang="es-ES" sz="2800" b="1" dirty="0" smtClean="0">
+                <a:ln w="12700">
+                  <a:solidFill>
+                    <a:schemeClr val="tx2">
+                      <a:satMod val="155000"/>
+                    </a:schemeClr>
+                  </a:solidFill>
+                  <a:prstDash val="solid"/>
+                </a:ln>
+                <a:solidFill>
+                  <a:schemeClr val="bg2">
+                    <a:tint val="85000"/>
+                    <a:satMod val="155000"/>
+                  </a:schemeClr>
+                </a:solidFill>
+                <a:effectLst>
+                  <a:outerShdw blurRad="41275" dist="20320" dir="1800000" algn="tl" rotWithShape="0">
+                    <a:srgbClr val="000000">
+                      <a:alpha val="40000"/>
+                    </a:srgbClr>
+                  </a:outerShdw>
+                </a:effectLst>
+              </a:rPr>
+              <a:t>Cientos de juegos usan otros tipos de aceleradores…</a:t>
+            </a:r>
+            <a:endParaRPr lang="es-ES" sz="2800" b="1" dirty="0">
+              <a:ln w="12700">
+                <a:solidFill>
+                  <a:schemeClr val="tx2">
+                    <a:satMod val="155000"/>
+                  </a:schemeClr>
+                </a:solidFill>
+                <a:prstDash val="solid"/>
+              </a:ln>
+              <a:solidFill>
+                <a:schemeClr val="bg2">
+                  <a:tint val="85000"/>
+                  <a:satMod val="155000"/>
+                </a:schemeClr>
+              </a:solidFill>
+              <a:effectLst>
+                <a:outerShdw blurRad="41275" dist="20320" dir="1800000" algn="tl" rotWithShape="0">
+                  <a:srgbClr val="000000">
+                    <a:alpha val="40000"/>
+                  </a:srgbClr>
+                </a:outerShdw>
+              </a:effectLst>
+            </a:endParaRPr>
+          </a:p>
+        </p:txBody>
+      </p:sp>
+    </p:spTree>
+    <p:extLst>
+      <p:ext uri="{BB962C8B-B14F-4D97-AF65-F5344CB8AC3E}">
+        <p14:creationId xmlns:p14="http://schemas.microsoft.com/office/powerpoint/2010/main" val="3206352606"/>
+      </p:ext>
+    </p:extLst>
+  </p:cSld>
+  <p:clrMapOvr>
+    <a:masterClrMapping/>
+  </p:clrMapOvr>
+  <mc:AlternateContent xmlns:mc="http://schemas.openxmlformats.org/markup-compatibility/2006" xmlns:p14="http://schemas.microsoft.com/office/powerpoint/2010/main">
+    <mc:Choice Requires="p14">
+      <p:transition spd="slow" p14:dur="1500">
+        <p14:pan dir="u"/>
+      </p:transition>
+    </mc:Choice>
+    <mc:Fallback xmlns="">
+      <p:transition spd="slow">
+        <p:fade/>
+      </p:transition>
+    </mc:Fallback>
+  </mc:AlternateContent>
+  <p:timing>
+    <p:tnLst>
+      <p:par>
+        <p:cTn id="1" dur="indefinite" restart="never" nodeType="tmRoot"/>
+      </p:par>
+    </p:tnLst>
+  </p:timing>
+</p:sld>
+</file>
+
+<file path=ppt/slides/slide12.xml><?xml version="1.0" encoding="utf-8"?>
+<p:sld xmlns:a="http://schemas.openxmlformats.org/drawingml/2006/main" xmlns:r="http://schemas.openxmlformats.org/officeDocument/2006/relationships" xmlns:p="http://schemas.openxmlformats.org/presentationml/2006/main">
+  <p:cSld>
+    <p:spTree>
+      <p:nvGrpSpPr>
+        <p:cNvPr id="1" name=""/>
+        <p:cNvGrpSpPr/>
+        <p:nvPr/>
+      </p:nvGrpSpPr>
+      <p:grpSpPr>
+        <a:xfrm>
+          <a:off x="0" y="0"/>
+          <a:ext cx="0" cy="0"/>
+          <a:chOff x="0" y="0"/>
+          <a:chExt cx="0" cy="0"/>
+        </a:xfrm>
+      </p:grpSpPr>
+      <p:pic>
+        <p:nvPicPr>
+          <p:cNvPr id="4" name="Picture 2" descr="Imagen relacionada"/>
+          <p:cNvPicPr>
+            <a:picLocks noChangeAspect="1" noChangeArrowheads="1"/>
+          </p:cNvPicPr>
+          <p:nvPr/>
+        </p:nvPicPr>
+        <p:blipFill rotWithShape="1">
+          <a:blip r:embed="rId2">
+            <a:extLst>
+              <a:ext uri="{28A0092B-C50C-407E-A947-70E740481C1C}">
+                <a14:useLocalDpi xmlns:a14="http://schemas.microsoft.com/office/drawing/2010/main" val="0"/>
+              </a:ext>
+            </a:extLst>
+          </a:blip>
+          <a:srcRect r="44372"/>
+          <a:stretch/>
+        </p:blipFill>
+        <p:spPr bwMode="auto">
+          <a:xfrm>
+            <a:off x="-159541" y="-23036"/>
+            <a:ext cx="9546312" cy="7081969"/>
+          </a:xfrm>
+          <a:prstGeom prst="rect">
+            <a:avLst/>
+          </a:prstGeom>
+          <a:noFill/>
+          <a:extLst>
+            <a:ext uri="{909E8E84-426E-40DD-AFC4-6F175D3DCCD1}">
+              <a14:hiddenFill xmlns:a14="http://schemas.microsoft.com/office/drawing/2010/main">
+                <a:solidFill>
+                  <a:srgbClr val="FFFFFF"/>
+                </a:solidFill>
+              </a14:hiddenFill>
+            </a:ext>
+          </a:extLst>
+        </p:spPr>
+      </p:pic>
+      <p:sp>
+        <p:nvSpPr>
+          <p:cNvPr id="5" name="4 Rectángulo"/>
+          <p:cNvSpPr/>
+          <p:nvPr/>
+        </p:nvSpPr>
+        <p:spPr>
+          <a:xfrm rot="20044047">
+            <a:off x="-360555" y="1216787"/>
+            <a:ext cx="9928759" cy="4339650"/>
+          </a:xfrm>
+          <a:prstGeom prst="rect">
+            <a:avLst/>
+          </a:prstGeom>
+          <a:noFill/>
+        </p:spPr>
+        <p:txBody>
+          <a:bodyPr wrap="square" lIns="91440" tIns="45720" rIns="91440" bIns="45720">
+            <a:spAutoFit/>
+          </a:bodyPr>
+          <a:lstStyle/>
+          <a:p>
+            <a:pPr algn="ctr"/>
+            <a:r>
+              <a:rPr lang="es-ES" sz="13800" b="1" dirty="0" smtClean="0">
+                <a:ln w="12700">
+                  <a:solidFill>
+                    <a:schemeClr val="tx2">
+                      <a:satMod val="155000"/>
+                    </a:schemeClr>
+                  </a:solidFill>
+                  <a:prstDash val="solid"/>
+                </a:ln>
+                <a:solidFill>
+                  <a:schemeClr val="bg2">
+                    <a:tint val="85000"/>
+                    <a:satMod val="155000"/>
+                  </a:schemeClr>
+                </a:solidFill>
+                <a:effectLst>
+                  <a:outerShdw blurRad="41275" dist="20320" dir="1800000" algn="tl" rotWithShape="0">
+                    <a:srgbClr val="000000">
+                      <a:alpha val="40000"/>
+                    </a:srgbClr>
+                  </a:outerShdw>
+                </a:effectLst>
+              </a:rPr>
+              <a:t>Gracias por su atención</a:t>
+            </a:r>
+            <a:endParaRPr lang="es-ES" sz="13800" b="1" dirty="0">
+              <a:ln w="12700">
+                <a:solidFill>
+                  <a:schemeClr val="tx2">
+                    <a:satMod val="155000"/>
+                  </a:schemeClr>
+                </a:solidFill>
+                <a:prstDash val="solid"/>
+              </a:ln>
+              <a:solidFill>
+                <a:schemeClr val="bg2">
+                  <a:tint val="85000"/>
+                  <a:satMod val="155000"/>
+                </a:schemeClr>
+              </a:solidFill>
+              <a:effectLst>
+                <a:outerShdw blurRad="41275" dist="20320" dir="1800000" algn="tl" rotWithShape="0">
+                  <a:srgbClr val="000000">
+                    <a:alpha val="40000"/>
+                  </a:srgbClr>
+                </a:outerShdw>
+              </a:effectLst>
+            </a:endParaRPr>
+          </a:p>
+        </p:txBody>
+      </p:sp>
     </p:spTree>
     <p:extLst>
       <p:ext uri="{BB962C8B-B14F-4D97-AF65-F5344CB8AC3E}">
@@ -3564,13 +4001,13 @@
   <p:clrMapOvr>
     <a:masterClrMapping/>
   </p:clrMapOvr>
-  <mc:AlternateContent xmlns:mc="http://schemas.openxmlformats.org/markup-compatibility/2006">
-    <mc:Choice xmlns:p14="http://schemas.microsoft.com/office/powerpoint/2010/main" Requires="p14">
+  <mc:AlternateContent xmlns:mc="http://schemas.openxmlformats.org/markup-compatibility/2006" xmlns:p14="http://schemas.microsoft.com/office/powerpoint/2010/main">
+    <mc:Choice Requires="p14">
       <p:transition spd="slow" p14:dur="1500">
         <p14:warp dir="in"/>
       </p:transition>
     </mc:Choice>
-    <mc:Fallback>
+    <mc:Fallback xmlns="">
       <p:transition spd="slow">
         <p:fade/>
       </p:transition>
@@ -3587,6 +4024,179 @@
 </file>
 
 <file path=ppt/slides/slide2.xml><?xml version="1.0" encoding="utf-8"?>
+<p:sld xmlns:a="http://schemas.openxmlformats.org/drawingml/2006/main" xmlns:r="http://schemas.openxmlformats.org/officeDocument/2006/relationships" xmlns:p="http://schemas.openxmlformats.org/presentationml/2006/main">
+  <p:cSld>
+    <p:spTree>
+      <p:nvGrpSpPr>
+        <p:cNvPr id="1" name=""/>
+        <p:cNvGrpSpPr/>
+        <p:nvPr/>
+      </p:nvGrpSpPr>
+      <p:grpSpPr>
+        <a:xfrm>
+          <a:off x="0" y="0"/>
+          <a:ext cx="0" cy="0"/>
+          <a:chOff x="0" y="0"/>
+          <a:chExt cx="0" cy="0"/>
+        </a:xfrm>
+      </p:grpSpPr>
+      <p:sp>
+        <p:nvSpPr>
+          <p:cNvPr id="2" name="Título 1"/>
+          <p:cNvSpPr>
+            <a:spLocks noGrp="1"/>
+          </p:cNvSpPr>
+          <p:nvPr>
+            <p:ph type="title"/>
+          </p:nvPr>
+        </p:nvSpPr>
+        <p:spPr/>
+        <p:txBody>
+          <a:bodyPr/>
+          <a:lstStyle/>
+          <a:p>
+            <a:r>
+              <a:rPr lang="es-ES" dirty="0" smtClean="0"/>
+              <a:t>Bucle Tradicional de Juego</a:t>
+            </a:r>
+            <a:endParaRPr lang="es-ES" dirty="0"/>
+          </a:p>
+        </p:txBody>
+      </p:sp>
+      <p:sp>
+        <p:nvSpPr>
+          <p:cNvPr id="3" name="Marcador de contenido 2"/>
+          <p:cNvSpPr>
+            <a:spLocks noGrp="1"/>
+          </p:cNvSpPr>
+          <p:nvPr>
+            <p:ph idx="1"/>
+          </p:nvPr>
+        </p:nvSpPr>
+        <p:spPr/>
+        <p:txBody>
+          <a:bodyPr/>
+          <a:lstStyle/>
+          <a:p>
+            <a:r>
+              <a:rPr lang="es-ES" dirty="0" err="1" smtClean="0"/>
+              <a:t>Arcade</a:t>
+            </a:r>
+            <a:r>
+              <a:rPr lang="es-ES" dirty="0" smtClean="0"/>
+              <a:t> (1970)</a:t>
+            </a:r>
+          </a:p>
+          <a:p>
+            <a:endParaRPr lang="es-ES" dirty="0" smtClean="0"/>
+          </a:p>
+          <a:p>
+            <a:r>
+              <a:rPr lang="es-ES"/>
+              <a:t>https://en.wikipedia.org/wiki/Graphics_processing_unit#1970s</a:t>
+            </a:r>
+            <a:endParaRPr lang="es-ES" dirty="0"/>
+          </a:p>
+        </p:txBody>
+      </p:sp>
+    </p:spTree>
+    <p:extLst>
+      <p:ext uri="{BB962C8B-B14F-4D97-AF65-F5344CB8AC3E}">
+        <p14:creationId xmlns:p14="http://schemas.microsoft.com/office/powerpoint/2010/main" val="353752181"/>
+      </p:ext>
+    </p:extLst>
+  </p:cSld>
+  <p:clrMapOvr>
+    <a:masterClrMapping/>
+  </p:clrMapOvr>
+</p:sld>
+</file>
+
+<file path=ppt/slides/slide3.xml><?xml version="1.0" encoding="utf-8"?>
+<p:sld xmlns:a="http://schemas.openxmlformats.org/drawingml/2006/main" xmlns:r="http://schemas.openxmlformats.org/officeDocument/2006/relationships" xmlns:p="http://schemas.openxmlformats.org/presentationml/2006/main">
+  <p:cSld>
+    <p:spTree>
+      <p:nvGrpSpPr>
+        <p:cNvPr id="1" name=""/>
+        <p:cNvGrpSpPr/>
+        <p:nvPr/>
+      </p:nvGrpSpPr>
+      <p:grpSpPr>
+        <a:xfrm>
+          <a:off x="0" y="0"/>
+          <a:ext cx="0" cy="0"/>
+          <a:chOff x="0" y="0"/>
+          <a:chExt cx="0" cy="0"/>
+        </a:xfrm>
+      </p:grpSpPr>
+      <p:sp>
+        <p:nvSpPr>
+          <p:cNvPr id="2" name="Título 1"/>
+          <p:cNvSpPr>
+            <a:spLocks noGrp="1"/>
+          </p:cNvSpPr>
+          <p:nvPr>
+            <p:ph type="title"/>
+          </p:nvPr>
+        </p:nvSpPr>
+        <p:spPr/>
+        <p:txBody>
+          <a:bodyPr>
+            <a:normAutofit fontScale="90000"/>
+          </a:bodyPr>
+          <a:lstStyle/>
+          <a:p>
+            <a:r>
+              <a:rPr lang="es-ES" dirty="0" smtClean="0"/>
+              <a:t>Historia de los aceleradores en videojuegos</a:t>
+            </a:r>
+            <a:endParaRPr lang="es-ES" dirty="0"/>
+          </a:p>
+        </p:txBody>
+      </p:sp>
+      <p:pic>
+        <p:nvPicPr>
+          <p:cNvPr id="5" name="Marcador de contenido 4"/>
+          <p:cNvPicPr>
+            <a:picLocks noGrp="1" noChangeAspect="1"/>
+          </p:cNvPicPr>
+          <p:nvPr>
+            <p:ph idx="1"/>
+          </p:nvPr>
+        </p:nvPicPr>
+        <p:blipFill>
+          <a:blip r:embed="rId2">
+            <a:extLst>
+              <a:ext uri="{28A0092B-C50C-407E-A947-70E740481C1C}">
+                <a14:useLocalDpi xmlns:a14="http://schemas.microsoft.com/office/drawing/2010/main" val="0"/>
+              </a:ext>
+            </a:extLst>
+          </a:blip>
+          <a:stretch>
+            <a:fillRect/>
+          </a:stretch>
+        </p:blipFill>
+        <p:spPr>
+          <a:xfrm>
+            <a:off x="1115616" y="1772816"/>
+            <a:ext cx="2880320" cy="1889490"/>
+          </a:xfrm>
+        </p:spPr>
+      </p:pic>
+    </p:spTree>
+    <p:extLst>
+      <p:ext uri="{BB962C8B-B14F-4D97-AF65-F5344CB8AC3E}">
+        <p14:creationId xmlns:p14="http://schemas.microsoft.com/office/powerpoint/2010/main" val="3978551972"/>
+      </p:ext>
+    </p:extLst>
+  </p:cSld>
+  <p:clrMapOvr>
+    <a:masterClrMapping/>
+  </p:clrMapOvr>
+</p:sld>
+</file>
+
+<file path=ppt/slides/slide4.xml><?xml version="1.0" encoding="utf-8"?>
 <p:sld xmlns:a="http://schemas.openxmlformats.org/drawingml/2006/main" xmlns:r="http://schemas.openxmlformats.org/officeDocument/2006/relationships" xmlns:p="http://schemas.openxmlformats.org/presentationml/2006/main">
   <p:cSld>
     <p:spTree>
@@ -3783,7 +4393,7 @@
 </p:sld>
 </file>
 
-<file path=ppt/slides/slide3.xml><?xml version="1.0" encoding="utf-8"?>
+<file path=ppt/slides/slide5.xml><?xml version="1.0" encoding="utf-8"?>
 <p:sld xmlns:a="http://schemas.openxmlformats.org/drawingml/2006/main" xmlns:r="http://schemas.openxmlformats.org/officeDocument/2006/relationships" xmlns:p="http://schemas.openxmlformats.org/presentationml/2006/main">
   <p:cSld>
     <p:spTree>
@@ -4225,13 +4835,13 @@
   <p:clrMapOvr>
     <a:masterClrMapping/>
   </p:clrMapOvr>
-  <mc:AlternateContent xmlns:mc="http://schemas.openxmlformats.org/markup-compatibility/2006">
-    <mc:Choice xmlns:p14="http://schemas.microsoft.com/office/powerpoint/2010/main" Requires="p14">
+  <mc:AlternateContent xmlns:mc="http://schemas.openxmlformats.org/markup-compatibility/2006" xmlns:p14="http://schemas.microsoft.com/office/powerpoint/2010/main">
+    <mc:Choice Requires="p14">
       <p:transition spd="slow" p14:dur="2000">
         <p:push dir="u"/>
       </p:transition>
     </mc:Choice>
-    <mc:Fallback>
+    <mc:Fallback xmlns="">
       <p:transition spd="slow">
         <p:push dir="u"/>
       </p:transition>
@@ -4247,7 +4857,7 @@
 </p:sld>
 </file>
 
-<file path=ppt/slides/slide4.xml><?xml version="1.0" encoding="utf-8"?>
+<file path=ppt/slides/slide6.xml><?xml version="1.0" encoding="utf-8"?>
 <p:sld xmlns:a="http://schemas.openxmlformats.org/drawingml/2006/main" xmlns:r="http://schemas.openxmlformats.org/officeDocument/2006/relationships" xmlns:p="http://schemas.openxmlformats.org/presentationml/2006/main">
   <p:cSld>
     <p:spTree>
@@ -4468,15 +5078,7 @@
           <a:effectLst>
             <a:reflection blurRad="12700" stA="38000" endPos="28000" dist="5000" dir="5400000" sy="-100000" algn="bl" rotWithShape="0"/>
           </a:effectLst>
-          <a:extLst>
-            <a:ext uri="{909E8E84-426E-40DD-AFC4-6F175D3DCCD1}">
-              <a14:hiddenFill xmlns:a14="http://schemas.microsoft.com/office/drawing/2010/main">
-                <a:solidFill>
-                  <a:srgbClr val="FFFFFF"/>
-                </a:solidFill>
-              </a14:hiddenFill>
-            </a:ext>
-          </a:extLst>
+          <a:extLst/>
         </p:spPr>
       </p:pic>
       <p:pic>
@@ -4530,13 +5132,13 @@
   <p:clrMapOvr>
     <a:masterClrMapping/>
   </p:clrMapOvr>
-  <mc:AlternateContent xmlns:mc="http://schemas.openxmlformats.org/markup-compatibility/2006">
-    <mc:Choice xmlns:p14="http://schemas.microsoft.com/office/powerpoint/2010/main" Requires="p14">
+  <mc:AlternateContent xmlns:mc="http://schemas.openxmlformats.org/markup-compatibility/2006" xmlns:p14="http://schemas.microsoft.com/office/powerpoint/2010/main">
+    <mc:Choice Requires="p14">
       <p:transition spd="slow" p14:dur="2500">
         <p:push dir="u"/>
       </p:transition>
     </mc:Choice>
-    <mc:Fallback>
+    <mc:Fallback xmlns="">
       <p:transition spd="slow">
         <p:push dir="u"/>
       </p:transition>
@@ -4552,7 +5154,7 @@
 </p:sld>
 </file>
 
-<file path=ppt/slides/slide5.xml><?xml version="1.0" encoding="utf-8"?>
+<file path=ppt/slides/slide7.xml><?xml version="1.0" encoding="utf-8"?>
 <p:sld xmlns:a="http://schemas.openxmlformats.org/drawingml/2006/main" xmlns:r="http://schemas.openxmlformats.org/officeDocument/2006/relationships" xmlns:p="http://schemas.openxmlformats.org/presentationml/2006/main">
   <p:cSld>
     <p:spTree>
@@ -4809,13 +5411,13 @@
   <p:clrMapOvr>
     <a:masterClrMapping/>
   </p:clrMapOvr>
-  <mc:AlternateContent xmlns:mc="http://schemas.openxmlformats.org/markup-compatibility/2006">
-    <mc:Choice xmlns:p14="http://schemas.microsoft.com/office/powerpoint/2010/main" Requires="p14">
+  <mc:AlternateContent xmlns:mc="http://schemas.openxmlformats.org/markup-compatibility/2006" xmlns:p14="http://schemas.microsoft.com/office/powerpoint/2010/main">
+    <mc:Choice Requires="p14">
       <p:transition spd="slow" p14:dur="2000">
         <p:circle/>
       </p:transition>
     </mc:Choice>
-    <mc:Fallback>
+    <mc:Fallback xmlns="">
       <p:transition spd="slow">
         <p:circle/>
       </p:transition>
@@ -5004,7 +5606,7 @@
 </p:sld>
 </file>
 
-<file path=ppt/slides/slide6.xml><?xml version="1.0" encoding="utf-8"?>
+<file path=ppt/slides/slide8.xml><?xml version="1.0" encoding="utf-8"?>
 <p:sld xmlns:a="http://schemas.openxmlformats.org/drawingml/2006/main" xmlns:r="http://schemas.openxmlformats.org/officeDocument/2006/relationships" xmlns:p="http://schemas.openxmlformats.org/presentationml/2006/main">
   <p:cSld>
     <p:spTree>
@@ -5376,13 +5978,13 @@
   <p:clrMapOvr>
     <a:masterClrMapping/>
   </p:clrMapOvr>
-  <mc:AlternateContent xmlns:mc="http://schemas.openxmlformats.org/markup-compatibility/2006">
-    <mc:Choice xmlns:p14="http://schemas.microsoft.com/office/powerpoint/2010/main" Requires="p14">
+  <mc:AlternateContent xmlns:mc="http://schemas.openxmlformats.org/markup-compatibility/2006" xmlns:p14="http://schemas.microsoft.com/office/powerpoint/2010/main">
+    <mc:Choice Requires="p14">
       <p:transition spd="slow" p14:dur="1500">
         <p:split orient="vert"/>
       </p:transition>
     </mc:Choice>
-    <mc:Fallback>
+    <mc:Fallback xmlns="">
       <p:transition spd="slow">
         <p:split orient="vert"/>
       </p:transition>
@@ -5398,7 +6000,7 @@
 </p:sld>
 </file>
 
-<file path=ppt/slides/slide7.xml><?xml version="1.0" encoding="utf-8"?>
+<file path=ppt/slides/slide9.xml><?xml version="1.0" encoding="utf-8"?>
 <p:sld xmlns:a="http://schemas.openxmlformats.org/drawingml/2006/main" xmlns:r="http://schemas.openxmlformats.org/officeDocument/2006/relationships" xmlns:p="http://schemas.openxmlformats.org/presentationml/2006/main">
   <p:cSld>
     <p:spTree>
@@ -5757,13 +6359,6 @@
             <a:reflection blurRad="12700" stA="38000" endPos="28000" dist="5000" dir="5400000" sy="-100000" algn="bl" rotWithShape="0"/>
           </a:effectLst>
           <a:extLst>
-            <a:ext uri="{909E8E84-426E-40DD-AFC4-6F175D3DCCD1}">
-              <a14:hiddenFill xmlns:a14="http://schemas.microsoft.com/office/drawing/2010/main">
-                <a:solidFill>
-                  <a:schemeClr val="accent1"/>
-                </a:solidFill>
-              </a14:hiddenFill>
-            </a:ext>
             <a:ext uri="{91240B29-F687-4F45-9708-019B960494DF}">
               <a14:hiddenLine xmlns:a14="http://schemas.microsoft.com/office/drawing/2010/main" w="9525">
                 <a:solidFill>
@@ -5819,15 +6414,7 @@
           <a:effectLst>
             <a:reflection blurRad="12700" stA="38000" endPos="28000" dist="5000" dir="5400000" sy="-100000" algn="bl" rotWithShape="0"/>
           </a:effectLst>
-          <a:extLst>
-            <a:ext uri="{909E8E84-426E-40DD-AFC4-6F175D3DCCD1}">
-              <a14:hiddenFill xmlns:a14="http://schemas.microsoft.com/office/drawing/2010/main">
-                <a:solidFill>
-                  <a:srgbClr val="FFFFFF"/>
-                </a:solidFill>
-              </a14:hiddenFill>
-            </a:ext>
-          </a:extLst>
+          <a:extLst/>
         </p:spPr>
       </p:pic>
     </p:spTree>
@@ -5840,439 +6427,13 @@
   <p:clrMapOvr>
     <a:masterClrMapping/>
   </p:clrMapOvr>
-  <mc:AlternateContent xmlns:mc="http://schemas.openxmlformats.org/markup-compatibility/2006">
-    <mc:Choice xmlns:p14="http://schemas.microsoft.com/office/powerpoint/2010/main" Requires="p14">
+  <mc:AlternateContent xmlns:mc="http://schemas.openxmlformats.org/markup-compatibility/2006" xmlns:p14="http://schemas.microsoft.com/office/powerpoint/2010/main">
+    <mc:Choice Requires="p14">
       <p:transition spd="slow" p14:dur="1400">
         <p14:ripple/>
       </p:transition>
     </mc:Choice>
-    <mc:Fallback>
-      <p:transition spd="slow">
-        <p:fade/>
-      </p:transition>
-    </mc:Fallback>
-  </mc:AlternateContent>
-  <p:timing>
-    <p:tnLst>
-      <p:par>
-        <p:cTn id="1" dur="indefinite" restart="never" nodeType="tmRoot"/>
-      </p:par>
-    </p:tnLst>
-  </p:timing>
-</p:sld>
-</file>
-
-<file path=ppt/slides/slide8.xml><?xml version="1.0" encoding="utf-8"?>
-<p:sld xmlns:a="http://schemas.openxmlformats.org/drawingml/2006/main" xmlns:r="http://schemas.openxmlformats.org/officeDocument/2006/relationships" xmlns:p="http://schemas.openxmlformats.org/presentationml/2006/main">
-  <p:cSld>
-    <p:spTree>
-      <p:nvGrpSpPr>
-        <p:cNvPr id="1" name=""/>
-        <p:cNvGrpSpPr/>
-        <p:nvPr/>
-      </p:nvGrpSpPr>
-      <p:grpSpPr>
-        <a:xfrm>
-          <a:off x="0" y="0"/>
-          <a:ext cx="0" cy="0"/>
-          <a:chOff x="0" y="0"/>
-          <a:chExt cx="0" cy="0"/>
-        </a:xfrm>
-      </p:grpSpPr>
-      <p:pic>
-        <p:nvPicPr>
-          <p:cNvPr id="4" name="Picture 2" descr="Imagen relacionada"/>
-          <p:cNvPicPr>
-            <a:picLocks noChangeAspect="1" noChangeArrowheads="1"/>
-          </p:cNvPicPr>
-          <p:nvPr/>
-        </p:nvPicPr>
-        <p:blipFill rotWithShape="1">
-          <a:blip r:embed="rId2">
-            <a:extLst>
-              <a:ext uri="{28A0092B-C50C-407E-A947-70E740481C1C}">
-                <a14:useLocalDpi xmlns:a14="http://schemas.microsoft.com/office/drawing/2010/main" val="0"/>
-              </a:ext>
-            </a:extLst>
-          </a:blip>
-          <a:srcRect r="44372"/>
-          <a:stretch/>
-        </p:blipFill>
-        <p:spPr bwMode="auto">
-          <a:xfrm>
-            <a:off x="-159541" y="-23036"/>
-            <a:ext cx="9546312" cy="7081969"/>
-          </a:xfrm>
-          <a:prstGeom prst="rect">
-            <a:avLst/>
-          </a:prstGeom>
-          <a:noFill/>
-          <a:extLst>
-            <a:ext uri="{909E8E84-426E-40DD-AFC4-6F175D3DCCD1}">
-              <a14:hiddenFill xmlns:a14="http://schemas.microsoft.com/office/drawing/2010/main">
-                <a:solidFill>
-                  <a:srgbClr val="FFFFFF"/>
-                </a:solidFill>
-              </a14:hiddenFill>
-            </a:ext>
-          </a:extLst>
-        </p:spPr>
-      </p:pic>
-      <p:sp>
-        <p:nvSpPr>
-          <p:cNvPr id="5" name="4 Rectángulo"/>
-          <p:cNvSpPr/>
-          <p:nvPr/>
-        </p:nvSpPr>
-        <p:spPr>
-          <a:xfrm>
-            <a:off x="1409259" y="764704"/>
-            <a:ext cx="6408712" cy="707886"/>
-          </a:xfrm>
-          <a:prstGeom prst="rect">
-            <a:avLst/>
-          </a:prstGeom>
-          <a:noFill/>
-        </p:spPr>
-        <p:txBody>
-          <a:bodyPr wrap="square" lIns="91440" tIns="45720" rIns="91440" bIns="45720">
-            <a:spAutoFit/>
-          </a:bodyPr>
-          <a:lstStyle/>
-          <a:p>
-            <a:pPr algn="ctr"/>
-            <a:r>
-              <a:rPr lang="es-ES" sz="4000" b="1" dirty="0" smtClean="0">
-                <a:ln w="12700">
-                  <a:solidFill>
-                    <a:schemeClr val="tx2">
-                      <a:satMod val="155000"/>
-                    </a:schemeClr>
-                  </a:solidFill>
-                  <a:prstDash val="solid"/>
-                </a:ln>
-                <a:solidFill>
-                  <a:schemeClr val="bg2">
-                    <a:tint val="85000"/>
-                    <a:satMod val="155000"/>
-                  </a:schemeClr>
-                </a:solidFill>
-                <a:effectLst>
-                  <a:outerShdw blurRad="41275" dist="20320" dir="1800000" algn="tl" rotWithShape="0">
-                    <a:srgbClr val="000000">
-                      <a:alpha val="40000"/>
-                    </a:srgbClr>
-                  </a:outerShdw>
-                </a:effectLst>
-              </a:rPr>
-              <a:t>Y esto no es todo…</a:t>
-            </a:r>
-            <a:endParaRPr lang="es-ES" sz="4000" b="1" dirty="0">
-              <a:ln w="12700">
-                <a:solidFill>
-                  <a:schemeClr val="tx2">
-                    <a:satMod val="155000"/>
-                  </a:schemeClr>
-                </a:solidFill>
-                <a:prstDash val="solid"/>
-              </a:ln>
-              <a:solidFill>
-                <a:schemeClr val="bg2">
-                  <a:tint val="85000"/>
-                  <a:satMod val="155000"/>
-                </a:schemeClr>
-              </a:solidFill>
-              <a:effectLst>
-                <a:outerShdw blurRad="41275" dist="20320" dir="1800000" algn="tl" rotWithShape="0">
-                  <a:srgbClr val="000000">
-                    <a:alpha val="40000"/>
-                  </a:srgbClr>
-                </a:outerShdw>
-              </a:effectLst>
-            </a:endParaRPr>
-          </a:p>
-        </p:txBody>
-      </p:sp>
-      <p:pic>
-        <p:nvPicPr>
-          <p:cNvPr id="8196" name="Picture 4" descr="Resultado de imagen de physx"/>
-          <p:cNvPicPr>
-            <a:picLocks noChangeAspect="1" noChangeArrowheads="1"/>
-          </p:cNvPicPr>
-          <p:nvPr/>
-        </p:nvPicPr>
-        <p:blipFill rotWithShape="1">
-          <a:blip r:embed="rId3">
-            <a:extLst>
-              <a:ext uri="{28A0092B-C50C-407E-A947-70E740481C1C}">
-                <a14:useLocalDpi xmlns:a14="http://schemas.microsoft.com/office/drawing/2010/main" val="0"/>
-              </a:ext>
-            </a:extLst>
-          </a:blip>
-          <a:srcRect l="7356" t="30977" r="16140" b="30871"/>
-          <a:stretch/>
-        </p:blipFill>
-        <p:spPr bwMode="auto">
-          <a:xfrm>
-            <a:off x="2616981" y="4441010"/>
-            <a:ext cx="3993267" cy="1562582"/>
-          </a:xfrm>
-          <a:prstGeom prst="rect">
-            <a:avLst/>
-          </a:prstGeom>
-          <a:noFill/>
-          <a:extLst>
-            <a:ext uri="{909E8E84-426E-40DD-AFC4-6F175D3DCCD1}">
-              <a14:hiddenFill xmlns:a14="http://schemas.microsoft.com/office/drawing/2010/main">
-                <a:solidFill>
-                  <a:srgbClr val="FFFFFF"/>
-                </a:solidFill>
-              </a14:hiddenFill>
-            </a:ext>
-          </a:extLst>
-        </p:spPr>
-      </p:pic>
-    </p:spTree>
-    <p:extLst>
-      <p:ext uri="{BB962C8B-B14F-4D97-AF65-F5344CB8AC3E}">
-        <p14:creationId xmlns:p14="http://schemas.microsoft.com/office/powerpoint/2010/main" val="3225306551"/>
-      </p:ext>
-    </p:extLst>
-  </p:cSld>
-  <p:clrMapOvr>
-    <a:masterClrMapping/>
-  </p:clrMapOvr>
-  <mc:AlternateContent xmlns:mc="http://schemas.openxmlformats.org/markup-compatibility/2006">
-    <mc:Choice xmlns:p14="http://schemas.microsoft.com/office/powerpoint/2010/main" Requires="p14">
-      <p:transition spd="slow">
-        <p14:flash/>
-      </p:transition>
-    </mc:Choice>
-    <mc:Fallback>
-      <p:transition spd="slow">
-        <p:fade/>
-      </p:transition>
-    </mc:Fallback>
-  </mc:AlternateContent>
-  <p:timing>
-    <p:tnLst>
-      <p:par>
-        <p:cTn id="1" dur="indefinite" restart="never" nodeType="tmRoot"/>
-      </p:par>
-    </p:tnLst>
-  </p:timing>
-</p:sld>
-</file>
-
-<file path=ppt/slides/slide9.xml><?xml version="1.0" encoding="utf-8"?>
-<p:sld xmlns:a="http://schemas.openxmlformats.org/drawingml/2006/main" xmlns:r="http://schemas.openxmlformats.org/officeDocument/2006/relationships" xmlns:p="http://schemas.openxmlformats.org/presentationml/2006/main">
-  <p:cSld>
-    <p:spTree>
-      <p:nvGrpSpPr>
-        <p:cNvPr id="1" name=""/>
-        <p:cNvGrpSpPr/>
-        <p:nvPr/>
-      </p:nvGrpSpPr>
-      <p:grpSpPr>
-        <a:xfrm>
-          <a:off x="0" y="0"/>
-          <a:ext cx="0" cy="0"/>
-          <a:chOff x="0" y="0"/>
-          <a:chExt cx="0" cy="0"/>
-        </a:xfrm>
-      </p:grpSpPr>
-      <p:pic>
-        <p:nvPicPr>
-          <p:cNvPr id="4" name="Picture 2" descr="Imagen relacionada"/>
-          <p:cNvPicPr>
-            <a:picLocks noChangeAspect="1" noChangeArrowheads="1"/>
-          </p:cNvPicPr>
-          <p:nvPr/>
-        </p:nvPicPr>
-        <p:blipFill rotWithShape="1">
-          <a:blip r:embed="rId2">
-            <a:extLst>
-              <a:ext uri="{28A0092B-C50C-407E-A947-70E740481C1C}">
-                <a14:useLocalDpi xmlns:a14="http://schemas.microsoft.com/office/drawing/2010/main" val="0"/>
-              </a:ext>
-            </a:extLst>
-          </a:blip>
-          <a:srcRect r="44372"/>
-          <a:stretch/>
-        </p:blipFill>
-        <p:spPr bwMode="auto">
-          <a:xfrm>
-            <a:off x="-159541" y="-23036"/>
-            <a:ext cx="9546312" cy="7081969"/>
-          </a:xfrm>
-          <a:prstGeom prst="rect">
-            <a:avLst/>
-          </a:prstGeom>
-          <a:noFill/>
-          <a:extLst>
-            <a:ext uri="{909E8E84-426E-40DD-AFC4-6F175D3DCCD1}">
-              <a14:hiddenFill xmlns:a14="http://schemas.microsoft.com/office/drawing/2010/main">
-                <a:solidFill>
-                  <a:srgbClr val="FFFFFF"/>
-                </a:solidFill>
-              </a14:hiddenFill>
-            </a:ext>
-          </a:extLst>
-        </p:spPr>
-      </p:pic>
-      <p:pic>
-        <p:nvPicPr>
-          <p:cNvPr id="9218" name="Picture 2"/>
-          <p:cNvPicPr>
-            <a:picLocks noChangeAspect="1" noChangeArrowheads="1"/>
-          </p:cNvPicPr>
-          <p:nvPr/>
-        </p:nvPicPr>
-        <p:blipFill rotWithShape="1">
-          <a:blip r:embed="rId3">
-            <a:extLst>
-              <a:ext uri="{28A0092B-C50C-407E-A947-70E740481C1C}">
-                <a14:useLocalDpi xmlns:a14="http://schemas.microsoft.com/office/drawing/2010/main" val="0"/>
-              </a:ext>
-            </a:extLst>
-          </a:blip>
-          <a:srcRect l="12932" t="11859" r="2498" b="5205"/>
-          <a:stretch/>
-        </p:blipFill>
-        <p:spPr bwMode="auto">
-          <a:xfrm>
-            <a:off x="-72608" y="1118647"/>
-            <a:ext cx="9372445" cy="5175320"/>
-          </a:xfrm>
-          <a:prstGeom prst="roundRect">
-            <a:avLst>
-              <a:gd name="adj" fmla="val 8594"/>
-            </a:avLst>
-          </a:prstGeom>
-          <a:solidFill>
-            <a:srgbClr val="FFFFFF">
-              <a:shade val="85000"/>
-            </a:srgbClr>
-          </a:solidFill>
-          <a:ln>
-            <a:noFill/>
-          </a:ln>
-          <a:effectLst>
-            <a:reflection blurRad="12700" stA="38000" endPos="28000" dist="5000" dir="5400000" sy="-100000" algn="bl" rotWithShape="0"/>
-          </a:effectLst>
-          <a:extLst>
-            <a:ext uri="{909E8E84-426E-40DD-AFC4-6F175D3DCCD1}">
-              <a14:hiddenFill xmlns:a14="http://schemas.microsoft.com/office/drawing/2010/main">
-                <a:solidFill>
-                  <a:schemeClr val="accent1"/>
-                </a:solidFill>
-              </a14:hiddenFill>
-            </a:ext>
-            <a:ext uri="{91240B29-F687-4F45-9708-019B960494DF}">
-              <a14:hiddenLine xmlns:a14="http://schemas.microsoft.com/office/drawing/2010/main" w="9525">
-                <a:solidFill>
-                  <a:schemeClr val="tx1"/>
-                </a:solidFill>
-                <a:miter lim="800000"/>
-                <a:headEnd/>
-                <a:tailEnd/>
-              </a14:hiddenLine>
-            </a:ext>
-          </a:extLst>
-        </p:spPr>
-      </p:pic>
-      <p:sp>
-        <p:nvSpPr>
-          <p:cNvPr id="6" name="5 Rectángulo"/>
-          <p:cNvSpPr/>
-          <p:nvPr/>
-        </p:nvSpPr>
-        <p:spPr>
-          <a:xfrm>
-            <a:off x="323528" y="411536"/>
-            <a:ext cx="8820472" cy="523220"/>
-          </a:xfrm>
-          <a:prstGeom prst="rect">
-            <a:avLst/>
-          </a:prstGeom>
-          <a:noFill/>
-        </p:spPr>
-        <p:txBody>
-          <a:bodyPr wrap="square" lIns="91440" tIns="45720" rIns="91440" bIns="45720">
-            <a:spAutoFit/>
-          </a:bodyPr>
-          <a:lstStyle/>
-          <a:p>
-            <a:pPr algn="ctr"/>
-            <a:r>
-              <a:rPr lang="es-ES" sz="2800" b="1" dirty="0" smtClean="0">
-                <a:ln w="12700">
-                  <a:solidFill>
-                    <a:schemeClr val="tx2">
-                      <a:satMod val="155000"/>
-                    </a:schemeClr>
-                  </a:solidFill>
-                  <a:prstDash val="solid"/>
-                </a:ln>
-                <a:solidFill>
-                  <a:schemeClr val="bg2">
-                    <a:tint val="85000"/>
-                    <a:satMod val="155000"/>
-                  </a:schemeClr>
-                </a:solidFill>
-                <a:effectLst>
-                  <a:outerShdw blurRad="41275" dist="20320" dir="1800000" algn="tl" rotWithShape="0">
-                    <a:srgbClr val="000000">
-                      <a:alpha val="40000"/>
-                    </a:srgbClr>
-                  </a:outerShdw>
-                </a:effectLst>
-              </a:rPr>
-              <a:t>Cientos de juegos usan otros tipos de aceleradores…</a:t>
-            </a:r>
-            <a:endParaRPr lang="es-ES" sz="2800" b="1" dirty="0">
-              <a:ln w="12700">
-                <a:solidFill>
-                  <a:schemeClr val="tx2">
-                    <a:satMod val="155000"/>
-                  </a:schemeClr>
-                </a:solidFill>
-                <a:prstDash val="solid"/>
-              </a:ln>
-              <a:solidFill>
-                <a:schemeClr val="bg2">
-                  <a:tint val="85000"/>
-                  <a:satMod val="155000"/>
-                </a:schemeClr>
-              </a:solidFill>
-              <a:effectLst>
-                <a:outerShdw blurRad="41275" dist="20320" dir="1800000" algn="tl" rotWithShape="0">
-                  <a:srgbClr val="000000">
-                    <a:alpha val="40000"/>
-                  </a:srgbClr>
-                </a:outerShdw>
-              </a:effectLst>
-            </a:endParaRPr>
-          </a:p>
-        </p:txBody>
-      </p:sp>
-    </p:spTree>
-    <p:extLst>
-      <p:ext uri="{BB962C8B-B14F-4D97-AF65-F5344CB8AC3E}">
-        <p14:creationId xmlns:p14="http://schemas.microsoft.com/office/powerpoint/2010/main" val="3206352606"/>
-      </p:ext>
-    </p:extLst>
-  </p:cSld>
-  <p:clrMapOvr>
-    <a:masterClrMapping/>
-  </p:clrMapOvr>
-  <mc:AlternateContent xmlns:mc="http://schemas.openxmlformats.org/markup-compatibility/2006">
-    <mc:Choice xmlns:p14="http://schemas.microsoft.com/office/powerpoint/2010/main" Requires="p14">
-      <p:transition spd="slow" p14:dur="1500">
-        <p14:pan dir="u"/>
-      </p:transition>
-    </mc:Choice>
-    <mc:Fallback>
+    <mc:Fallback xmlns="">
       <p:transition spd="slow">
         <p:fade/>
       </p:transition>

--- a/Presen.pptx
+++ b/Presen.pptx
@@ -8,15 +8,14 @@
     <p:sldId id="256" r:id="rId2"/>
     <p:sldId id="266" r:id="rId3"/>
     <p:sldId id="267" r:id="rId4"/>
-    <p:sldId id="257" r:id="rId5"/>
-    <p:sldId id="259" r:id="rId6"/>
-    <p:sldId id="258" r:id="rId7"/>
-    <p:sldId id="260" r:id="rId8"/>
-    <p:sldId id="261" r:id="rId9"/>
-    <p:sldId id="262" r:id="rId10"/>
-    <p:sldId id="263" r:id="rId11"/>
-    <p:sldId id="264" r:id="rId12"/>
-    <p:sldId id="265" r:id="rId13"/>
+    <p:sldId id="259" r:id="rId5"/>
+    <p:sldId id="258" r:id="rId6"/>
+    <p:sldId id="260" r:id="rId7"/>
+    <p:sldId id="261" r:id="rId8"/>
+    <p:sldId id="262" r:id="rId9"/>
+    <p:sldId id="263" r:id="rId10"/>
+    <p:sldId id="264" r:id="rId11"/>
+    <p:sldId id="265" r:id="rId12"/>
   </p:sldIdLst>
   <p:sldSz cx="9144000" cy="6858000" type="screen4x3"/>
   <p:notesSz cx="6858000" cy="9144000"/>
@@ -315,7 +314,7 @@
           <a:p>
             <a:fld id="{25E79235-0571-48CE-8F54-0E1DC965AED7}" type="datetimeFigureOut">
               <a:rPr lang="es-ES" smtClean="0"/>
-              <a:t>23/05/2018</a:t>
+              <a:t>24/05/2018</a:t>
             </a:fld>
             <a:endParaRPr lang="es-ES"/>
           </a:p>
@@ -485,7 +484,7 @@
           <a:p>
             <a:fld id="{25E79235-0571-48CE-8F54-0E1DC965AED7}" type="datetimeFigureOut">
               <a:rPr lang="es-ES" smtClean="0"/>
-              <a:t>23/05/2018</a:t>
+              <a:t>24/05/2018</a:t>
             </a:fld>
             <a:endParaRPr lang="es-ES"/>
           </a:p>
@@ -665,7 +664,7 @@
           <a:p>
             <a:fld id="{25E79235-0571-48CE-8F54-0E1DC965AED7}" type="datetimeFigureOut">
               <a:rPr lang="es-ES" smtClean="0"/>
-              <a:t>23/05/2018</a:t>
+              <a:t>24/05/2018</a:t>
             </a:fld>
             <a:endParaRPr lang="es-ES"/>
           </a:p>
@@ -835,7 +834,7 @@
           <a:p>
             <a:fld id="{25E79235-0571-48CE-8F54-0E1DC965AED7}" type="datetimeFigureOut">
               <a:rPr lang="es-ES" smtClean="0"/>
-              <a:t>23/05/2018</a:t>
+              <a:t>24/05/2018</a:t>
             </a:fld>
             <a:endParaRPr lang="es-ES"/>
           </a:p>
@@ -1081,7 +1080,7 @@
           <a:p>
             <a:fld id="{25E79235-0571-48CE-8F54-0E1DC965AED7}" type="datetimeFigureOut">
               <a:rPr lang="es-ES" smtClean="0"/>
-              <a:t>23/05/2018</a:t>
+              <a:t>24/05/2018</a:t>
             </a:fld>
             <a:endParaRPr lang="es-ES"/>
           </a:p>
@@ -1369,7 +1368,7 @@
           <a:p>
             <a:fld id="{25E79235-0571-48CE-8F54-0E1DC965AED7}" type="datetimeFigureOut">
               <a:rPr lang="es-ES" smtClean="0"/>
-              <a:t>23/05/2018</a:t>
+              <a:t>24/05/2018</a:t>
             </a:fld>
             <a:endParaRPr lang="es-ES"/>
           </a:p>
@@ -1791,7 +1790,7 @@
           <a:p>
             <a:fld id="{25E79235-0571-48CE-8F54-0E1DC965AED7}" type="datetimeFigureOut">
               <a:rPr lang="es-ES" smtClean="0"/>
-              <a:t>23/05/2018</a:t>
+              <a:t>24/05/2018</a:t>
             </a:fld>
             <a:endParaRPr lang="es-ES"/>
           </a:p>
@@ -1909,7 +1908,7 @@
           <a:p>
             <a:fld id="{25E79235-0571-48CE-8F54-0E1DC965AED7}" type="datetimeFigureOut">
               <a:rPr lang="es-ES" smtClean="0"/>
-              <a:t>23/05/2018</a:t>
+              <a:t>24/05/2018</a:t>
             </a:fld>
             <a:endParaRPr lang="es-ES"/>
           </a:p>
@@ -2004,7 +2003,7 @@
           <a:p>
             <a:fld id="{25E79235-0571-48CE-8F54-0E1DC965AED7}" type="datetimeFigureOut">
               <a:rPr lang="es-ES" smtClean="0"/>
-              <a:t>23/05/2018</a:t>
+              <a:t>24/05/2018</a:t>
             </a:fld>
             <a:endParaRPr lang="es-ES"/>
           </a:p>
@@ -2281,7 +2280,7 @@
           <a:p>
             <a:fld id="{25E79235-0571-48CE-8F54-0E1DC965AED7}" type="datetimeFigureOut">
               <a:rPr lang="es-ES" smtClean="0"/>
-              <a:t>23/05/2018</a:t>
+              <a:t>24/05/2018</a:t>
             </a:fld>
             <a:endParaRPr lang="es-ES"/>
           </a:p>
@@ -2534,7 +2533,7 @@
           <a:p>
             <a:fld id="{25E79235-0571-48CE-8F54-0E1DC965AED7}" type="datetimeFigureOut">
               <a:rPr lang="es-ES" smtClean="0"/>
-              <a:t>23/05/2018</a:t>
+              <a:t>24/05/2018</a:t>
             </a:fld>
             <a:endParaRPr lang="es-ES"/>
           </a:p>
@@ -2747,7 +2746,7 @@
           <a:p>
             <a:fld id="{25E79235-0571-48CE-8F54-0E1DC965AED7}" type="datetimeFigureOut">
               <a:rPr lang="es-ES" smtClean="0"/>
-              <a:t>23/05/2018</a:t>
+              <a:t>24/05/2018</a:t>
             </a:fld>
             <a:endParaRPr lang="es-ES"/>
           </a:p>
@@ -3497,16 +3496,70 @@
           </a:extLst>
         </p:spPr>
       </p:pic>
-      <p:sp>
-        <p:nvSpPr>
-          <p:cNvPr id="5" name="4 Rectángulo"/>
+      <p:pic>
+        <p:nvPicPr>
+          <p:cNvPr id="9218" name="Picture 2"/>
+          <p:cNvPicPr>
+            <a:picLocks noChangeAspect="1" noChangeArrowheads="1"/>
+          </p:cNvPicPr>
+          <p:nvPr/>
+        </p:nvPicPr>
+        <p:blipFill rotWithShape="1">
+          <a:blip r:embed="rId3">
+            <a:extLst>
+              <a:ext uri="{28A0092B-C50C-407E-A947-70E740481C1C}">
+                <a14:useLocalDpi xmlns:a14="http://schemas.microsoft.com/office/drawing/2010/main" val="0"/>
+              </a:ext>
+            </a:extLst>
+          </a:blip>
+          <a:srcRect l="12932" t="11859" r="2498" b="5205"/>
+          <a:stretch/>
+        </p:blipFill>
+        <p:spPr bwMode="auto">
+          <a:xfrm>
+            <a:off x="-72608" y="1118647"/>
+            <a:ext cx="9372445" cy="5175320"/>
+          </a:xfrm>
+          <a:prstGeom prst="roundRect">
+            <a:avLst>
+              <a:gd name="adj" fmla="val 8594"/>
+            </a:avLst>
+          </a:prstGeom>
+          <a:solidFill>
+            <a:srgbClr val="FFFFFF">
+              <a:shade val="85000"/>
+            </a:srgbClr>
+          </a:solidFill>
+          <a:ln>
+            <a:noFill/>
+          </a:ln>
+          <a:effectLst>
+            <a:reflection blurRad="12700" stA="38000" endPos="28000" dist="5000" dir="5400000" sy="-100000" algn="bl" rotWithShape="0"/>
+          </a:effectLst>
+          <a:extLst>
+            <a:ext uri="{91240B29-F687-4F45-9708-019B960494DF}">
+              <a14:hiddenLine xmlns:a14="http://schemas.microsoft.com/office/drawing/2010/main" w="9525">
+                <a:solidFill>
+                  <a:schemeClr val="tx1"/>
+                </a:solidFill>
+                <a:miter lim="800000"/>
+                <a:headEnd/>
+                <a:tailEnd/>
+              </a14:hiddenLine>
+            </a:ext>
+          </a:extLst>
+        </p:spPr>
+      </p:pic>
+      <p:sp>
+        <p:nvSpPr>
+          <p:cNvPr id="6" name="5 Rectángulo"/>
           <p:cNvSpPr/>
           <p:nvPr/>
         </p:nvSpPr>
         <p:spPr>
           <a:xfrm>
-            <a:off x="1409259" y="764704"/>
-            <a:ext cx="6408712" cy="707886"/>
+            <a:off x="323528" y="411536"/>
+            <a:ext cx="8820472" cy="523220"/>
           </a:xfrm>
           <a:prstGeom prst="rect">
             <a:avLst/>
@@ -3521,7 +3574,7 @@
           <a:p>
             <a:pPr algn="ctr"/>
             <a:r>
-              <a:rPr lang="es-ES" sz="4000" b="1" dirty="0" smtClean="0">
+              <a:rPr lang="es-ES" sz="2800" b="1" dirty="0" smtClean="0">
                 <a:ln w="12700">
                   <a:solidFill>
                     <a:schemeClr val="tx2">
@@ -3544,9 +3597,9 @@
                   </a:outerShdw>
                 </a:effectLst>
               </a:rPr>
-              <a:t>Y esto no es todo…</a:t>
-            </a:r>
-            <a:endParaRPr lang="es-ES" sz="4000" b="1" dirty="0">
+              <a:t>Cientos de juegos usan otros tipos de aceleradores…</a:t>
+            </a:r>
+            <a:endParaRPr lang="es-ES" sz="2800" b="1" dirty="0">
               <a:ln w="12700">
                 <a:solidFill>
                   <a:schemeClr val="tx2">
@@ -3572,49 +3625,10 @@
           </a:p>
         </p:txBody>
       </p:sp>
-      <p:pic>
-        <p:nvPicPr>
-          <p:cNvPr id="8196" name="Picture 4" descr="Resultado de imagen de physx"/>
-          <p:cNvPicPr>
-            <a:picLocks noChangeAspect="1" noChangeArrowheads="1"/>
-          </p:cNvPicPr>
-          <p:nvPr/>
-        </p:nvPicPr>
-        <p:blipFill rotWithShape="1">
-          <a:blip r:embed="rId3">
-            <a:extLst>
-              <a:ext uri="{28A0092B-C50C-407E-A947-70E740481C1C}">
-                <a14:useLocalDpi xmlns:a14="http://schemas.microsoft.com/office/drawing/2010/main" val="0"/>
-              </a:ext>
-            </a:extLst>
-          </a:blip>
-          <a:srcRect l="7356" t="30977" r="16140" b="30871"/>
-          <a:stretch/>
-        </p:blipFill>
-        <p:spPr bwMode="auto">
-          <a:xfrm>
-            <a:off x="2616981" y="4441010"/>
-            <a:ext cx="3993267" cy="1562582"/>
-          </a:xfrm>
-          <a:prstGeom prst="rect">
-            <a:avLst/>
-          </a:prstGeom>
-          <a:noFill/>
-          <a:extLst>
-            <a:ext uri="{909E8E84-426E-40DD-AFC4-6F175D3DCCD1}">
-              <a14:hiddenFill xmlns:a14="http://schemas.microsoft.com/office/drawing/2010/main">
-                <a:solidFill>
-                  <a:srgbClr val="FFFFFF"/>
-                </a:solidFill>
-              </a14:hiddenFill>
-            </a:ext>
-          </a:extLst>
-        </p:spPr>
-      </p:pic>
     </p:spTree>
     <p:extLst>
       <p:ext uri="{BB962C8B-B14F-4D97-AF65-F5344CB8AC3E}">
-        <p14:creationId xmlns:p14="http://schemas.microsoft.com/office/powerpoint/2010/main" val="3225306551"/>
+        <p14:creationId xmlns:p14="http://schemas.microsoft.com/office/powerpoint/2010/main" val="3206352606"/>
       </p:ext>
     </p:extLst>
   </p:cSld>
@@ -3623,8 +3637,8 @@
   </p:clrMapOvr>
   <mc:AlternateContent xmlns:mc="http://schemas.openxmlformats.org/markup-compatibility/2006" xmlns:p14="http://schemas.microsoft.com/office/powerpoint/2010/main">
     <mc:Choice Requires="p14">
-      <p:transition spd="slow">
-        <p14:flash/>
+      <p:transition spd="slow" p14:dur="1500">
+        <p14:pan dir="u"/>
       </p:transition>
     </mc:Choice>
     <mc:Fallback xmlns="">
@@ -3701,7 +3715,7 @@
       </p:pic>
       <p:pic>
         <p:nvPicPr>
-          <p:cNvPr id="9218" name="Picture 2"/>
+          <p:cNvPr id="2050" name="Picture 2" descr="Resultado de imagen de gracias por su atencion"/>
           <p:cNvPicPr>
             <a:picLocks noChangeAspect="1" noChangeArrowheads="1"/>
           </p:cNvPicPr>
@@ -3715,191 +3729,13 @@
               </a:ext>
             </a:extLst>
           </a:blip>
-          <a:srcRect l="12932" t="11859" r="2498" b="5205"/>
+          <a:srcRect b="19774"/>
           <a:stretch/>
         </p:blipFill>
         <p:spPr bwMode="auto">
           <a:xfrm>
-            <a:off x="-72608" y="1118647"/>
-            <a:ext cx="9372445" cy="5175320"/>
-          </a:xfrm>
-          <a:prstGeom prst="roundRect">
-            <a:avLst>
-              <a:gd name="adj" fmla="val 8594"/>
-            </a:avLst>
-          </a:prstGeom>
-          <a:solidFill>
-            <a:srgbClr val="FFFFFF">
-              <a:shade val="85000"/>
-            </a:srgbClr>
-          </a:solidFill>
-          <a:ln>
-            <a:noFill/>
-          </a:ln>
-          <a:effectLst>
-            <a:reflection blurRad="12700" stA="38000" endPos="28000" dist="5000" dir="5400000" sy="-100000" algn="bl" rotWithShape="0"/>
-          </a:effectLst>
-          <a:extLst>
-            <a:ext uri="{91240B29-F687-4F45-9708-019B960494DF}">
-              <a14:hiddenLine xmlns:a14="http://schemas.microsoft.com/office/drawing/2010/main" w="9525">
-                <a:solidFill>
-                  <a:schemeClr val="tx1"/>
-                </a:solidFill>
-                <a:miter lim="800000"/>
-                <a:headEnd/>
-                <a:tailEnd/>
-              </a14:hiddenLine>
-            </a:ext>
-          </a:extLst>
-        </p:spPr>
-      </p:pic>
-      <p:sp>
-        <p:nvSpPr>
-          <p:cNvPr id="6" name="5 Rectángulo"/>
-          <p:cNvSpPr/>
-          <p:nvPr/>
-        </p:nvSpPr>
-        <p:spPr>
-          <a:xfrm>
-            <a:off x="323528" y="411536"/>
-            <a:ext cx="8820472" cy="523220"/>
-          </a:xfrm>
-          <a:prstGeom prst="rect">
-            <a:avLst/>
-          </a:prstGeom>
-          <a:noFill/>
-        </p:spPr>
-        <p:txBody>
-          <a:bodyPr wrap="square" lIns="91440" tIns="45720" rIns="91440" bIns="45720">
-            <a:spAutoFit/>
-          </a:bodyPr>
-          <a:lstStyle/>
-          <a:p>
-            <a:pPr algn="ctr"/>
-            <a:r>
-              <a:rPr lang="es-ES" sz="2800" b="1" dirty="0" smtClean="0">
-                <a:ln w="12700">
-                  <a:solidFill>
-                    <a:schemeClr val="tx2">
-                      <a:satMod val="155000"/>
-                    </a:schemeClr>
-                  </a:solidFill>
-                  <a:prstDash val="solid"/>
-                </a:ln>
-                <a:solidFill>
-                  <a:schemeClr val="bg2">
-                    <a:tint val="85000"/>
-                    <a:satMod val="155000"/>
-                  </a:schemeClr>
-                </a:solidFill>
-                <a:effectLst>
-                  <a:outerShdw blurRad="41275" dist="20320" dir="1800000" algn="tl" rotWithShape="0">
-                    <a:srgbClr val="000000">
-                      <a:alpha val="40000"/>
-                    </a:srgbClr>
-                  </a:outerShdw>
-                </a:effectLst>
-              </a:rPr>
-              <a:t>Cientos de juegos usan otros tipos de aceleradores…</a:t>
-            </a:r>
-            <a:endParaRPr lang="es-ES" sz="2800" b="1" dirty="0">
-              <a:ln w="12700">
-                <a:solidFill>
-                  <a:schemeClr val="tx2">
-                    <a:satMod val="155000"/>
-                  </a:schemeClr>
-                </a:solidFill>
-                <a:prstDash val="solid"/>
-              </a:ln>
-              <a:solidFill>
-                <a:schemeClr val="bg2">
-                  <a:tint val="85000"/>
-                  <a:satMod val="155000"/>
-                </a:schemeClr>
-              </a:solidFill>
-              <a:effectLst>
-                <a:outerShdw blurRad="41275" dist="20320" dir="1800000" algn="tl" rotWithShape="0">
-                  <a:srgbClr val="000000">
-                    <a:alpha val="40000"/>
-                  </a:srgbClr>
-                </a:outerShdw>
-              </a:effectLst>
-            </a:endParaRPr>
-          </a:p>
-        </p:txBody>
-      </p:sp>
-    </p:spTree>
-    <p:extLst>
-      <p:ext uri="{BB962C8B-B14F-4D97-AF65-F5344CB8AC3E}">
-        <p14:creationId xmlns:p14="http://schemas.microsoft.com/office/powerpoint/2010/main" val="3206352606"/>
-      </p:ext>
-    </p:extLst>
-  </p:cSld>
-  <p:clrMapOvr>
-    <a:masterClrMapping/>
-  </p:clrMapOvr>
-  <mc:AlternateContent xmlns:mc="http://schemas.openxmlformats.org/markup-compatibility/2006" xmlns:p14="http://schemas.microsoft.com/office/powerpoint/2010/main">
-    <mc:Choice Requires="p14">
-      <p:transition spd="slow" p14:dur="1500">
-        <p14:pan dir="u"/>
-      </p:transition>
-    </mc:Choice>
-    <mc:Fallback xmlns="">
-      <p:transition spd="slow">
-        <p:fade/>
-      </p:transition>
-    </mc:Fallback>
-  </mc:AlternateContent>
-  <p:timing>
-    <p:tnLst>
-      <p:par>
-        <p:cTn id="1" dur="indefinite" restart="never" nodeType="tmRoot"/>
-      </p:par>
-    </p:tnLst>
-  </p:timing>
-</p:sld>
-</file>
-
-<file path=ppt/slides/slide12.xml><?xml version="1.0" encoding="utf-8"?>
-<p:sld xmlns:a="http://schemas.openxmlformats.org/drawingml/2006/main" xmlns:r="http://schemas.openxmlformats.org/officeDocument/2006/relationships" xmlns:p="http://schemas.openxmlformats.org/presentationml/2006/main">
-  <p:cSld>
-    <p:spTree>
-      <p:nvGrpSpPr>
-        <p:cNvPr id="1" name=""/>
-        <p:cNvGrpSpPr/>
-        <p:nvPr/>
-      </p:nvGrpSpPr>
-      <p:grpSpPr>
-        <a:xfrm>
-          <a:off x="0" y="0"/>
-          <a:ext cx="0" cy="0"/>
-          <a:chOff x="0" y="0"/>
-          <a:chExt cx="0" cy="0"/>
-        </a:xfrm>
-      </p:grpSpPr>
-      <p:pic>
-        <p:nvPicPr>
-          <p:cNvPr id="4" name="Picture 2" descr="Imagen relacionada"/>
-          <p:cNvPicPr>
-            <a:picLocks noChangeAspect="1" noChangeArrowheads="1"/>
-          </p:cNvPicPr>
-          <p:nvPr/>
-        </p:nvPicPr>
-        <p:blipFill rotWithShape="1">
-          <a:blip r:embed="rId2">
-            <a:extLst>
-              <a:ext uri="{28A0092B-C50C-407E-A947-70E740481C1C}">
-                <a14:useLocalDpi xmlns:a14="http://schemas.microsoft.com/office/drawing/2010/main" val="0"/>
-              </a:ext>
-            </a:extLst>
-          </a:blip>
-          <a:srcRect r="44372"/>
-          <a:stretch/>
-        </p:blipFill>
-        <p:spPr bwMode="auto">
-          <a:xfrm>
-            <a:off x="-159541" y="-23036"/>
-            <a:ext cx="9546312" cy="7081969"/>
+            <a:off x="2305572" y="980728"/>
+            <a:ext cx="4616085" cy="4320480"/>
           </a:xfrm>
           <a:prstGeom prst="rect">
             <a:avLst/>
@@ -3916,81 +3752,6 @@
           </a:extLst>
         </p:spPr>
       </p:pic>
-      <p:sp>
-        <p:nvSpPr>
-          <p:cNvPr id="5" name="4 Rectángulo"/>
-          <p:cNvSpPr/>
-          <p:nvPr/>
-        </p:nvSpPr>
-        <p:spPr>
-          <a:xfrm rot="20044047">
-            <a:off x="-360555" y="1216787"/>
-            <a:ext cx="9928759" cy="4339650"/>
-          </a:xfrm>
-          <a:prstGeom prst="rect">
-            <a:avLst/>
-          </a:prstGeom>
-          <a:noFill/>
-        </p:spPr>
-        <p:txBody>
-          <a:bodyPr wrap="square" lIns="91440" tIns="45720" rIns="91440" bIns="45720">
-            <a:spAutoFit/>
-          </a:bodyPr>
-          <a:lstStyle/>
-          <a:p>
-            <a:pPr algn="ctr"/>
-            <a:r>
-              <a:rPr lang="es-ES" sz="13800" b="1" dirty="0" smtClean="0">
-                <a:ln w="12700">
-                  <a:solidFill>
-                    <a:schemeClr val="tx2">
-                      <a:satMod val="155000"/>
-                    </a:schemeClr>
-                  </a:solidFill>
-                  <a:prstDash val="solid"/>
-                </a:ln>
-                <a:solidFill>
-                  <a:schemeClr val="bg2">
-                    <a:tint val="85000"/>
-                    <a:satMod val="155000"/>
-                  </a:schemeClr>
-                </a:solidFill>
-                <a:effectLst>
-                  <a:outerShdw blurRad="41275" dist="20320" dir="1800000" algn="tl" rotWithShape="0">
-                    <a:srgbClr val="000000">
-                      <a:alpha val="40000"/>
-                    </a:srgbClr>
-                  </a:outerShdw>
-                </a:effectLst>
-              </a:rPr>
-              <a:t>Gracias por su atención</a:t>
-            </a:r>
-            <a:endParaRPr lang="es-ES" sz="13800" b="1" dirty="0">
-              <a:ln w="12700">
-                <a:solidFill>
-                  <a:schemeClr val="tx2">
-                    <a:satMod val="155000"/>
-                  </a:schemeClr>
-                </a:solidFill>
-                <a:prstDash val="solid"/>
-              </a:ln>
-              <a:solidFill>
-                <a:schemeClr val="bg2">
-                  <a:tint val="85000"/>
-                  <a:satMod val="155000"/>
-                </a:schemeClr>
-              </a:solidFill>
-              <a:effectLst>
-                <a:outerShdw blurRad="41275" dist="20320" dir="1800000" algn="tl" rotWithShape="0">
-                  <a:srgbClr val="000000">
-                    <a:alpha val="40000"/>
-                  </a:srgbClr>
-                </a:outerShdw>
-              </a:effectLst>
-            </a:endParaRPr>
-          </a:p>
-        </p:txBody>
-      </p:sp>
     </p:spTree>
     <p:extLst>
       <p:ext uri="{BB962C8B-B14F-4D97-AF65-F5344CB8AC3E}">
@@ -4040,29 +3801,47 @@
           <a:chExt cx="0" cy="0"/>
         </a:xfrm>
       </p:grpSpPr>
-      <p:sp>
-        <p:nvSpPr>
-          <p:cNvPr id="2" name="Título 1"/>
-          <p:cNvSpPr>
-            <a:spLocks noGrp="1"/>
-          </p:cNvSpPr>
-          <p:nvPr>
-            <p:ph type="title"/>
-          </p:nvPr>
-        </p:nvSpPr>
-        <p:spPr/>
-        <p:txBody>
-          <a:bodyPr/>
-          <a:lstStyle/>
-          <a:p>
-            <a:r>
-              <a:rPr lang="es-ES" dirty="0" smtClean="0"/>
-              <a:t>Bucle Tradicional de Juego</a:t>
-            </a:r>
-            <a:endParaRPr lang="es-ES" dirty="0"/>
-          </a:p>
-        </p:txBody>
-      </p:sp>
+      <p:pic>
+        <p:nvPicPr>
+          <p:cNvPr id="1026" name="Picture 2" descr="Imagen relacionada"/>
+          <p:cNvPicPr>
+            <a:picLocks noChangeAspect="1" noChangeArrowheads="1"/>
+          </p:cNvPicPr>
+          <p:nvPr/>
+        </p:nvPicPr>
+        <p:blipFill>
+          <a:blip r:embed="rId2">
+            <a:extLst>
+              <a:ext uri="{28A0092B-C50C-407E-A947-70E740481C1C}">
+                <a14:useLocalDpi xmlns:a14="http://schemas.microsoft.com/office/drawing/2010/main" val="0"/>
+              </a:ext>
+            </a:extLst>
+          </a:blip>
+          <a:srcRect/>
+          <a:stretch>
+            <a:fillRect/>
+          </a:stretch>
+        </p:blipFill>
+        <p:spPr bwMode="auto">
+          <a:xfrm>
+            <a:off x="-17025" y="0"/>
+            <a:ext cx="12191996" cy="6858000"/>
+          </a:xfrm>
+          <a:prstGeom prst="rect">
+            <a:avLst/>
+          </a:prstGeom>
+          <a:noFill/>
+          <a:extLst>
+            <a:ext uri="{909E8E84-426E-40DD-AFC4-6F175D3DCCD1}">
+              <a14:hiddenFill xmlns:a14="http://schemas.microsoft.com/office/drawing/2010/main">
+                <a:solidFill>
+                  <a:srgbClr val="FFFFFF"/>
+                </a:solidFill>
+              </a14:hiddenFill>
+            </a:ext>
+          </a:extLst>
+        </p:spPr>
+      </p:pic>
       <p:sp>
         <p:nvSpPr>
           <p:cNvPr id="3" name="Marcador de contenido 2"/>
@@ -4079,23 +3858,143 @@
           <a:lstStyle/>
           <a:p>
             <a:r>
-              <a:rPr lang="es-ES" dirty="0" err="1" smtClean="0"/>
+              <a:rPr lang="es-ES" dirty="0" err="1" smtClean="0">
+                <a:solidFill>
+                  <a:schemeClr val="bg1"/>
+                </a:solidFill>
+              </a:rPr>
               <a:t>Arcade</a:t>
             </a:r>
             <a:r>
-              <a:rPr lang="es-ES" dirty="0" smtClean="0"/>
-              <a:t> (1970)</a:t>
-            </a:r>
-          </a:p>
-          <a:p>
-            <a:endParaRPr lang="es-ES" dirty="0" smtClean="0"/>
-          </a:p>
-          <a:p>
-            <a:r>
-              <a:rPr lang="es-ES"/>
+              <a:rPr lang="es-ES" dirty="0" smtClean="0">
+                <a:solidFill>
+                  <a:schemeClr val="bg1"/>
+                </a:solidFill>
+              </a:rPr>
+              <a:t> (1970</a:t>
+            </a:r>
+            <a:r>
+              <a:rPr lang="es-ES" dirty="0" smtClean="0">
+                <a:solidFill>
+                  <a:schemeClr val="bg1"/>
+                </a:solidFill>
+              </a:rPr>
+              <a:t>)</a:t>
+            </a:r>
+          </a:p>
+          <a:p>
+            <a:endParaRPr lang="es-ES" dirty="0" smtClean="0">
+              <a:solidFill>
+                <a:schemeClr val="bg1"/>
+              </a:solidFill>
+            </a:endParaRPr>
+          </a:p>
+          <a:p>
+            <a:r>
+              <a:rPr lang="es-ES" dirty="0" smtClean="0">
+                <a:solidFill>
+                  <a:schemeClr val="bg1"/>
+                </a:solidFill>
+              </a:rPr>
+              <a:t>Bucle tradicional de juego</a:t>
+            </a:r>
+            <a:endParaRPr lang="es-ES" dirty="0" smtClean="0">
+              <a:solidFill>
+                <a:schemeClr val="bg1"/>
+              </a:solidFill>
+            </a:endParaRPr>
+          </a:p>
+          <a:p>
+            <a:endParaRPr lang="es-ES" dirty="0" smtClean="0">
+              <a:solidFill>
+                <a:schemeClr val="bg1"/>
+              </a:solidFill>
+            </a:endParaRPr>
+          </a:p>
+          <a:p>
+            <a:r>
+              <a:rPr lang="es-ES" dirty="0">
+                <a:solidFill>
+                  <a:schemeClr val="bg1"/>
+                </a:solidFill>
+              </a:rPr>
               <a:t>https://en.wikipedia.org/wiki/Graphics_processing_unit#1970s</a:t>
             </a:r>
-            <a:endParaRPr lang="es-ES" dirty="0"/>
+          </a:p>
+        </p:txBody>
+      </p:sp>
+      <p:sp>
+        <p:nvSpPr>
+          <p:cNvPr id="4" name="4 Rectángulo"/>
+          <p:cNvSpPr/>
+          <p:nvPr/>
+        </p:nvSpPr>
+        <p:spPr>
+          <a:xfrm>
+            <a:off x="827584" y="260648"/>
+            <a:ext cx="7488832" cy="769441"/>
+          </a:xfrm>
+          <a:prstGeom prst="rect">
+            <a:avLst/>
+          </a:prstGeom>
+          <a:noFill/>
+        </p:spPr>
+        <p:txBody>
+          <a:bodyPr wrap="square" lIns="91440" tIns="45720" rIns="91440" bIns="45720">
+            <a:spAutoFit/>
+          </a:bodyPr>
+          <a:lstStyle/>
+          <a:p>
+            <a:pPr algn="ctr"/>
+            <a:r>
+              <a:rPr lang="es-ES" sz="4400" b="1" dirty="0" smtClean="0">
+                <a:ln w="12700">
+                  <a:solidFill>
+                    <a:schemeClr val="tx2">
+                      <a:satMod val="155000"/>
+                    </a:schemeClr>
+                  </a:solidFill>
+                  <a:prstDash val="solid"/>
+                </a:ln>
+                <a:solidFill>
+                  <a:schemeClr val="bg2">
+                    <a:tint val="85000"/>
+                    <a:satMod val="155000"/>
+                  </a:schemeClr>
+                </a:solidFill>
+                <a:effectLst>
+                  <a:outerShdw blurRad="41275" dist="20320" dir="1800000" algn="tl" rotWithShape="0">
+                    <a:srgbClr val="000000">
+                      <a:alpha val="40000"/>
+                    </a:srgbClr>
+                  </a:outerShdw>
+                </a:effectLst>
+              </a:rPr>
+              <a:t>Los primeros juegos</a:t>
+            </a:r>
+            <a:endParaRPr lang="es-ES" sz="4400" b="1" dirty="0">
+              <a:ln w="12700">
+                <a:solidFill>
+                  <a:schemeClr val="tx2">
+                    <a:satMod val="155000"/>
+                  </a:schemeClr>
+                </a:solidFill>
+                <a:prstDash val="solid"/>
+              </a:ln>
+              <a:solidFill>
+                <a:schemeClr val="bg2">
+                  <a:tint val="85000"/>
+                  <a:satMod val="155000"/>
+                </a:schemeClr>
+              </a:solidFill>
+              <a:effectLst>
+                <a:outerShdw blurRad="41275" dist="20320" dir="1800000" algn="tl" rotWithShape="0">
+                  <a:srgbClr val="000000">
+                    <a:alpha val="40000"/>
+                  </a:srgbClr>
+                </a:outerShdw>
+              </a:effectLst>
+            </a:endParaRPr>
           </a:p>
         </p:txBody>
       </p:sp>
@@ -4109,6 +4008,25 @@
   <p:clrMapOvr>
     <a:masterClrMapping/>
   </p:clrMapOvr>
+  <mc:AlternateContent xmlns:mc="http://schemas.openxmlformats.org/markup-compatibility/2006">
+    <mc:Choice xmlns:p15="http://schemas.microsoft.com/office/powerpoint/2012/main" Requires="p15">
+      <p:transition xmlns:p14="http://schemas.microsoft.com/office/powerpoint/2010/main" spd="slow" p14:dur="2000">
+        <p15:prstTrans prst="fallOver"/>
+      </p:transition>
+    </mc:Choice>
+    <mc:Fallback>
+      <p:transition spd="slow">
+        <p:fade/>
+      </p:transition>
+    </mc:Fallback>
+  </mc:AlternateContent>
+  <p:timing>
+    <p:tnLst>
+      <p:par>
+        <p:cTn id="1" dur="indefinite" restart="never" nodeType="tmRoot"/>
+      </p:par>
+    </p:tnLst>
+  </p:timing>
 </p:sld>
 </file>
 
@@ -4129,93 +4047,9 @@
           <a:chExt cx="0" cy="0"/>
         </a:xfrm>
       </p:grpSpPr>
-      <p:sp>
-        <p:nvSpPr>
-          <p:cNvPr id="2" name="Título 1"/>
-          <p:cNvSpPr>
-            <a:spLocks noGrp="1"/>
-          </p:cNvSpPr>
-          <p:nvPr>
-            <p:ph type="title"/>
-          </p:nvPr>
-        </p:nvSpPr>
-        <p:spPr/>
-        <p:txBody>
-          <a:bodyPr>
-            <a:normAutofit fontScale="90000"/>
-          </a:bodyPr>
-          <a:lstStyle/>
-          <a:p>
-            <a:r>
-              <a:rPr lang="es-ES" dirty="0" smtClean="0"/>
-              <a:t>Historia de los aceleradores en videojuegos</a:t>
-            </a:r>
-            <a:endParaRPr lang="es-ES" dirty="0"/>
-          </a:p>
-        </p:txBody>
-      </p:sp>
       <p:pic>
         <p:nvPicPr>
-          <p:cNvPr id="5" name="Marcador de contenido 4"/>
-          <p:cNvPicPr>
-            <a:picLocks noGrp="1" noChangeAspect="1"/>
-          </p:cNvPicPr>
-          <p:nvPr>
-            <p:ph idx="1"/>
-          </p:nvPr>
-        </p:nvPicPr>
-        <p:blipFill>
-          <a:blip r:embed="rId2">
-            <a:extLst>
-              <a:ext uri="{28A0092B-C50C-407E-A947-70E740481C1C}">
-                <a14:useLocalDpi xmlns:a14="http://schemas.microsoft.com/office/drawing/2010/main" val="0"/>
-              </a:ext>
-            </a:extLst>
-          </a:blip>
-          <a:stretch>
-            <a:fillRect/>
-          </a:stretch>
-        </p:blipFill>
-        <p:spPr>
-          <a:xfrm>
-            <a:off x="1115616" y="1772816"/>
-            <a:ext cx="2880320" cy="1889490"/>
-          </a:xfrm>
-        </p:spPr>
-      </p:pic>
-    </p:spTree>
-    <p:extLst>
-      <p:ext uri="{BB962C8B-B14F-4D97-AF65-F5344CB8AC3E}">
-        <p14:creationId xmlns:p14="http://schemas.microsoft.com/office/powerpoint/2010/main" val="3978551972"/>
-      </p:ext>
-    </p:extLst>
-  </p:cSld>
-  <p:clrMapOvr>
-    <a:masterClrMapping/>
-  </p:clrMapOvr>
-</p:sld>
-</file>
-
-<file path=ppt/slides/slide4.xml><?xml version="1.0" encoding="utf-8"?>
-<p:sld xmlns:a="http://schemas.openxmlformats.org/drawingml/2006/main" xmlns:r="http://schemas.openxmlformats.org/officeDocument/2006/relationships" xmlns:p="http://schemas.openxmlformats.org/presentationml/2006/main">
-  <p:cSld>
-    <p:spTree>
-      <p:nvGrpSpPr>
-        <p:cNvPr id="1" name=""/>
-        <p:cNvGrpSpPr/>
-        <p:nvPr/>
-      </p:nvGrpSpPr>
-      <p:grpSpPr>
-        <a:xfrm>
-          <a:off x="0" y="0"/>
-          <a:ext cx="0" cy="0"/>
-          <a:chOff x="0" y="0"/>
-          <a:chExt cx="0" cy="0"/>
-        </a:xfrm>
-      </p:grpSpPr>
-      <p:pic>
-        <p:nvPicPr>
-          <p:cNvPr id="2050" name="Picture 2" descr="Imagen relacionada"/>
+          <p:cNvPr id="4" name="Picture 2" descr="Imagen relacionada"/>
           <p:cNvPicPr>
             <a:picLocks noChangeAspect="1" noChangeArrowheads="1"/>
           </p:cNvPicPr>
@@ -4235,9 +4069,9 @@
           </a:stretch>
         </p:blipFill>
         <p:spPr bwMode="auto">
-          <a:xfrm flipH="1">
-            <a:off x="-2265496" y="0"/>
-            <a:ext cx="11412760" cy="6858000"/>
+          <a:xfrm>
+            <a:off x="-9885" y="-6978"/>
+            <a:ext cx="12191996" cy="6858000"/>
           </a:xfrm>
           <a:prstGeom prst="rect">
             <a:avLst/>
@@ -4254,16 +4088,61 @@
           </a:extLst>
         </p:spPr>
       </p:pic>
-      <p:sp>
-        <p:nvSpPr>
-          <p:cNvPr id="7" name="6 Rectángulo"/>
+      <p:pic>
+        <p:nvPicPr>
+          <p:cNvPr id="5" name="Marcador de contenido 4"/>
+          <p:cNvPicPr>
+            <a:picLocks noGrp="1" noChangeAspect="1"/>
+          </p:cNvPicPr>
+          <p:nvPr>
+            <p:ph idx="1"/>
+          </p:nvPr>
+        </p:nvPicPr>
+        <p:blipFill>
+          <a:blip r:embed="rId3">
+            <a:extLst>
+              <a:ext uri="{28A0092B-C50C-407E-A947-70E740481C1C}">
+                <a14:useLocalDpi xmlns:a14="http://schemas.microsoft.com/office/drawing/2010/main" val="0"/>
+              </a:ext>
+            </a:extLst>
+          </a:blip>
+          <a:stretch>
+            <a:fillRect/>
+          </a:stretch>
+        </p:blipFill>
+        <p:spPr>
+          <a:xfrm>
+            <a:off x="2555776" y="2852936"/>
+            <a:ext cx="3814479" cy="2502298"/>
+          </a:xfrm>
+          <a:prstGeom prst="roundRect">
+            <a:avLst>
+              <a:gd name="adj" fmla="val 8594"/>
+            </a:avLst>
+          </a:prstGeom>
+          <a:solidFill>
+            <a:srgbClr val="FFFFFF">
+              <a:shade val="85000"/>
+            </a:srgbClr>
+          </a:solidFill>
+          <a:ln>
+            <a:noFill/>
+          </a:ln>
+          <a:effectLst>
+            <a:reflection blurRad="12700" stA="38000" endPos="28000" dist="5000" dir="5400000" sy="-100000" algn="bl" rotWithShape="0"/>
+          </a:effectLst>
+        </p:spPr>
+      </p:pic>
+      <p:sp>
+        <p:nvSpPr>
+          <p:cNvPr id="7" name="4 Rectángulo"/>
           <p:cNvSpPr/>
           <p:nvPr/>
         </p:nvSpPr>
         <p:spPr>
           <a:xfrm>
-            <a:off x="971600" y="340191"/>
-            <a:ext cx="7488832" cy="769441"/>
+            <a:off x="899592" y="326266"/>
+            <a:ext cx="7488832" cy="1446550"/>
           </a:xfrm>
           <a:prstGeom prst="rect">
             <a:avLst/>
@@ -4301,7 +4180,7 @@
                   </a:outerShdw>
                 </a:effectLst>
               </a:rPr>
-              <a:t>CUDA en aplicaciones</a:t>
+              <a:t>Historia de los aceleradores en videojuegos</a:t>
             </a:r>
             <a:endParaRPr lang="es-ES" sz="4400" b="1" dirty="0">
               <a:ln w="12700">
@@ -4329,51 +4208,10 @@
           </a:p>
         </p:txBody>
       </p:sp>
-      <p:pic>
-        <p:nvPicPr>
-          <p:cNvPr id="9" name="Picture 6" descr="Resultado de imagen de CUDA png"/>
-          <p:cNvPicPr>
-            <a:picLocks noChangeAspect="1" noChangeArrowheads="1"/>
-          </p:cNvPicPr>
-          <p:nvPr/>
-        </p:nvPicPr>
-        <p:blipFill>
-          <a:blip r:embed="rId3">
-            <a:extLst>
-              <a:ext uri="{28A0092B-C50C-407E-A947-70E740481C1C}">
-                <a14:useLocalDpi xmlns:a14="http://schemas.microsoft.com/office/drawing/2010/main" val="0"/>
-              </a:ext>
-            </a:extLst>
-          </a:blip>
-          <a:srcRect/>
-          <a:stretch>
-            <a:fillRect/>
-          </a:stretch>
-        </p:blipFill>
-        <p:spPr bwMode="auto">
-          <a:xfrm>
-            <a:off x="4932040" y="2636912"/>
-            <a:ext cx="1872208" cy="1872208"/>
-          </a:xfrm>
-          <a:prstGeom prst="rect">
-            <a:avLst/>
-          </a:prstGeom>
-          <a:noFill/>
-          <a:extLst>
-            <a:ext uri="{909E8E84-426E-40DD-AFC4-6F175D3DCCD1}">
-              <a14:hiddenFill xmlns:a14="http://schemas.microsoft.com/office/drawing/2010/main">
-                <a:solidFill>
-                  <a:srgbClr val="FFFFFF"/>
-                </a:solidFill>
-              </a14:hiddenFill>
-            </a:ext>
-          </a:extLst>
-        </p:spPr>
-      </p:pic>
     </p:spTree>
     <p:extLst>
       <p:ext uri="{BB962C8B-B14F-4D97-AF65-F5344CB8AC3E}">
-        <p14:creationId xmlns:p14="http://schemas.microsoft.com/office/powerpoint/2010/main" val="1372150703"/>
+        <p14:creationId xmlns:p14="http://schemas.microsoft.com/office/powerpoint/2010/main" val="3978551972"/>
       </p:ext>
     </p:extLst>
   </p:cSld>
@@ -4393,7 +4231,7 @@
 </p:sld>
 </file>
 
-<file path=ppt/slides/slide5.xml><?xml version="1.0" encoding="utf-8"?>
+<file path=ppt/slides/slide4.xml><?xml version="1.0" encoding="utf-8"?>
 <p:sld xmlns:a="http://schemas.openxmlformats.org/drawingml/2006/main" xmlns:r="http://schemas.openxmlformats.org/officeDocument/2006/relationships" xmlns:p="http://schemas.openxmlformats.org/presentationml/2006/main">
   <p:cSld>
     <p:spTree>
@@ -4850,14 +4688,222 @@
   <p:timing>
     <p:tnLst>
       <p:par>
-        <p:cTn id="1" dur="indefinite" restart="never" nodeType="tmRoot"/>
+        <p:cTn id="1" dur="indefinite" restart="never" nodeType="tmRoot">
+          <p:childTnLst>
+            <p:seq concurrent="1" nextAc="seek">
+              <p:cTn id="2" dur="indefinite" nodeType="mainSeq">
+                <p:childTnLst>
+                  <p:par>
+                    <p:cTn id="3" fill="hold">
+                      <p:stCondLst>
+                        <p:cond delay="indefinite"/>
+                      </p:stCondLst>
+                      <p:childTnLst>
+                        <p:par>
+                          <p:cTn id="4" fill="hold">
+                            <p:stCondLst>
+                              <p:cond delay="0"/>
+                            </p:stCondLst>
+                            <p:childTnLst>
+                              <p:par>
+                                <p:cTn id="5" presetID="42" presetClass="entr" presetSubtype="0" fill="hold" grpId="0" nodeType="clickEffect">
+                                  <p:stCondLst>
+                                    <p:cond delay="0"/>
+                                  </p:stCondLst>
+                                  <p:childTnLst>
+                                    <p:set>
+                                      <p:cBhvr>
+                                        <p:cTn id="6" dur="1" fill="hold">
+                                          <p:stCondLst>
+                                            <p:cond delay="0"/>
+                                          </p:stCondLst>
+                                        </p:cTn>
+                                        <p:tgtEl>
+                                          <p:spTgt spid="8"/>
+                                        </p:tgtEl>
+                                        <p:attrNameLst>
+                                          <p:attrName>style.visibility</p:attrName>
+                                        </p:attrNameLst>
+                                      </p:cBhvr>
+                                      <p:to>
+                                        <p:strVal val="visible"/>
+                                      </p:to>
+                                    </p:set>
+                                    <p:animEffect transition="in" filter="fade">
+                                      <p:cBhvr>
+                                        <p:cTn id="7" dur="1000"/>
+                                        <p:tgtEl>
+                                          <p:spTgt spid="8"/>
+                                        </p:tgtEl>
+                                      </p:cBhvr>
+                                    </p:animEffect>
+                                    <p:anim calcmode="lin" valueType="num">
+                                      <p:cBhvr>
+                                        <p:cTn id="8" dur="1000" fill="hold"/>
+                                        <p:tgtEl>
+                                          <p:spTgt spid="8"/>
+                                        </p:tgtEl>
+                                        <p:attrNameLst>
+                                          <p:attrName>ppt_x</p:attrName>
+                                        </p:attrNameLst>
+                                      </p:cBhvr>
+                                      <p:tavLst>
+                                        <p:tav tm="0">
+                                          <p:val>
+                                            <p:strVal val="#ppt_x"/>
+                                          </p:val>
+                                        </p:tav>
+                                        <p:tav tm="100000">
+                                          <p:val>
+                                            <p:strVal val="#ppt_x"/>
+                                          </p:val>
+                                        </p:tav>
+                                      </p:tavLst>
+                                    </p:anim>
+                                    <p:anim calcmode="lin" valueType="num">
+                                      <p:cBhvr>
+                                        <p:cTn id="9" dur="1000" fill="hold"/>
+                                        <p:tgtEl>
+                                          <p:spTgt spid="8"/>
+                                        </p:tgtEl>
+                                        <p:attrNameLst>
+                                          <p:attrName>ppt_y</p:attrName>
+                                        </p:attrNameLst>
+                                      </p:cBhvr>
+                                      <p:tavLst>
+                                        <p:tav tm="0">
+                                          <p:val>
+                                            <p:strVal val="#ppt_y+.1"/>
+                                          </p:val>
+                                        </p:tav>
+                                        <p:tav tm="100000">
+                                          <p:val>
+                                            <p:strVal val="#ppt_y"/>
+                                          </p:val>
+                                        </p:tav>
+                                      </p:tavLst>
+                                    </p:anim>
+                                  </p:childTnLst>
+                                </p:cTn>
+                              </p:par>
+                            </p:childTnLst>
+                          </p:cTn>
+                        </p:par>
+                        <p:par>
+                          <p:cTn id="10" fill="hold">
+                            <p:stCondLst>
+                              <p:cond delay="1000"/>
+                            </p:stCondLst>
+                            <p:childTnLst>
+                              <p:par>
+                                <p:cTn id="11" presetID="2" presetClass="entr" presetSubtype="4" fill="hold" grpId="0" nodeType="afterEffect">
+                                  <p:stCondLst>
+                                    <p:cond delay="0"/>
+                                  </p:stCondLst>
+                                  <p:childTnLst>
+                                    <p:set>
+                                      <p:cBhvr>
+                                        <p:cTn id="12" dur="1" fill="hold">
+                                          <p:stCondLst>
+                                            <p:cond delay="0"/>
+                                          </p:stCondLst>
+                                        </p:cTn>
+                                        <p:tgtEl>
+                                          <p:spTgt spid="2"/>
+                                        </p:tgtEl>
+                                        <p:attrNameLst>
+                                          <p:attrName>style.visibility</p:attrName>
+                                        </p:attrNameLst>
+                                      </p:cBhvr>
+                                      <p:to>
+                                        <p:strVal val="visible"/>
+                                      </p:to>
+                                    </p:set>
+                                    <p:anim calcmode="lin" valueType="num">
+                                      <p:cBhvr additive="base">
+                                        <p:cTn id="13" dur="500" fill="hold"/>
+                                        <p:tgtEl>
+                                          <p:spTgt spid="2"/>
+                                        </p:tgtEl>
+                                        <p:attrNameLst>
+                                          <p:attrName>ppt_x</p:attrName>
+                                        </p:attrNameLst>
+                                      </p:cBhvr>
+                                      <p:tavLst>
+                                        <p:tav tm="0">
+                                          <p:val>
+                                            <p:strVal val="#ppt_x"/>
+                                          </p:val>
+                                        </p:tav>
+                                        <p:tav tm="100000">
+                                          <p:val>
+                                            <p:strVal val="#ppt_x"/>
+                                          </p:val>
+                                        </p:tav>
+                                      </p:tavLst>
+                                    </p:anim>
+                                    <p:anim calcmode="lin" valueType="num">
+                                      <p:cBhvr additive="base">
+                                        <p:cTn id="14" dur="500" fill="hold"/>
+                                        <p:tgtEl>
+                                          <p:spTgt spid="2"/>
+                                        </p:tgtEl>
+                                        <p:attrNameLst>
+                                          <p:attrName>ppt_y</p:attrName>
+                                        </p:attrNameLst>
+                                      </p:cBhvr>
+                                      <p:tavLst>
+                                        <p:tav tm="0">
+                                          <p:val>
+                                            <p:strVal val="1+#ppt_h/2"/>
+                                          </p:val>
+                                        </p:tav>
+                                        <p:tav tm="100000">
+                                          <p:val>
+                                            <p:strVal val="#ppt_y"/>
+                                          </p:val>
+                                        </p:tav>
+                                      </p:tavLst>
+                                    </p:anim>
+                                  </p:childTnLst>
+                                </p:cTn>
+                              </p:par>
+                            </p:childTnLst>
+                          </p:cTn>
+                        </p:par>
+                      </p:childTnLst>
+                    </p:cTn>
+                  </p:par>
+                </p:childTnLst>
+              </p:cTn>
+              <p:prevCondLst>
+                <p:cond evt="onPrev" delay="0">
+                  <p:tgtEl>
+                    <p:sldTgt/>
+                  </p:tgtEl>
+                </p:cond>
+              </p:prevCondLst>
+              <p:nextCondLst>
+                <p:cond evt="onNext" delay="0">
+                  <p:tgtEl>
+                    <p:sldTgt/>
+                  </p:tgtEl>
+                </p:cond>
+              </p:nextCondLst>
+            </p:seq>
+          </p:childTnLst>
+        </p:cTn>
       </p:par>
     </p:tnLst>
+    <p:bldLst>
+      <p:bldP spid="8" grpId="0"/>
+      <p:bldP spid="2" grpId="0"/>
+    </p:bldLst>
   </p:timing>
 </p:sld>
 </file>
 
-<file path=ppt/slides/slide6.xml><?xml version="1.0" encoding="utf-8"?>
+<file path=ppt/slides/slide5.xml><?xml version="1.0" encoding="utf-8"?>
 <p:sld xmlns:a="http://schemas.openxmlformats.org/drawingml/2006/main" xmlns:r="http://schemas.openxmlformats.org/officeDocument/2006/relationships" xmlns:p="http://schemas.openxmlformats.org/presentationml/2006/main">
   <p:cSld>
     <p:spTree>
@@ -5154,7 +5200,7 @@
 </p:sld>
 </file>
 
-<file path=ppt/slides/slide7.xml><?xml version="1.0" encoding="utf-8"?>
+<file path=ppt/slides/slide6.xml><?xml version="1.0" encoding="utf-8"?>
 <p:sld xmlns:a="http://schemas.openxmlformats.org/drawingml/2006/main" xmlns:r="http://schemas.openxmlformats.org/officeDocument/2006/relationships" xmlns:p="http://schemas.openxmlformats.org/presentationml/2006/main">
   <p:cSld>
     <p:spTree>
@@ -5606,7 +5652,7 @@
 </p:sld>
 </file>
 
-<file path=ppt/slides/slide8.xml><?xml version="1.0" encoding="utf-8"?>
+<file path=ppt/slides/slide7.xml><?xml version="1.0" encoding="utf-8"?>
 <p:sld xmlns:a="http://schemas.openxmlformats.org/drawingml/2006/main" xmlns:r="http://schemas.openxmlformats.org/officeDocument/2006/relationships" xmlns:p="http://schemas.openxmlformats.org/presentationml/2006/main">
   <p:cSld>
     <p:spTree>
@@ -6000,7 +6046,7 @@
 </p:sld>
 </file>
 
-<file path=ppt/slides/slide9.xml><?xml version="1.0" encoding="utf-8"?>
+<file path=ppt/slides/slide8.xml><?xml version="1.0" encoding="utf-8"?>
 <p:sld xmlns:a="http://schemas.openxmlformats.org/drawingml/2006/main" xmlns:r="http://schemas.openxmlformats.org/officeDocument/2006/relationships" xmlns:p="http://schemas.openxmlformats.org/presentationml/2006/main">
   <p:cSld>
     <p:spTree>
@@ -6431,6 +6477,208 @@
     <mc:Choice Requires="p14">
       <p:transition spd="slow" p14:dur="1400">
         <p14:ripple/>
+      </p:transition>
+    </mc:Choice>
+    <mc:Fallback xmlns="">
+      <p:transition spd="slow">
+        <p:fade/>
+      </p:transition>
+    </mc:Fallback>
+  </mc:AlternateContent>
+  <p:timing>
+    <p:tnLst>
+      <p:par>
+        <p:cTn id="1" dur="indefinite" restart="never" nodeType="tmRoot"/>
+      </p:par>
+    </p:tnLst>
+  </p:timing>
+</p:sld>
+</file>
+
+<file path=ppt/slides/slide9.xml><?xml version="1.0" encoding="utf-8"?>
+<p:sld xmlns:a="http://schemas.openxmlformats.org/drawingml/2006/main" xmlns:r="http://schemas.openxmlformats.org/officeDocument/2006/relationships" xmlns:p="http://schemas.openxmlformats.org/presentationml/2006/main">
+  <p:cSld>
+    <p:spTree>
+      <p:nvGrpSpPr>
+        <p:cNvPr id="1" name=""/>
+        <p:cNvGrpSpPr/>
+        <p:nvPr/>
+      </p:nvGrpSpPr>
+      <p:grpSpPr>
+        <a:xfrm>
+          <a:off x="0" y="0"/>
+          <a:ext cx="0" cy="0"/>
+          <a:chOff x="0" y="0"/>
+          <a:chExt cx="0" cy="0"/>
+        </a:xfrm>
+      </p:grpSpPr>
+      <p:pic>
+        <p:nvPicPr>
+          <p:cNvPr id="4" name="Picture 2" descr="Imagen relacionada"/>
+          <p:cNvPicPr>
+            <a:picLocks noChangeAspect="1" noChangeArrowheads="1"/>
+          </p:cNvPicPr>
+          <p:nvPr/>
+        </p:nvPicPr>
+        <p:blipFill rotWithShape="1">
+          <a:blip r:embed="rId2">
+            <a:extLst>
+              <a:ext uri="{28A0092B-C50C-407E-A947-70E740481C1C}">
+                <a14:useLocalDpi xmlns:a14="http://schemas.microsoft.com/office/drawing/2010/main" val="0"/>
+              </a:ext>
+            </a:extLst>
+          </a:blip>
+          <a:srcRect r="44372"/>
+          <a:stretch/>
+        </p:blipFill>
+        <p:spPr bwMode="auto">
+          <a:xfrm>
+            <a:off x="-159541" y="-23036"/>
+            <a:ext cx="9546312" cy="7081969"/>
+          </a:xfrm>
+          <a:prstGeom prst="rect">
+            <a:avLst/>
+          </a:prstGeom>
+          <a:noFill/>
+          <a:extLst>
+            <a:ext uri="{909E8E84-426E-40DD-AFC4-6F175D3DCCD1}">
+              <a14:hiddenFill xmlns:a14="http://schemas.microsoft.com/office/drawing/2010/main">
+                <a:solidFill>
+                  <a:srgbClr val="FFFFFF"/>
+                </a:solidFill>
+              </a14:hiddenFill>
+            </a:ext>
+          </a:extLst>
+        </p:spPr>
+      </p:pic>
+      <p:sp>
+        <p:nvSpPr>
+          <p:cNvPr id="5" name="4 Rectángulo"/>
+          <p:cNvSpPr/>
+          <p:nvPr/>
+        </p:nvSpPr>
+        <p:spPr>
+          <a:xfrm>
+            <a:off x="1409259" y="764704"/>
+            <a:ext cx="6408712" cy="707886"/>
+          </a:xfrm>
+          <a:prstGeom prst="rect">
+            <a:avLst/>
+          </a:prstGeom>
+          <a:noFill/>
+        </p:spPr>
+        <p:txBody>
+          <a:bodyPr wrap="square" lIns="91440" tIns="45720" rIns="91440" bIns="45720">
+            <a:spAutoFit/>
+          </a:bodyPr>
+          <a:lstStyle/>
+          <a:p>
+            <a:pPr algn="ctr"/>
+            <a:r>
+              <a:rPr lang="es-ES" sz="4000" b="1" dirty="0" smtClean="0">
+                <a:ln w="12700">
+                  <a:solidFill>
+                    <a:schemeClr val="tx2">
+                      <a:satMod val="155000"/>
+                    </a:schemeClr>
+                  </a:solidFill>
+                  <a:prstDash val="solid"/>
+                </a:ln>
+                <a:solidFill>
+                  <a:schemeClr val="bg2">
+                    <a:tint val="85000"/>
+                    <a:satMod val="155000"/>
+                  </a:schemeClr>
+                </a:solidFill>
+                <a:effectLst>
+                  <a:outerShdw blurRad="41275" dist="20320" dir="1800000" algn="tl" rotWithShape="0">
+                    <a:srgbClr val="000000">
+                      <a:alpha val="40000"/>
+                    </a:srgbClr>
+                  </a:outerShdw>
+                </a:effectLst>
+              </a:rPr>
+              <a:t>Y esto no es todo…</a:t>
+            </a:r>
+            <a:endParaRPr lang="es-ES" sz="4000" b="1" dirty="0">
+              <a:ln w="12700">
+                <a:solidFill>
+                  <a:schemeClr val="tx2">
+                    <a:satMod val="155000"/>
+                  </a:schemeClr>
+                </a:solidFill>
+                <a:prstDash val="solid"/>
+              </a:ln>
+              <a:solidFill>
+                <a:schemeClr val="bg2">
+                  <a:tint val="85000"/>
+                  <a:satMod val="155000"/>
+                </a:schemeClr>
+              </a:solidFill>
+              <a:effectLst>
+                <a:outerShdw blurRad="41275" dist="20320" dir="1800000" algn="tl" rotWithShape="0">
+                  <a:srgbClr val="000000">
+                    <a:alpha val="40000"/>
+                  </a:srgbClr>
+                </a:outerShdw>
+              </a:effectLst>
+            </a:endParaRPr>
+          </a:p>
+        </p:txBody>
+      </p:sp>
+      <p:pic>
+        <p:nvPicPr>
+          <p:cNvPr id="8196" name="Picture 4" descr="Resultado de imagen de physx"/>
+          <p:cNvPicPr>
+            <a:picLocks noChangeAspect="1" noChangeArrowheads="1"/>
+          </p:cNvPicPr>
+          <p:nvPr/>
+        </p:nvPicPr>
+        <p:blipFill rotWithShape="1">
+          <a:blip r:embed="rId3">
+            <a:extLst>
+              <a:ext uri="{28A0092B-C50C-407E-A947-70E740481C1C}">
+                <a14:useLocalDpi xmlns:a14="http://schemas.microsoft.com/office/drawing/2010/main" val="0"/>
+              </a:ext>
+            </a:extLst>
+          </a:blip>
+          <a:srcRect l="7356" t="30977" r="16140" b="30871"/>
+          <a:stretch/>
+        </p:blipFill>
+        <p:spPr bwMode="auto">
+          <a:xfrm>
+            <a:off x="2616981" y="4441010"/>
+            <a:ext cx="3993267" cy="1562582"/>
+          </a:xfrm>
+          <a:prstGeom prst="rect">
+            <a:avLst/>
+          </a:prstGeom>
+          <a:noFill/>
+          <a:extLst>
+            <a:ext uri="{909E8E84-426E-40DD-AFC4-6F175D3DCCD1}">
+              <a14:hiddenFill xmlns:a14="http://schemas.microsoft.com/office/drawing/2010/main">
+                <a:solidFill>
+                  <a:srgbClr val="FFFFFF"/>
+                </a:solidFill>
+              </a14:hiddenFill>
+            </a:ext>
+          </a:extLst>
+        </p:spPr>
+      </p:pic>
+    </p:spTree>
+    <p:extLst>
+      <p:ext uri="{BB962C8B-B14F-4D97-AF65-F5344CB8AC3E}">
+        <p14:creationId xmlns:p14="http://schemas.microsoft.com/office/powerpoint/2010/main" val="3225306551"/>
+      </p:ext>
+    </p:extLst>
+  </p:cSld>
+  <p:clrMapOvr>
+    <a:masterClrMapping/>
+  </p:clrMapOvr>
+  <mc:AlternateContent xmlns:mc="http://schemas.openxmlformats.org/markup-compatibility/2006" xmlns:p14="http://schemas.microsoft.com/office/powerpoint/2010/main">
+    <mc:Choice Requires="p14">
+      <p:transition spd="slow">
+        <p14:flash/>
       </p:transition>
     </mc:Choice>
     <mc:Fallback xmlns="">

--- a/Presen.pptx
+++ b/Presen.pptx
@@ -9,13 +9,14 @@
     <p:sldId id="266" r:id="rId3"/>
     <p:sldId id="267" r:id="rId4"/>
     <p:sldId id="259" r:id="rId5"/>
-    <p:sldId id="258" r:id="rId6"/>
-    <p:sldId id="260" r:id="rId7"/>
-    <p:sldId id="261" r:id="rId8"/>
-    <p:sldId id="262" r:id="rId9"/>
-    <p:sldId id="263" r:id="rId10"/>
-    <p:sldId id="264" r:id="rId11"/>
-    <p:sldId id="265" r:id="rId12"/>
+    <p:sldId id="264" r:id="rId6"/>
+    <p:sldId id="263" r:id="rId7"/>
+    <p:sldId id="268" r:id="rId8"/>
+    <p:sldId id="258" r:id="rId9"/>
+    <p:sldId id="260" r:id="rId10"/>
+    <p:sldId id="261" r:id="rId11"/>
+    <p:sldId id="262" r:id="rId12"/>
+    <p:sldId id="265" r:id="rId13"/>
   </p:sldIdLst>
   <p:sldSz cx="9144000" cy="6858000" type="screen4x3"/>
   <p:notesSz cx="6858000" cy="9144000"/>
@@ -171,10 +172,9 @@
           <a:lstStyle/>
           <a:p>
             <a:r>
-              <a:rPr lang="es-ES" smtClean="0"/>
+              <a:rPr lang="es-ES"/>
               <a:t>Haga clic para modificar el estilo de título del patrón</a:t>
             </a:r>
-            <a:endParaRPr lang="es-ES"/>
           </a:p>
         </p:txBody>
       </p:sp>
@@ -290,10 +290,9 @@
           </a:lstStyle>
           <a:p>
             <a:r>
-              <a:rPr lang="es-ES" smtClean="0"/>
+              <a:rPr lang="es-ES"/>
               <a:t>Haga clic para modificar el estilo de subtítulo del patrón</a:t>
             </a:r>
-            <a:endParaRPr lang="es-ES"/>
           </a:p>
         </p:txBody>
       </p:sp>
@@ -408,10 +407,9 @@
           <a:lstStyle/>
           <a:p>
             <a:r>
-              <a:rPr lang="es-ES" smtClean="0"/>
+              <a:rPr lang="es-ES"/>
               <a:t>Haga clic para modificar el estilo de título del patrón</a:t>
             </a:r>
-            <a:endParaRPr lang="es-ES"/>
           </a:p>
         </p:txBody>
       </p:sp>
@@ -432,38 +430,37 @@
           <a:p>
             <a:pPr lvl="0"/>
             <a:r>
-              <a:rPr lang="es-ES" smtClean="0"/>
+              <a:rPr lang="es-ES"/>
               <a:t>Haga clic para modificar el estilo de texto del patrón</a:t>
             </a:r>
           </a:p>
           <a:p>
             <a:pPr lvl="1"/>
             <a:r>
-              <a:rPr lang="es-ES" smtClean="0"/>
+              <a:rPr lang="es-ES"/>
               <a:t>Segundo nivel</a:t>
             </a:r>
           </a:p>
           <a:p>
             <a:pPr lvl="2"/>
             <a:r>
-              <a:rPr lang="es-ES" smtClean="0"/>
+              <a:rPr lang="es-ES"/>
               <a:t>Tercer nivel</a:t>
             </a:r>
           </a:p>
           <a:p>
             <a:pPr lvl="3"/>
             <a:r>
-              <a:rPr lang="es-ES" smtClean="0"/>
+              <a:rPr lang="es-ES"/>
               <a:t>Cuarto nivel</a:t>
             </a:r>
           </a:p>
           <a:p>
             <a:pPr lvl="4"/>
             <a:r>
-              <a:rPr lang="es-ES" smtClean="0"/>
+              <a:rPr lang="es-ES"/>
               <a:t>Quinto nivel</a:t>
             </a:r>
-            <a:endParaRPr lang="es-ES"/>
           </a:p>
         </p:txBody>
       </p:sp>
@@ -583,10 +580,9 @@
           <a:lstStyle/>
           <a:p>
             <a:r>
-              <a:rPr lang="es-ES" smtClean="0"/>
+              <a:rPr lang="es-ES"/>
               <a:t>Haga clic para modificar el estilo de título del patrón</a:t>
             </a:r>
-            <a:endParaRPr lang="es-ES"/>
           </a:p>
         </p:txBody>
       </p:sp>
@@ -612,38 +608,37 @@
           <a:p>
             <a:pPr lvl="0"/>
             <a:r>
-              <a:rPr lang="es-ES" smtClean="0"/>
+              <a:rPr lang="es-ES"/>
               <a:t>Haga clic para modificar el estilo de texto del patrón</a:t>
             </a:r>
           </a:p>
           <a:p>
             <a:pPr lvl="1"/>
             <a:r>
-              <a:rPr lang="es-ES" smtClean="0"/>
+              <a:rPr lang="es-ES"/>
               <a:t>Segundo nivel</a:t>
             </a:r>
           </a:p>
           <a:p>
             <a:pPr lvl="2"/>
             <a:r>
-              <a:rPr lang="es-ES" smtClean="0"/>
+              <a:rPr lang="es-ES"/>
               <a:t>Tercer nivel</a:t>
             </a:r>
           </a:p>
           <a:p>
             <a:pPr lvl="3"/>
             <a:r>
-              <a:rPr lang="es-ES" smtClean="0"/>
+              <a:rPr lang="es-ES"/>
               <a:t>Cuarto nivel</a:t>
             </a:r>
           </a:p>
           <a:p>
             <a:pPr lvl="4"/>
             <a:r>
-              <a:rPr lang="es-ES" smtClean="0"/>
+              <a:rPr lang="es-ES"/>
               <a:t>Quinto nivel</a:t>
             </a:r>
-            <a:endParaRPr lang="es-ES"/>
           </a:p>
         </p:txBody>
       </p:sp>
@@ -758,10 +753,9 @@
           <a:lstStyle/>
           <a:p>
             <a:r>
-              <a:rPr lang="es-ES" smtClean="0"/>
+              <a:rPr lang="es-ES"/>
               <a:t>Haga clic para modificar el estilo de título del patrón</a:t>
             </a:r>
-            <a:endParaRPr lang="es-ES"/>
           </a:p>
         </p:txBody>
       </p:sp>
@@ -782,38 +776,37 @@
           <a:p>
             <a:pPr lvl="0"/>
             <a:r>
-              <a:rPr lang="es-ES" smtClean="0"/>
+              <a:rPr lang="es-ES"/>
               <a:t>Haga clic para modificar el estilo de texto del patrón</a:t>
             </a:r>
           </a:p>
           <a:p>
             <a:pPr lvl="1"/>
             <a:r>
-              <a:rPr lang="es-ES" smtClean="0"/>
+              <a:rPr lang="es-ES"/>
               <a:t>Segundo nivel</a:t>
             </a:r>
           </a:p>
           <a:p>
             <a:pPr lvl="2"/>
             <a:r>
-              <a:rPr lang="es-ES" smtClean="0"/>
+              <a:rPr lang="es-ES"/>
               <a:t>Tercer nivel</a:t>
             </a:r>
           </a:p>
           <a:p>
             <a:pPr lvl="3"/>
             <a:r>
-              <a:rPr lang="es-ES" smtClean="0"/>
+              <a:rPr lang="es-ES"/>
               <a:t>Cuarto nivel</a:t>
             </a:r>
           </a:p>
           <a:p>
             <a:pPr lvl="4"/>
             <a:r>
-              <a:rPr lang="es-ES" smtClean="0"/>
+              <a:rPr lang="es-ES"/>
               <a:t>Quinto nivel</a:t>
             </a:r>
-            <a:endParaRPr lang="es-ES"/>
           </a:p>
         </p:txBody>
       </p:sp>
@@ -937,10 +930,9 @@
           </a:lstStyle>
           <a:p>
             <a:r>
-              <a:rPr lang="es-ES" smtClean="0"/>
+              <a:rPr lang="es-ES"/>
               <a:t>Haga clic para modificar el estilo de título del patrón</a:t>
             </a:r>
-            <a:endParaRPr lang="es-ES"/>
           </a:p>
         </p:txBody>
       </p:sp>
@@ -1057,7 +1049,7 @@
           <a:p>
             <a:pPr lvl="0"/>
             <a:r>
-              <a:rPr lang="es-ES" smtClean="0"/>
+              <a:rPr lang="es-ES"/>
               <a:t>Haga clic para modificar el estilo de texto del patrón</a:t>
             </a:r>
           </a:p>
@@ -1174,10 +1166,9 @@
           <a:lstStyle/>
           <a:p>
             <a:r>
-              <a:rPr lang="es-ES" smtClean="0"/>
+              <a:rPr lang="es-ES"/>
               <a:t>Haga clic para modificar el estilo de título del patrón</a:t>
             </a:r>
-            <a:endParaRPr lang="es-ES"/>
           </a:p>
         </p:txBody>
       </p:sp>
@@ -1231,38 +1222,37 @@
           <a:p>
             <a:pPr lvl="0"/>
             <a:r>
-              <a:rPr lang="es-ES" smtClean="0"/>
+              <a:rPr lang="es-ES"/>
               <a:t>Haga clic para modificar el estilo de texto del patrón</a:t>
             </a:r>
           </a:p>
           <a:p>
             <a:pPr lvl="1"/>
             <a:r>
-              <a:rPr lang="es-ES" smtClean="0"/>
+              <a:rPr lang="es-ES"/>
               <a:t>Segundo nivel</a:t>
             </a:r>
           </a:p>
           <a:p>
             <a:pPr lvl="2"/>
             <a:r>
-              <a:rPr lang="es-ES" smtClean="0"/>
+              <a:rPr lang="es-ES"/>
               <a:t>Tercer nivel</a:t>
             </a:r>
           </a:p>
           <a:p>
             <a:pPr lvl="3"/>
             <a:r>
-              <a:rPr lang="es-ES" smtClean="0"/>
+              <a:rPr lang="es-ES"/>
               <a:t>Cuarto nivel</a:t>
             </a:r>
           </a:p>
           <a:p>
             <a:pPr lvl="4"/>
             <a:r>
-              <a:rPr lang="es-ES" smtClean="0"/>
+              <a:rPr lang="es-ES"/>
               <a:t>Quinto nivel</a:t>
             </a:r>
-            <a:endParaRPr lang="es-ES"/>
           </a:p>
         </p:txBody>
       </p:sp>
@@ -1316,38 +1306,37 @@
           <a:p>
             <a:pPr lvl="0"/>
             <a:r>
-              <a:rPr lang="es-ES" smtClean="0"/>
+              <a:rPr lang="es-ES"/>
               <a:t>Haga clic para modificar el estilo de texto del patrón</a:t>
             </a:r>
           </a:p>
           <a:p>
             <a:pPr lvl="1"/>
             <a:r>
-              <a:rPr lang="es-ES" smtClean="0"/>
+              <a:rPr lang="es-ES"/>
               <a:t>Segundo nivel</a:t>
             </a:r>
           </a:p>
           <a:p>
             <a:pPr lvl="2"/>
             <a:r>
-              <a:rPr lang="es-ES" smtClean="0"/>
+              <a:rPr lang="es-ES"/>
               <a:t>Tercer nivel</a:t>
             </a:r>
           </a:p>
           <a:p>
             <a:pPr lvl="3"/>
             <a:r>
-              <a:rPr lang="es-ES" smtClean="0"/>
+              <a:rPr lang="es-ES"/>
               <a:t>Cuarto nivel</a:t>
             </a:r>
           </a:p>
           <a:p>
             <a:pPr lvl="4"/>
             <a:r>
-              <a:rPr lang="es-ES" smtClean="0"/>
+              <a:rPr lang="es-ES"/>
               <a:t>Quinto nivel</a:t>
             </a:r>
-            <a:endParaRPr lang="es-ES"/>
           </a:p>
         </p:txBody>
       </p:sp>
@@ -1466,10 +1455,9 @@
           </a:lstStyle>
           <a:p>
             <a:r>
-              <a:rPr lang="es-ES" smtClean="0"/>
+              <a:rPr lang="es-ES"/>
               <a:t>Haga clic para modificar el estilo de título del patrón</a:t>
             </a:r>
-            <a:endParaRPr lang="es-ES"/>
           </a:p>
         </p:txBody>
       </p:sp>
@@ -1532,7 +1520,7 @@
           <a:p>
             <a:pPr lvl="0"/>
             <a:r>
-              <a:rPr lang="es-ES" smtClean="0"/>
+              <a:rPr lang="es-ES"/>
               <a:t>Haga clic para modificar el estilo de texto del patrón</a:t>
             </a:r>
           </a:p>
@@ -1588,38 +1576,37 @@
           <a:p>
             <a:pPr lvl="0"/>
             <a:r>
-              <a:rPr lang="es-ES" smtClean="0"/>
+              <a:rPr lang="es-ES"/>
               <a:t>Haga clic para modificar el estilo de texto del patrón</a:t>
             </a:r>
           </a:p>
           <a:p>
             <a:pPr lvl="1"/>
             <a:r>
-              <a:rPr lang="es-ES" smtClean="0"/>
+              <a:rPr lang="es-ES"/>
               <a:t>Segundo nivel</a:t>
             </a:r>
           </a:p>
           <a:p>
             <a:pPr lvl="2"/>
             <a:r>
-              <a:rPr lang="es-ES" smtClean="0"/>
+              <a:rPr lang="es-ES"/>
               <a:t>Tercer nivel</a:t>
             </a:r>
           </a:p>
           <a:p>
             <a:pPr lvl="3"/>
             <a:r>
-              <a:rPr lang="es-ES" smtClean="0"/>
+              <a:rPr lang="es-ES"/>
               <a:t>Cuarto nivel</a:t>
             </a:r>
           </a:p>
           <a:p>
             <a:pPr lvl="4"/>
             <a:r>
-              <a:rPr lang="es-ES" smtClean="0"/>
+              <a:rPr lang="es-ES"/>
               <a:t>Quinto nivel</a:t>
             </a:r>
-            <a:endParaRPr lang="es-ES"/>
           </a:p>
         </p:txBody>
       </p:sp>
@@ -1682,7 +1669,7 @@
           <a:p>
             <a:pPr lvl="0"/>
             <a:r>
-              <a:rPr lang="es-ES" smtClean="0"/>
+              <a:rPr lang="es-ES"/>
               <a:t>Haga clic para modificar el estilo de texto del patrón</a:t>
             </a:r>
           </a:p>
@@ -1738,38 +1725,37 @@
           <a:p>
             <a:pPr lvl="0"/>
             <a:r>
-              <a:rPr lang="es-ES" smtClean="0"/>
+              <a:rPr lang="es-ES"/>
               <a:t>Haga clic para modificar el estilo de texto del patrón</a:t>
             </a:r>
           </a:p>
           <a:p>
             <a:pPr lvl="1"/>
             <a:r>
-              <a:rPr lang="es-ES" smtClean="0"/>
+              <a:rPr lang="es-ES"/>
               <a:t>Segundo nivel</a:t>
             </a:r>
           </a:p>
           <a:p>
             <a:pPr lvl="2"/>
             <a:r>
-              <a:rPr lang="es-ES" smtClean="0"/>
+              <a:rPr lang="es-ES"/>
               <a:t>Tercer nivel</a:t>
             </a:r>
           </a:p>
           <a:p>
             <a:pPr lvl="3"/>
             <a:r>
-              <a:rPr lang="es-ES" smtClean="0"/>
+              <a:rPr lang="es-ES"/>
               <a:t>Cuarto nivel</a:t>
             </a:r>
           </a:p>
           <a:p>
             <a:pPr lvl="4"/>
             <a:r>
-              <a:rPr lang="es-ES" smtClean="0"/>
+              <a:rPr lang="es-ES"/>
               <a:t>Quinto nivel</a:t>
             </a:r>
-            <a:endParaRPr lang="es-ES"/>
           </a:p>
         </p:txBody>
       </p:sp>
@@ -1884,10 +1870,9 @@
           <a:lstStyle/>
           <a:p>
             <a:r>
-              <a:rPr lang="es-ES" smtClean="0"/>
+              <a:rPr lang="es-ES"/>
               <a:t>Haga clic para modificar el estilo de título del patrón</a:t>
             </a:r>
-            <a:endParaRPr lang="es-ES"/>
           </a:p>
         </p:txBody>
       </p:sp>
@@ -2106,10 +2091,9 @@
           </a:lstStyle>
           <a:p>
             <a:r>
-              <a:rPr lang="es-ES" smtClean="0"/>
+              <a:rPr lang="es-ES"/>
               <a:t>Haga clic para modificar el estilo de título del patrón</a:t>
             </a:r>
-            <a:endParaRPr lang="es-ES"/>
           </a:p>
         </p:txBody>
       </p:sp>
@@ -2163,38 +2147,37 @@
           <a:p>
             <a:pPr lvl="0"/>
             <a:r>
-              <a:rPr lang="es-ES" smtClean="0"/>
+              <a:rPr lang="es-ES"/>
               <a:t>Haga clic para modificar el estilo de texto del patrón</a:t>
             </a:r>
           </a:p>
           <a:p>
             <a:pPr lvl="1"/>
             <a:r>
-              <a:rPr lang="es-ES" smtClean="0"/>
+              <a:rPr lang="es-ES"/>
               <a:t>Segundo nivel</a:t>
             </a:r>
           </a:p>
           <a:p>
             <a:pPr lvl="2"/>
             <a:r>
-              <a:rPr lang="es-ES" smtClean="0"/>
+              <a:rPr lang="es-ES"/>
               <a:t>Tercer nivel</a:t>
             </a:r>
           </a:p>
           <a:p>
             <a:pPr lvl="3"/>
             <a:r>
-              <a:rPr lang="es-ES" smtClean="0"/>
+              <a:rPr lang="es-ES"/>
               <a:t>Cuarto nivel</a:t>
             </a:r>
           </a:p>
           <a:p>
             <a:pPr lvl="4"/>
             <a:r>
-              <a:rPr lang="es-ES" smtClean="0"/>
+              <a:rPr lang="es-ES"/>
               <a:t>Quinto nivel</a:t>
             </a:r>
-            <a:endParaRPr lang="es-ES"/>
           </a:p>
         </p:txBody>
       </p:sp>
@@ -2257,7 +2240,7 @@
           <a:p>
             <a:pPr lvl="0"/>
             <a:r>
-              <a:rPr lang="es-ES" smtClean="0"/>
+              <a:rPr lang="es-ES"/>
               <a:t>Haga clic para modificar el estilo de texto del patrón</a:t>
             </a:r>
           </a:p>
@@ -2383,10 +2366,9 @@
           </a:lstStyle>
           <a:p>
             <a:r>
-              <a:rPr lang="es-ES" smtClean="0"/>
+              <a:rPr lang="es-ES"/>
               <a:t>Haga clic para modificar el estilo de título del patrón</a:t>
             </a:r>
-            <a:endParaRPr lang="es-ES"/>
           </a:p>
         </p:txBody>
       </p:sp>
@@ -2510,7 +2492,7 @@
           <a:p>
             <a:pPr lvl="0"/>
             <a:r>
-              <a:rPr lang="es-ES" smtClean="0"/>
+              <a:rPr lang="es-ES"/>
               <a:t>Haga clic para modificar el estilo de texto del patrón</a:t>
             </a:r>
           </a:p>
@@ -2642,10 +2624,9 @@
           <a:lstStyle/>
           <a:p>
             <a:r>
-              <a:rPr lang="es-ES" smtClean="0"/>
+              <a:rPr lang="es-ES"/>
               <a:t>Haga clic para modificar el estilo de título del patrón</a:t>
             </a:r>
-            <a:endParaRPr lang="es-ES"/>
           </a:p>
         </p:txBody>
       </p:sp>
@@ -2676,38 +2657,37 @@
           <a:p>
             <a:pPr lvl="0"/>
             <a:r>
-              <a:rPr lang="es-ES" smtClean="0"/>
+              <a:rPr lang="es-ES"/>
               <a:t>Haga clic para modificar el estilo de texto del patrón</a:t>
             </a:r>
           </a:p>
           <a:p>
             <a:pPr lvl="1"/>
             <a:r>
-              <a:rPr lang="es-ES" smtClean="0"/>
+              <a:rPr lang="es-ES"/>
               <a:t>Segundo nivel</a:t>
             </a:r>
           </a:p>
           <a:p>
             <a:pPr lvl="2"/>
             <a:r>
-              <a:rPr lang="es-ES" smtClean="0"/>
+              <a:rPr lang="es-ES"/>
               <a:t>Tercer nivel</a:t>
             </a:r>
           </a:p>
           <a:p>
             <a:pPr lvl="3"/>
             <a:r>
-              <a:rPr lang="es-ES" smtClean="0"/>
+              <a:rPr lang="es-ES"/>
               <a:t>Cuarto nivel</a:t>
             </a:r>
           </a:p>
           <a:p>
             <a:pPr lvl="4"/>
             <a:r>
-              <a:rPr lang="es-ES" smtClean="0"/>
+              <a:rPr lang="es-ES"/>
               <a:t>Quinto nivel</a:t>
             </a:r>
-            <a:endParaRPr lang="es-ES"/>
           </a:p>
         </p:txBody>
       </p:sp>
@@ -3182,8 +3162,8 @@
         </p:blipFill>
         <p:spPr bwMode="auto">
           <a:xfrm flipH="1">
-            <a:off x="-186928" y="0"/>
-            <a:ext cx="9433048" cy="6846096"/>
+            <a:off x="-289048" y="0"/>
+            <a:ext cx="9586400" cy="6957392"/>
           </a:xfrm>
           <a:prstGeom prst="rect">
             <a:avLst/>
@@ -3224,7 +3204,7 @@
           <a:p>
             <a:pPr algn="ctr"/>
             <a:r>
-              <a:rPr lang="es-ES" sz="4400" b="1" dirty="0" smtClean="0">
+              <a:rPr lang="es-ES" sz="4400" b="1" dirty="0">
                 <a:ln w="12700">
                   <a:solidFill>
                     <a:schemeClr val="tx2">
@@ -3253,7 +3233,7 @@
           <a:p>
             <a:pPr algn="ctr"/>
             <a:r>
-              <a:rPr lang="es-ES" sz="4400" b="1" dirty="0" smtClean="0">
+              <a:rPr lang="es-ES" sz="4400" b="1" dirty="0">
                 <a:ln w="12700">
                   <a:solidFill>
                     <a:schemeClr val="tx2">
@@ -3278,29 +3258,6 @@
               </a:rPr>
               <a:t>en videojuegos</a:t>
             </a:r>
-            <a:endParaRPr lang="es-ES" sz="4400" b="1" dirty="0">
-              <a:ln w="12700">
-                <a:solidFill>
-                  <a:schemeClr val="tx2">
-                    <a:satMod val="155000"/>
-                  </a:schemeClr>
-                </a:solidFill>
-                <a:prstDash val="solid"/>
-              </a:ln>
-              <a:solidFill>
-                <a:schemeClr val="bg2">
-                  <a:tint val="85000"/>
-                  <a:satMod val="155000"/>
-                </a:schemeClr>
-              </a:solidFill>
-              <a:effectLst>
-                <a:outerShdw blurRad="41275" dist="20320" dir="1800000" algn="tl" rotWithShape="0">
-                  <a:srgbClr val="000000">
-                    <a:alpha val="40000"/>
-                  </a:srgbClr>
-                </a:outerShdw>
-              </a:effectLst>
-            </a:endParaRPr>
           </a:p>
         </p:txBody>
       </p:sp>
@@ -3328,7 +3285,7 @@
           <a:p>
             <a:pPr algn="ctr"/>
             <a:r>
-              <a:rPr lang="es-ES" sz="2400" b="1" dirty="0" smtClean="0">
+              <a:rPr lang="es-ES" sz="2400" b="1" dirty="0">
                 <a:ln w="12700">
                   <a:solidFill>
                     <a:schemeClr val="tx2">
@@ -3357,7 +3314,7 @@
           <a:p>
             <a:pPr algn="ctr"/>
             <a:r>
-              <a:rPr lang="es-ES" sz="2400" b="1" dirty="0" smtClean="0">
+              <a:rPr lang="es-ES" sz="2400" b="1" dirty="0">
                 <a:ln w="12700">
                   <a:solidFill>
                     <a:schemeClr val="tx2">
@@ -3382,29 +3339,6 @@
               </a:rPr>
               <a:t>Alejandro Ortega </a:t>
             </a:r>
-            <a:endParaRPr lang="es-ES" sz="2400" b="1" dirty="0">
-              <a:ln w="12700">
-                <a:solidFill>
-                  <a:schemeClr val="tx2">
-                    <a:satMod val="155000"/>
-                  </a:schemeClr>
-                </a:solidFill>
-                <a:prstDash val="solid"/>
-              </a:ln>
-              <a:solidFill>
-                <a:schemeClr val="bg2">
-                  <a:tint val="85000"/>
-                  <a:satMod val="155000"/>
-                </a:schemeClr>
-              </a:solidFill>
-              <a:effectLst>
-                <a:outerShdw blurRad="41275" dist="20320" dir="1800000" algn="tl" rotWithShape="0">
-                  <a:srgbClr val="000000">
-                    <a:alpha val="40000"/>
-                  </a:srgbClr>
-                </a:outerShdw>
-              </a:effectLst>
-            </a:endParaRPr>
           </a:p>
         </p:txBody>
       </p:sp>
@@ -3430,17 +3364,839 @@
       </p:transition>
     </mc:Fallback>
   </mc:AlternateContent>
-  <p:timing>
-    <p:tnLst>
-      <p:par>
-        <p:cTn id="1" dur="indefinite" restart="never" nodeType="tmRoot"/>
-      </p:par>
-    </p:tnLst>
-  </p:timing>
 </p:sld>
 </file>
 
 <file path=ppt/slides/slide10.xml><?xml version="1.0" encoding="utf-8"?>
+<p:sld xmlns:a="http://schemas.openxmlformats.org/drawingml/2006/main" xmlns:r="http://schemas.openxmlformats.org/officeDocument/2006/relationships" xmlns:p="http://schemas.openxmlformats.org/presentationml/2006/main">
+  <p:cSld>
+    <p:spTree>
+      <p:nvGrpSpPr>
+        <p:cNvPr id="1" name=""/>
+        <p:cNvGrpSpPr/>
+        <p:nvPr/>
+      </p:nvGrpSpPr>
+      <p:grpSpPr>
+        <a:xfrm>
+          <a:off x="0" y="0"/>
+          <a:ext cx="0" cy="0"/>
+          <a:chOff x="0" y="0"/>
+          <a:chExt cx="0" cy="0"/>
+        </a:xfrm>
+      </p:grpSpPr>
+      <p:pic>
+        <p:nvPicPr>
+          <p:cNvPr id="5122" name="Picture 2" descr="Imagen relacionada"/>
+          <p:cNvPicPr>
+            <a:picLocks noChangeAspect="1" noChangeArrowheads="1"/>
+          </p:cNvPicPr>
+          <p:nvPr/>
+        </p:nvPicPr>
+        <p:blipFill rotWithShape="1">
+          <a:blip r:embed="rId2">
+            <a:extLst>
+              <a:ext uri="{28A0092B-C50C-407E-A947-70E740481C1C}">
+                <a14:useLocalDpi xmlns:a14="http://schemas.microsoft.com/office/drawing/2010/main" val="0"/>
+              </a:ext>
+            </a:extLst>
+          </a:blip>
+          <a:srcRect r="44372"/>
+          <a:stretch/>
+        </p:blipFill>
+        <p:spPr bwMode="auto">
+          <a:xfrm>
+            <a:off x="-146742" y="-99392"/>
+            <a:ext cx="9546312" cy="7081969"/>
+          </a:xfrm>
+          <a:prstGeom prst="rect">
+            <a:avLst/>
+          </a:prstGeom>
+          <a:noFill/>
+          <a:extLst>
+            <a:ext uri="{909E8E84-426E-40DD-AFC4-6F175D3DCCD1}">
+              <a14:hiddenFill xmlns:a14="http://schemas.microsoft.com/office/drawing/2010/main">
+                <a:solidFill>
+                  <a:srgbClr val="FFFFFF"/>
+                </a:solidFill>
+              </a14:hiddenFill>
+            </a:ext>
+          </a:extLst>
+        </p:spPr>
+      </p:pic>
+      <p:pic>
+        <p:nvPicPr>
+          <p:cNvPr id="5" name="Picture 2" descr="Imagen relacionada"/>
+          <p:cNvPicPr>
+            <a:picLocks noChangeAspect="1" noChangeArrowheads="1"/>
+          </p:cNvPicPr>
+          <p:nvPr/>
+        </p:nvPicPr>
+        <p:blipFill>
+          <a:blip r:embed="rId3" cstate="print">
+            <a:extLst>
+              <a:ext uri="{28A0092B-C50C-407E-A947-70E740481C1C}">
+                <a14:useLocalDpi xmlns:a14="http://schemas.microsoft.com/office/drawing/2010/main" val="0"/>
+              </a:ext>
+            </a:extLst>
+          </a:blip>
+          <a:srcRect/>
+          <a:stretch>
+            <a:fillRect/>
+          </a:stretch>
+        </p:blipFill>
+        <p:spPr bwMode="auto">
+          <a:xfrm>
+            <a:off x="2751136" y="54243"/>
+            <a:ext cx="6639640" cy="3734797"/>
+          </a:xfrm>
+          <a:prstGeom prst="rect">
+            <a:avLst/>
+          </a:prstGeom>
+          <a:noFill/>
+          <a:extLst>
+            <a:ext uri="{909E8E84-426E-40DD-AFC4-6F175D3DCCD1}">
+              <a14:hiddenFill xmlns:a14="http://schemas.microsoft.com/office/drawing/2010/main">
+                <a:solidFill>
+                  <a:srgbClr val="FFFFFF"/>
+                </a:solidFill>
+              </a14:hiddenFill>
+            </a:ext>
+          </a:extLst>
+        </p:spPr>
+      </p:pic>
+      <p:sp>
+        <p:nvSpPr>
+          <p:cNvPr id="7" name="6 Rectángulo"/>
+          <p:cNvSpPr/>
+          <p:nvPr/>
+        </p:nvSpPr>
+        <p:spPr>
+          <a:xfrm>
+            <a:off x="683568" y="1259921"/>
+            <a:ext cx="6408712" cy="1323439"/>
+          </a:xfrm>
+          <a:prstGeom prst="rect">
+            <a:avLst/>
+          </a:prstGeom>
+          <a:noFill/>
+        </p:spPr>
+        <p:txBody>
+          <a:bodyPr wrap="square" lIns="91440" tIns="45720" rIns="91440" bIns="45720">
+            <a:spAutoFit/>
+          </a:bodyPr>
+          <a:lstStyle/>
+          <a:p>
+            <a:pPr algn="ctr"/>
+            <a:r>
+              <a:rPr lang="es-ES" sz="4000" b="1" dirty="0">
+                <a:ln w="12700">
+                  <a:solidFill>
+                    <a:schemeClr val="tx2">
+                      <a:satMod val="155000"/>
+                    </a:schemeClr>
+                  </a:solidFill>
+                  <a:prstDash val="solid"/>
+                </a:ln>
+                <a:solidFill>
+                  <a:schemeClr val="bg2">
+                    <a:tint val="85000"/>
+                    <a:satMod val="155000"/>
+                  </a:schemeClr>
+                </a:solidFill>
+                <a:effectLst>
+                  <a:outerShdw blurRad="41275" dist="20320" dir="1800000" algn="tl" rotWithShape="0">
+                    <a:srgbClr val="000000">
+                      <a:alpha val="40000"/>
+                    </a:srgbClr>
+                  </a:outerShdw>
+                </a:effectLst>
+              </a:rPr>
+              <a:t>Aplicaciones hechas con </a:t>
+            </a:r>
+            <a:r>
+              <a:rPr lang="es-ES" sz="4000" b="1" dirty="0" err="1">
+                <a:ln w="12700">
+                  <a:solidFill>
+                    <a:schemeClr val="tx2">
+                      <a:satMod val="155000"/>
+                    </a:schemeClr>
+                  </a:solidFill>
+                  <a:prstDash val="solid"/>
+                </a:ln>
+                <a:solidFill>
+                  <a:schemeClr val="bg2">
+                    <a:tint val="85000"/>
+                    <a:satMod val="155000"/>
+                  </a:schemeClr>
+                </a:solidFill>
+                <a:effectLst>
+                  <a:outerShdw blurRad="41275" dist="20320" dir="1800000" algn="tl" rotWithShape="0">
+                    <a:srgbClr val="000000">
+                      <a:alpha val="40000"/>
+                    </a:srgbClr>
+                  </a:outerShdw>
+                </a:effectLst>
+              </a:rPr>
+              <a:t>OpenCL</a:t>
+            </a:r>
+            <a:endParaRPr lang="es-ES" sz="4000" b="1" dirty="0">
+              <a:ln w="12700">
+                <a:solidFill>
+                  <a:schemeClr val="tx2">
+                    <a:satMod val="155000"/>
+                  </a:schemeClr>
+                </a:solidFill>
+                <a:prstDash val="solid"/>
+              </a:ln>
+              <a:solidFill>
+                <a:schemeClr val="bg2">
+                  <a:tint val="85000"/>
+                  <a:satMod val="155000"/>
+                </a:schemeClr>
+              </a:solidFill>
+              <a:effectLst>
+                <a:outerShdw blurRad="41275" dist="20320" dir="1800000" algn="tl" rotWithShape="0">
+                  <a:srgbClr val="000000">
+                    <a:alpha val="40000"/>
+                  </a:srgbClr>
+                </a:outerShdw>
+              </a:effectLst>
+            </a:endParaRPr>
+          </a:p>
+        </p:txBody>
+      </p:sp>
+      <p:pic>
+        <p:nvPicPr>
+          <p:cNvPr id="6146" name="Picture 2" descr="Imagen relacionada"/>
+          <p:cNvPicPr>
+            <a:picLocks noChangeAspect="1" noChangeArrowheads="1"/>
+          </p:cNvPicPr>
+          <p:nvPr/>
+        </p:nvPicPr>
+        <p:blipFill>
+          <a:blip r:embed="rId4" cstate="print">
+            <a:extLst>
+              <a:ext uri="{28A0092B-C50C-407E-A947-70E740481C1C}">
+                <a14:useLocalDpi xmlns:a14="http://schemas.microsoft.com/office/drawing/2010/main" val="0"/>
+              </a:ext>
+            </a:extLst>
+          </a:blip>
+          <a:srcRect/>
+          <a:stretch>
+            <a:fillRect/>
+          </a:stretch>
+        </p:blipFill>
+        <p:spPr bwMode="auto">
+          <a:xfrm>
+            <a:off x="842432" y="3060453"/>
+            <a:ext cx="1273185" cy="1241355"/>
+          </a:xfrm>
+          <a:prstGeom prst="rect">
+            <a:avLst/>
+          </a:prstGeom>
+          <a:noFill/>
+          <a:extLst>
+            <a:ext uri="{909E8E84-426E-40DD-AFC4-6F175D3DCCD1}">
+              <a14:hiddenFill xmlns:a14="http://schemas.microsoft.com/office/drawing/2010/main">
+                <a:solidFill>
+                  <a:srgbClr val="FFFFFF"/>
+                </a:solidFill>
+              </a14:hiddenFill>
+            </a:ext>
+          </a:extLst>
+        </p:spPr>
+      </p:pic>
+      <p:pic>
+        <p:nvPicPr>
+          <p:cNvPr id="6148" name="Picture 4" descr="Resultado de imagen de Autodesk Maya logo"/>
+          <p:cNvPicPr>
+            <a:picLocks noChangeAspect="1" noChangeArrowheads="1"/>
+          </p:cNvPicPr>
+          <p:nvPr/>
+        </p:nvPicPr>
+        <p:blipFill>
+          <a:blip r:embed="rId5">
+            <a:extLst>
+              <a:ext uri="{28A0092B-C50C-407E-A947-70E740481C1C}">
+                <a14:useLocalDpi xmlns:a14="http://schemas.microsoft.com/office/drawing/2010/main" val="0"/>
+              </a:ext>
+            </a:extLst>
+          </a:blip>
+          <a:srcRect/>
+          <a:stretch>
+            <a:fillRect/>
+          </a:stretch>
+        </p:blipFill>
+        <p:spPr bwMode="auto">
+          <a:xfrm>
+            <a:off x="3042798" y="2846644"/>
+            <a:ext cx="3200400" cy="3124201"/>
+          </a:xfrm>
+          <a:prstGeom prst="rect">
+            <a:avLst/>
+          </a:prstGeom>
+          <a:noFill/>
+          <a:extLst>
+            <a:ext uri="{909E8E84-426E-40DD-AFC4-6F175D3DCCD1}">
+              <a14:hiddenFill xmlns:a14="http://schemas.microsoft.com/office/drawing/2010/main">
+                <a:solidFill>
+                  <a:srgbClr val="FFFFFF"/>
+                </a:solidFill>
+              </a14:hiddenFill>
+            </a:ext>
+          </a:extLst>
+        </p:spPr>
+      </p:pic>
+      <p:pic>
+        <p:nvPicPr>
+          <p:cNvPr id="6150" name="Picture 6" descr="Resultado de imagen de blender logo"/>
+          <p:cNvPicPr>
+            <a:picLocks noChangeAspect="1" noChangeArrowheads="1"/>
+          </p:cNvPicPr>
+          <p:nvPr/>
+        </p:nvPicPr>
+        <p:blipFill>
+          <a:blip r:embed="rId6" cstate="print">
+            <a:extLst>
+              <a:ext uri="{28A0092B-C50C-407E-A947-70E740481C1C}">
+                <a14:useLocalDpi xmlns:a14="http://schemas.microsoft.com/office/drawing/2010/main" val="0"/>
+              </a:ext>
+            </a:extLst>
+          </a:blip>
+          <a:srcRect/>
+          <a:stretch>
+            <a:fillRect/>
+          </a:stretch>
+        </p:blipFill>
+        <p:spPr bwMode="auto">
+          <a:xfrm>
+            <a:off x="-53245" y="5013176"/>
+            <a:ext cx="3064541" cy="957669"/>
+          </a:xfrm>
+          <a:prstGeom prst="rect">
+            <a:avLst/>
+          </a:prstGeom>
+          <a:noFill/>
+          <a:extLst>
+            <a:ext uri="{909E8E84-426E-40DD-AFC4-6F175D3DCCD1}">
+              <a14:hiddenFill xmlns:a14="http://schemas.microsoft.com/office/drawing/2010/main">
+                <a:solidFill>
+                  <a:srgbClr val="FFFFFF"/>
+                </a:solidFill>
+              </a14:hiddenFill>
+            </a:ext>
+          </a:extLst>
+        </p:spPr>
+      </p:pic>
+      <p:pic>
+        <p:nvPicPr>
+          <p:cNvPr id="6152" name="Picture 8" descr="Resultado de imagen de gimp logo"/>
+          <p:cNvPicPr>
+            <a:picLocks noChangeAspect="1" noChangeArrowheads="1"/>
+          </p:cNvPicPr>
+          <p:nvPr/>
+        </p:nvPicPr>
+        <p:blipFill>
+          <a:blip r:embed="rId7">
+            <a:extLst>
+              <a:ext uri="{28A0092B-C50C-407E-A947-70E740481C1C}">
+                <a14:useLocalDpi xmlns:a14="http://schemas.microsoft.com/office/drawing/2010/main" val="0"/>
+              </a:ext>
+            </a:extLst>
+          </a:blip>
+          <a:srcRect/>
+          <a:stretch>
+            <a:fillRect/>
+          </a:stretch>
+        </p:blipFill>
+        <p:spPr bwMode="auto">
+          <a:xfrm rot="2302889">
+            <a:off x="5894619" y="4368382"/>
+            <a:ext cx="3614332" cy="1807167"/>
+          </a:xfrm>
+          <a:prstGeom prst="rect">
+            <a:avLst/>
+          </a:prstGeom>
+          <a:noFill/>
+          <a:extLst>
+            <a:ext uri="{909E8E84-426E-40DD-AFC4-6F175D3DCCD1}">
+              <a14:hiddenFill xmlns:a14="http://schemas.microsoft.com/office/drawing/2010/main">
+                <a:solidFill>
+                  <a:srgbClr val="FFFFFF"/>
+                </a:solidFill>
+              </a14:hiddenFill>
+            </a:ext>
+          </a:extLst>
+        </p:spPr>
+      </p:pic>
+    </p:spTree>
+    <p:extLst>
+      <p:ext uri="{BB962C8B-B14F-4D97-AF65-F5344CB8AC3E}">
+        <p14:creationId xmlns:p14="http://schemas.microsoft.com/office/powerpoint/2010/main" val="1202566718"/>
+      </p:ext>
+    </p:extLst>
+  </p:cSld>
+  <p:clrMapOvr>
+    <a:masterClrMapping/>
+  </p:clrMapOvr>
+  <mc:AlternateContent xmlns:mc="http://schemas.openxmlformats.org/markup-compatibility/2006" xmlns:p14="http://schemas.microsoft.com/office/powerpoint/2010/main">
+    <mc:Choice Requires="p14">
+      <p:transition spd="slow" p14:dur="1500">
+        <p:split orient="vert"/>
+      </p:transition>
+    </mc:Choice>
+    <mc:Fallback xmlns="">
+      <p:transition spd="slow">
+        <p:split orient="vert"/>
+      </p:transition>
+    </mc:Fallback>
+  </mc:AlternateContent>
+</p:sld>
+</file>
+
+<file path=ppt/slides/slide11.xml><?xml version="1.0" encoding="utf-8"?>
+<p:sld xmlns:a="http://schemas.openxmlformats.org/drawingml/2006/main" xmlns:r="http://schemas.openxmlformats.org/officeDocument/2006/relationships" xmlns:p="http://schemas.openxmlformats.org/presentationml/2006/main">
+  <p:cSld>
+    <p:spTree>
+      <p:nvGrpSpPr>
+        <p:cNvPr id="1" name=""/>
+        <p:cNvGrpSpPr/>
+        <p:nvPr/>
+      </p:nvGrpSpPr>
+      <p:grpSpPr>
+        <a:xfrm>
+          <a:off x="0" y="0"/>
+          <a:ext cx="0" cy="0"/>
+          <a:chOff x="0" y="0"/>
+          <a:chExt cx="0" cy="0"/>
+        </a:xfrm>
+      </p:grpSpPr>
+      <p:pic>
+        <p:nvPicPr>
+          <p:cNvPr id="5122" name="Picture 2" descr="Imagen relacionada"/>
+          <p:cNvPicPr>
+            <a:picLocks noChangeAspect="1" noChangeArrowheads="1"/>
+          </p:cNvPicPr>
+          <p:nvPr/>
+        </p:nvPicPr>
+        <p:blipFill rotWithShape="1">
+          <a:blip r:embed="rId2">
+            <a:extLst>
+              <a:ext uri="{28A0092B-C50C-407E-A947-70E740481C1C}">
+                <a14:useLocalDpi xmlns:a14="http://schemas.microsoft.com/office/drawing/2010/main" val="0"/>
+              </a:ext>
+            </a:extLst>
+          </a:blip>
+          <a:srcRect r="44372"/>
+          <a:stretch/>
+        </p:blipFill>
+        <p:spPr bwMode="auto">
+          <a:xfrm>
+            <a:off x="-159541" y="-23036"/>
+            <a:ext cx="9546312" cy="7081969"/>
+          </a:xfrm>
+          <a:prstGeom prst="rect">
+            <a:avLst/>
+          </a:prstGeom>
+          <a:noFill/>
+          <a:extLst>
+            <a:ext uri="{909E8E84-426E-40DD-AFC4-6F175D3DCCD1}">
+              <a14:hiddenFill xmlns:a14="http://schemas.microsoft.com/office/drawing/2010/main">
+                <a:solidFill>
+                  <a:srgbClr val="FFFFFF"/>
+                </a:solidFill>
+              </a14:hiddenFill>
+            </a:ext>
+          </a:extLst>
+        </p:spPr>
+      </p:pic>
+      <p:pic>
+        <p:nvPicPr>
+          <p:cNvPr id="5" name="Picture 2" descr="Imagen relacionada"/>
+          <p:cNvPicPr>
+            <a:picLocks noChangeAspect="1" noChangeArrowheads="1"/>
+          </p:cNvPicPr>
+          <p:nvPr/>
+        </p:nvPicPr>
+        <p:blipFill>
+          <a:blip r:embed="rId3" cstate="print">
+            <a:extLst>
+              <a:ext uri="{28A0092B-C50C-407E-A947-70E740481C1C}">
+                <a14:useLocalDpi xmlns:a14="http://schemas.microsoft.com/office/drawing/2010/main" val="0"/>
+              </a:ext>
+            </a:extLst>
+          </a:blip>
+          <a:srcRect/>
+          <a:stretch>
+            <a:fillRect/>
+          </a:stretch>
+        </p:blipFill>
+        <p:spPr bwMode="auto">
+          <a:xfrm>
+            <a:off x="2791682" y="20073"/>
+            <a:ext cx="6639640" cy="3734797"/>
+          </a:xfrm>
+          <a:prstGeom prst="rect">
+            <a:avLst/>
+          </a:prstGeom>
+          <a:noFill/>
+          <a:extLst>
+            <a:ext uri="{909E8E84-426E-40DD-AFC4-6F175D3DCCD1}">
+              <a14:hiddenFill xmlns:a14="http://schemas.microsoft.com/office/drawing/2010/main">
+                <a:solidFill>
+                  <a:srgbClr val="FFFFFF"/>
+                </a:solidFill>
+              </a14:hiddenFill>
+            </a:ext>
+          </a:extLst>
+        </p:spPr>
+      </p:pic>
+      <p:sp>
+        <p:nvSpPr>
+          <p:cNvPr id="7" name="6 Rectángulo"/>
+          <p:cNvSpPr/>
+          <p:nvPr/>
+        </p:nvSpPr>
+        <p:spPr>
+          <a:xfrm>
+            <a:off x="611560" y="692696"/>
+            <a:ext cx="6192688" cy="3016210"/>
+          </a:xfrm>
+          <a:prstGeom prst="rect">
+            <a:avLst/>
+          </a:prstGeom>
+          <a:noFill/>
+        </p:spPr>
+        <p:txBody>
+          <a:bodyPr wrap="square" lIns="91440" tIns="45720" rIns="91440" bIns="45720">
+            <a:spAutoFit/>
+          </a:bodyPr>
+          <a:lstStyle/>
+          <a:p>
+            <a:pPr algn="ctr"/>
+            <a:r>
+              <a:rPr lang="es-ES" sz="5400" b="1" dirty="0">
+                <a:ln w="12700">
+                  <a:solidFill>
+                    <a:schemeClr val="tx2">
+                      <a:satMod val="155000"/>
+                    </a:schemeClr>
+                  </a:solidFill>
+                  <a:prstDash val="solid"/>
+                </a:ln>
+                <a:solidFill>
+                  <a:schemeClr val="bg2">
+                    <a:tint val="85000"/>
+                    <a:satMod val="155000"/>
+                  </a:schemeClr>
+                </a:solidFill>
+                <a:effectLst>
+                  <a:outerShdw blurRad="41275" dist="20320" dir="1800000" algn="tl" rotWithShape="0">
+                    <a:srgbClr val="000000">
+                      <a:alpha val="40000"/>
+                    </a:srgbClr>
+                  </a:outerShdw>
+                </a:effectLst>
+              </a:rPr>
+              <a:t>Videojuegos hechos con </a:t>
+            </a:r>
+            <a:r>
+              <a:rPr lang="es-ES" sz="5400" b="1" dirty="0" err="1">
+                <a:ln w="12700">
+                  <a:solidFill>
+                    <a:schemeClr val="tx2">
+                      <a:satMod val="155000"/>
+                    </a:schemeClr>
+                  </a:solidFill>
+                  <a:prstDash val="solid"/>
+                </a:ln>
+                <a:solidFill>
+                  <a:schemeClr val="bg2">
+                    <a:tint val="85000"/>
+                    <a:satMod val="155000"/>
+                  </a:schemeClr>
+                </a:solidFill>
+                <a:effectLst>
+                  <a:outerShdw blurRad="41275" dist="20320" dir="1800000" algn="tl" rotWithShape="0">
+                    <a:srgbClr val="000000">
+                      <a:alpha val="40000"/>
+                    </a:srgbClr>
+                  </a:outerShdw>
+                </a:effectLst>
+              </a:rPr>
+              <a:t>OpenCL</a:t>
+            </a:r>
+            <a:endParaRPr lang="es-ES" sz="5400" b="1" dirty="0">
+              <a:ln w="12700">
+                <a:solidFill>
+                  <a:schemeClr val="tx2">
+                    <a:satMod val="155000"/>
+                  </a:schemeClr>
+                </a:solidFill>
+                <a:prstDash val="solid"/>
+              </a:ln>
+              <a:solidFill>
+                <a:schemeClr val="bg2">
+                  <a:tint val="85000"/>
+                  <a:satMod val="155000"/>
+                </a:schemeClr>
+              </a:solidFill>
+              <a:effectLst>
+                <a:outerShdw blurRad="41275" dist="20320" dir="1800000" algn="tl" rotWithShape="0">
+                  <a:srgbClr val="000000">
+                    <a:alpha val="40000"/>
+                  </a:srgbClr>
+                </a:outerShdw>
+              </a:effectLst>
+            </a:endParaRPr>
+          </a:p>
+          <a:p>
+            <a:pPr algn="ctr"/>
+            <a:endParaRPr lang="es-ES" sz="5400" b="1" dirty="0">
+              <a:ln w="12700">
+                <a:solidFill>
+                  <a:schemeClr val="tx2">
+                    <a:satMod val="155000"/>
+                  </a:schemeClr>
+                </a:solidFill>
+                <a:prstDash val="solid"/>
+              </a:ln>
+              <a:solidFill>
+                <a:schemeClr val="bg2">
+                  <a:tint val="85000"/>
+                  <a:satMod val="155000"/>
+                </a:schemeClr>
+              </a:solidFill>
+              <a:effectLst>
+                <a:outerShdw blurRad="41275" dist="20320" dir="1800000" algn="tl" rotWithShape="0">
+                  <a:srgbClr val="000000">
+                    <a:alpha val="40000"/>
+                  </a:srgbClr>
+                </a:outerShdw>
+              </a:effectLst>
+            </a:endParaRPr>
+          </a:p>
+          <a:p>
+            <a:pPr algn="ctr"/>
+            <a:r>
+              <a:rPr lang="es-ES" sz="2800" b="1" dirty="0">
+                <a:ln w="12700">
+                  <a:solidFill>
+                    <a:schemeClr val="tx2">
+                      <a:satMod val="155000"/>
+                    </a:schemeClr>
+                  </a:solidFill>
+                  <a:prstDash val="solid"/>
+                </a:ln>
+                <a:solidFill>
+                  <a:schemeClr val="bg2">
+                    <a:tint val="85000"/>
+                    <a:satMod val="155000"/>
+                  </a:schemeClr>
+                </a:solidFill>
+                <a:effectLst>
+                  <a:outerShdw blurRad="41275" dist="20320" dir="1800000" algn="tl" rotWithShape="0">
+                    <a:srgbClr val="000000">
+                      <a:alpha val="40000"/>
+                    </a:srgbClr>
+                  </a:outerShdw>
+                </a:effectLst>
+                <a:hlinkClick r:id="rId4"/>
+              </a:rPr>
+              <a:t>https://youtu.be/TE6PjoWPwt8</a:t>
+            </a:r>
+            <a:endParaRPr lang="es-ES" sz="2800" b="1" dirty="0">
+              <a:ln w="12700">
+                <a:solidFill>
+                  <a:schemeClr val="tx2">
+                    <a:satMod val="155000"/>
+                  </a:schemeClr>
+                </a:solidFill>
+                <a:prstDash val="solid"/>
+              </a:ln>
+              <a:solidFill>
+                <a:schemeClr val="bg2">
+                  <a:tint val="85000"/>
+                  <a:satMod val="155000"/>
+                </a:schemeClr>
+              </a:solidFill>
+              <a:effectLst>
+                <a:outerShdw blurRad="41275" dist="20320" dir="1800000" algn="tl" rotWithShape="0">
+                  <a:srgbClr val="000000">
+                    <a:alpha val="40000"/>
+                  </a:srgbClr>
+                </a:outerShdw>
+              </a:effectLst>
+            </a:endParaRPr>
+          </a:p>
+        </p:txBody>
+      </p:sp>
+      <p:sp>
+        <p:nvSpPr>
+          <p:cNvPr id="2" name="AutoShape 2" descr="Resultado de imagen de military operations juego"/>
+          <p:cNvSpPr>
+            <a:spLocks noChangeAspect="1" noChangeArrowheads="1"/>
+          </p:cNvSpPr>
+          <p:nvPr/>
+        </p:nvSpPr>
+        <p:spPr bwMode="auto">
+          <a:xfrm>
+            <a:off x="155575" y="-144463"/>
+            <a:ext cx="304800" cy="304801"/>
+          </a:xfrm>
+          <a:prstGeom prst="rect">
+            <a:avLst/>
+          </a:prstGeom>
+          <a:noFill/>
+          <a:extLst>
+            <a:ext uri="{909E8E84-426E-40DD-AFC4-6F175D3DCCD1}">
+              <a14:hiddenFill xmlns:a14="http://schemas.microsoft.com/office/drawing/2010/main">
+                <a:solidFill>
+                  <a:srgbClr val="FFFFFF"/>
+                </a:solidFill>
+              </a14:hiddenFill>
+            </a:ext>
+          </a:extLst>
+        </p:spPr>
+        <p:txBody>
+          <a:bodyPr vert="horz" wrap="square" lIns="91440" tIns="45720" rIns="91440" bIns="45720" numCol="1" anchor="t" anchorCtr="0" compatLnSpc="1">
+            <a:prstTxWarp prst="textNoShape">
+              <a:avLst/>
+            </a:prstTxWarp>
+          </a:bodyPr>
+          <a:lstStyle/>
+          <a:p>
+            <a:endParaRPr lang="es-ES"/>
+          </a:p>
+        </p:txBody>
+      </p:sp>
+      <p:pic>
+        <p:nvPicPr>
+          <p:cNvPr id="7171" name="Picture 3"/>
+          <p:cNvPicPr>
+            <a:picLocks noChangeAspect="1" noChangeArrowheads="1"/>
+          </p:cNvPicPr>
+          <p:nvPr/>
+        </p:nvPicPr>
+        <p:blipFill>
+          <a:blip r:embed="rId5">
+            <a:extLst>
+              <a:ext uri="{28A0092B-C50C-407E-A947-70E740481C1C}">
+                <a14:useLocalDpi xmlns:a14="http://schemas.microsoft.com/office/drawing/2010/main" val="0"/>
+              </a:ext>
+            </a:extLst>
+          </a:blip>
+          <a:srcRect/>
+          <a:stretch>
+            <a:fillRect/>
+          </a:stretch>
+        </p:blipFill>
+        <p:spPr bwMode="auto">
+          <a:xfrm>
+            <a:off x="683568" y="4455303"/>
+            <a:ext cx="3456384" cy="1942049"/>
+          </a:xfrm>
+          <a:prstGeom prst="roundRect">
+            <a:avLst>
+              <a:gd name="adj" fmla="val 8594"/>
+            </a:avLst>
+          </a:prstGeom>
+          <a:solidFill>
+            <a:srgbClr val="FFFFFF">
+              <a:shade val="85000"/>
+            </a:srgbClr>
+          </a:solidFill>
+          <a:ln>
+            <a:noFill/>
+          </a:ln>
+          <a:effectLst>
+            <a:reflection blurRad="12700" stA="38000" endPos="28000" dist="5000" dir="5400000" sy="-100000" algn="bl" rotWithShape="0"/>
+          </a:effectLst>
+          <a:extLst>
+            <a:ext uri="{91240B29-F687-4F45-9708-019B960494DF}">
+              <a14:hiddenLine xmlns:a14="http://schemas.microsoft.com/office/drawing/2010/main" w="9525">
+                <a:solidFill>
+                  <a:schemeClr val="tx1"/>
+                </a:solidFill>
+                <a:miter lim="800000"/>
+                <a:headEnd/>
+                <a:tailEnd/>
+              </a14:hiddenLine>
+            </a:ext>
+          </a:extLst>
+        </p:spPr>
+      </p:pic>
+      <p:pic>
+        <p:nvPicPr>
+          <p:cNvPr id="7173" name="Picture 5" descr="Resultado de imagen de planet explorers juego"/>
+          <p:cNvPicPr>
+            <a:picLocks noChangeAspect="1" noChangeArrowheads="1"/>
+          </p:cNvPicPr>
+          <p:nvPr/>
+        </p:nvPicPr>
+        <p:blipFill>
+          <a:blip r:embed="rId6" cstate="print">
+            <a:extLst>
+              <a:ext uri="{28A0092B-C50C-407E-A947-70E740481C1C}">
+                <a14:useLocalDpi xmlns:a14="http://schemas.microsoft.com/office/drawing/2010/main" val="0"/>
+              </a:ext>
+            </a:extLst>
+          </a:blip>
+          <a:srcRect/>
+          <a:stretch>
+            <a:fillRect/>
+          </a:stretch>
+        </p:blipFill>
+        <p:spPr bwMode="auto">
+          <a:xfrm>
+            <a:off x="5440474" y="4455304"/>
+            <a:ext cx="3399908" cy="1912448"/>
+          </a:xfrm>
+          <a:prstGeom prst="roundRect">
+            <a:avLst>
+              <a:gd name="adj" fmla="val 8594"/>
+            </a:avLst>
+          </a:prstGeom>
+          <a:solidFill>
+            <a:srgbClr val="FFFFFF">
+              <a:shade val="85000"/>
+            </a:srgbClr>
+          </a:solidFill>
+          <a:ln>
+            <a:noFill/>
+          </a:ln>
+          <a:effectLst>
+            <a:reflection blurRad="12700" stA="38000" endPos="28000" dist="5000" dir="5400000" sy="-100000" algn="bl" rotWithShape="0"/>
+          </a:effectLst>
+          <a:extLst/>
+        </p:spPr>
+      </p:pic>
+    </p:spTree>
+    <p:extLst>
+      <p:ext uri="{BB962C8B-B14F-4D97-AF65-F5344CB8AC3E}">
+        <p14:creationId xmlns:p14="http://schemas.microsoft.com/office/powerpoint/2010/main" val="3944155017"/>
+      </p:ext>
+    </p:extLst>
+  </p:cSld>
+  <p:clrMapOvr>
+    <a:masterClrMapping/>
+  </p:clrMapOvr>
+  <mc:AlternateContent xmlns:mc="http://schemas.openxmlformats.org/markup-compatibility/2006" xmlns:p14="http://schemas.microsoft.com/office/powerpoint/2010/main">
+    <mc:Choice Requires="p14">
+      <p:transition spd="slow" p14:dur="1400">
+        <p14:ripple/>
+      </p:transition>
+    </mc:Choice>
+    <mc:Fallback xmlns="">
+      <p:transition spd="slow">
+        <p:fade/>
+      </p:transition>
+    </mc:Fallback>
+  </mc:AlternateContent>
+</p:sld>
+</file>
+
+<file path=ppt/slides/slide12.xml><?xml version="1.0" encoding="utf-8"?>
 <p:sld xmlns:a="http://schemas.openxmlformats.org/drawingml/2006/main" xmlns:r="http://schemas.openxmlformats.org/officeDocument/2006/relationships" xmlns:p="http://schemas.openxmlformats.org/presentationml/2006/main">
   <p:cSld>
     <p:spTree>
@@ -3498,223 +4254,6 @@
       </p:pic>
       <p:pic>
         <p:nvPicPr>
-          <p:cNvPr id="9218" name="Picture 2"/>
-          <p:cNvPicPr>
-            <a:picLocks noChangeAspect="1" noChangeArrowheads="1"/>
-          </p:cNvPicPr>
-          <p:nvPr/>
-        </p:nvPicPr>
-        <p:blipFill rotWithShape="1">
-          <a:blip r:embed="rId3">
-            <a:extLst>
-              <a:ext uri="{28A0092B-C50C-407E-A947-70E740481C1C}">
-                <a14:useLocalDpi xmlns:a14="http://schemas.microsoft.com/office/drawing/2010/main" val="0"/>
-              </a:ext>
-            </a:extLst>
-          </a:blip>
-          <a:srcRect l="12932" t="11859" r="2498" b="5205"/>
-          <a:stretch/>
-        </p:blipFill>
-        <p:spPr bwMode="auto">
-          <a:xfrm>
-            <a:off x="-72608" y="1118647"/>
-            <a:ext cx="9372445" cy="5175320"/>
-          </a:xfrm>
-          <a:prstGeom prst="roundRect">
-            <a:avLst>
-              <a:gd name="adj" fmla="val 8594"/>
-            </a:avLst>
-          </a:prstGeom>
-          <a:solidFill>
-            <a:srgbClr val="FFFFFF">
-              <a:shade val="85000"/>
-            </a:srgbClr>
-          </a:solidFill>
-          <a:ln>
-            <a:noFill/>
-          </a:ln>
-          <a:effectLst>
-            <a:reflection blurRad="12700" stA="38000" endPos="28000" dist="5000" dir="5400000" sy="-100000" algn="bl" rotWithShape="0"/>
-          </a:effectLst>
-          <a:extLst>
-            <a:ext uri="{91240B29-F687-4F45-9708-019B960494DF}">
-              <a14:hiddenLine xmlns:a14="http://schemas.microsoft.com/office/drawing/2010/main" w="9525">
-                <a:solidFill>
-                  <a:schemeClr val="tx1"/>
-                </a:solidFill>
-                <a:miter lim="800000"/>
-                <a:headEnd/>
-                <a:tailEnd/>
-              </a14:hiddenLine>
-            </a:ext>
-          </a:extLst>
-        </p:spPr>
-      </p:pic>
-      <p:sp>
-        <p:nvSpPr>
-          <p:cNvPr id="6" name="5 Rectángulo"/>
-          <p:cNvSpPr/>
-          <p:nvPr/>
-        </p:nvSpPr>
-        <p:spPr>
-          <a:xfrm>
-            <a:off x="323528" y="411536"/>
-            <a:ext cx="8820472" cy="523220"/>
-          </a:xfrm>
-          <a:prstGeom prst="rect">
-            <a:avLst/>
-          </a:prstGeom>
-          <a:noFill/>
-        </p:spPr>
-        <p:txBody>
-          <a:bodyPr wrap="square" lIns="91440" tIns="45720" rIns="91440" bIns="45720">
-            <a:spAutoFit/>
-          </a:bodyPr>
-          <a:lstStyle/>
-          <a:p>
-            <a:pPr algn="ctr"/>
-            <a:r>
-              <a:rPr lang="es-ES" sz="2800" b="1" dirty="0" smtClean="0">
-                <a:ln w="12700">
-                  <a:solidFill>
-                    <a:schemeClr val="tx2">
-                      <a:satMod val="155000"/>
-                    </a:schemeClr>
-                  </a:solidFill>
-                  <a:prstDash val="solid"/>
-                </a:ln>
-                <a:solidFill>
-                  <a:schemeClr val="bg2">
-                    <a:tint val="85000"/>
-                    <a:satMod val="155000"/>
-                  </a:schemeClr>
-                </a:solidFill>
-                <a:effectLst>
-                  <a:outerShdw blurRad="41275" dist="20320" dir="1800000" algn="tl" rotWithShape="0">
-                    <a:srgbClr val="000000">
-                      <a:alpha val="40000"/>
-                    </a:srgbClr>
-                  </a:outerShdw>
-                </a:effectLst>
-              </a:rPr>
-              <a:t>Cientos de juegos usan otros tipos de aceleradores…</a:t>
-            </a:r>
-            <a:endParaRPr lang="es-ES" sz="2800" b="1" dirty="0">
-              <a:ln w="12700">
-                <a:solidFill>
-                  <a:schemeClr val="tx2">
-                    <a:satMod val="155000"/>
-                  </a:schemeClr>
-                </a:solidFill>
-                <a:prstDash val="solid"/>
-              </a:ln>
-              <a:solidFill>
-                <a:schemeClr val="bg2">
-                  <a:tint val="85000"/>
-                  <a:satMod val="155000"/>
-                </a:schemeClr>
-              </a:solidFill>
-              <a:effectLst>
-                <a:outerShdw blurRad="41275" dist="20320" dir="1800000" algn="tl" rotWithShape="0">
-                  <a:srgbClr val="000000">
-                    <a:alpha val="40000"/>
-                  </a:srgbClr>
-                </a:outerShdw>
-              </a:effectLst>
-            </a:endParaRPr>
-          </a:p>
-        </p:txBody>
-      </p:sp>
-    </p:spTree>
-    <p:extLst>
-      <p:ext uri="{BB962C8B-B14F-4D97-AF65-F5344CB8AC3E}">
-        <p14:creationId xmlns:p14="http://schemas.microsoft.com/office/powerpoint/2010/main" val="3206352606"/>
-      </p:ext>
-    </p:extLst>
-  </p:cSld>
-  <p:clrMapOvr>
-    <a:masterClrMapping/>
-  </p:clrMapOvr>
-  <mc:AlternateContent xmlns:mc="http://schemas.openxmlformats.org/markup-compatibility/2006" xmlns:p14="http://schemas.microsoft.com/office/powerpoint/2010/main">
-    <mc:Choice Requires="p14">
-      <p:transition spd="slow" p14:dur="1500">
-        <p14:pan dir="u"/>
-      </p:transition>
-    </mc:Choice>
-    <mc:Fallback xmlns="">
-      <p:transition spd="slow">
-        <p:fade/>
-      </p:transition>
-    </mc:Fallback>
-  </mc:AlternateContent>
-  <p:timing>
-    <p:tnLst>
-      <p:par>
-        <p:cTn id="1" dur="indefinite" restart="never" nodeType="tmRoot"/>
-      </p:par>
-    </p:tnLst>
-  </p:timing>
-</p:sld>
-</file>
-
-<file path=ppt/slides/slide11.xml><?xml version="1.0" encoding="utf-8"?>
-<p:sld xmlns:a="http://schemas.openxmlformats.org/drawingml/2006/main" xmlns:r="http://schemas.openxmlformats.org/officeDocument/2006/relationships" xmlns:p="http://schemas.openxmlformats.org/presentationml/2006/main">
-  <p:cSld>
-    <p:spTree>
-      <p:nvGrpSpPr>
-        <p:cNvPr id="1" name=""/>
-        <p:cNvGrpSpPr/>
-        <p:nvPr/>
-      </p:nvGrpSpPr>
-      <p:grpSpPr>
-        <a:xfrm>
-          <a:off x="0" y="0"/>
-          <a:ext cx="0" cy="0"/>
-          <a:chOff x="0" y="0"/>
-          <a:chExt cx="0" cy="0"/>
-        </a:xfrm>
-      </p:grpSpPr>
-      <p:pic>
-        <p:nvPicPr>
-          <p:cNvPr id="4" name="Picture 2" descr="Imagen relacionada"/>
-          <p:cNvPicPr>
-            <a:picLocks noChangeAspect="1" noChangeArrowheads="1"/>
-          </p:cNvPicPr>
-          <p:nvPr/>
-        </p:nvPicPr>
-        <p:blipFill rotWithShape="1">
-          <a:blip r:embed="rId2">
-            <a:extLst>
-              <a:ext uri="{28A0092B-C50C-407E-A947-70E740481C1C}">
-                <a14:useLocalDpi xmlns:a14="http://schemas.microsoft.com/office/drawing/2010/main" val="0"/>
-              </a:ext>
-            </a:extLst>
-          </a:blip>
-          <a:srcRect r="44372"/>
-          <a:stretch/>
-        </p:blipFill>
-        <p:spPr bwMode="auto">
-          <a:xfrm>
-            <a:off x="-159541" y="-23036"/>
-            <a:ext cx="9546312" cy="7081969"/>
-          </a:xfrm>
-          <a:prstGeom prst="rect">
-            <a:avLst/>
-          </a:prstGeom>
-          <a:noFill/>
-          <a:extLst>
-            <a:ext uri="{909E8E84-426E-40DD-AFC4-6F175D3DCCD1}">
-              <a14:hiddenFill xmlns:a14="http://schemas.microsoft.com/office/drawing/2010/main">
-                <a:solidFill>
-                  <a:srgbClr val="FFFFFF"/>
-                </a:solidFill>
-              </a14:hiddenFill>
-            </a:ext>
-          </a:extLst>
-        </p:spPr>
-      </p:pic>
-      <p:pic>
-        <p:nvPicPr>
           <p:cNvPr id="2050" name="Picture 2" descr="Resultado de imagen de gracias por su atencion"/>
           <p:cNvPicPr>
             <a:picLocks noChangeAspect="1" noChangeArrowheads="1"/>
@@ -3774,13 +4313,6 @@
       </p:transition>
     </mc:Fallback>
   </mc:AlternateContent>
-  <p:timing>
-    <p:tnLst>
-      <p:par>
-        <p:cTn id="1" dur="indefinite" restart="never" nodeType="tmRoot"/>
-      </p:par>
-    </p:tnLst>
-  </p:timing>
 </p:sld>
 </file>
 
@@ -3854,73 +4386,95 @@
         </p:nvSpPr>
         <p:spPr/>
         <p:txBody>
-          <a:bodyPr/>
+          <a:bodyPr>
+            <a:normAutofit/>
+          </a:bodyPr>
           <a:lstStyle/>
           <a:p>
             <a:r>
-              <a:rPr lang="es-ES" dirty="0" err="1" smtClean="0">
+              <a:rPr lang="es-ES" dirty="0">
                 <a:solidFill>
                   <a:schemeClr val="bg1"/>
                 </a:solidFill>
               </a:rPr>
-              <a:t>Arcade</a:t>
-            </a:r>
-            <a:r>
-              <a:rPr lang="es-ES" dirty="0" smtClean="0">
+              <a:t>Arcade (1970)</a:t>
+            </a:r>
+          </a:p>
+          <a:p>
+            <a:r>
+              <a:rPr lang="es-ES" dirty="0">
                 <a:solidFill>
                   <a:schemeClr val="bg1"/>
                 </a:solidFill>
               </a:rPr>
-              <a:t> (1970</a:t>
-            </a:r>
-            <a:r>
-              <a:rPr lang="es-ES" dirty="0" smtClean="0">
+              <a:t>Placas dedicadas a gráficos(1980)</a:t>
+            </a:r>
+          </a:p>
+          <a:p>
+            <a:r>
+              <a:rPr lang="es-ES" dirty="0">
                 <a:solidFill>
                   <a:schemeClr val="bg1"/>
                 </a:solidFill>
               </a:rPr>
-              <a:t>)</a:t>
-            </a:r>
-          </a:p>
-          <a:p>
-            <a:endParaRPr lang="es-ES" dirty="0" smtClean="0">
+              <a:t>Crecimiento del 3D (1990)</a:t>
+            </a:r>
+          </a:p>
+          <a:p>
+            <a:r>
+              <a:rPr lang="es-ES" dirty="0">
+                <a:solidFill>
+                  <a:schemeClr val="bg1"/>
+                </a:solidFill>
+              </a:rPr>
+              <a:t>Programabilidad </a:t>
+            </a:r>
+          </a:p>
+          <a:p>
+            <a:r>
+              <a:rPr lang="es-ES" dirty="0" err="1">
+                <a:solidFill>
+                  <a:schemeClr val="bg1"/>
+                </a:solidFill>
+              </a:rPr>
+              <a:t>GPUs</a:t>
+            </a:r>
+            <a:r>
+              <a:rPr lang="es-ES" dirty="0">
+                <a:solidFill>
+                  <a:schemeClr val="bg1"/>
+                </a:solidFill>
+              </a:rPr>
+              <a:t>(2000s- hoy)</a:t>
+            </a:r>
+          </a:p>
+          <a:p>
+            <a:pPr marL="457200" lvl="1" indent="0">
+              <a:buNone/>
+            </a:pPr>
+            <a:endParaRPr lang="es-ES" dirty="0">
               <a:solidFill>
                 <a:schemeClr val="bg1"/>
               </a:solidFill>
             </a:endParaRPr>
           </a:p>
           <a:p>
-            <a:r>
-              <a:rPr lang="es-ES" dirty="0" smtClean="0">
-                <a:solidFill>
-                  <a:schemeClr val="bg1"/>
-                </a:solidFill>
-              </a:rPr>
-              <a:t>Bucle tradicional de juego</a:t>
-            </a:r>
-            <a:endParaRPr lang="es-ES" dirty="0" smtClean="0">
+            <a:pPr marL="0" indent="0">
+              <a:buNone/>
+            </a:pPr>
+            <a:endParaRPr lang="es-ES" dirty="0">
               <a:solidFill>
                 <a:schemeClr val="bg1"/>
               </a:solidFill>
             </a:endParaRPr>
           </a:p>
           <a:p>
-            <a:endParaRPr lang="es-ES" dirty="0" smtClean="0">
+            <a:endParaRPr lang="es-ES" dirty="0">
               <a:solidFill>
                 <a:schemeClr val="bg1"/>
               </a:solidFill>
             </a:endParaRPr>
           </a:p>
-          <a:p>
-            <a:r>
-              <a:rPr lang="es-ES" dirty="0">
-                <a:solidFill>
-                  <a:schemeClr val="bg1"/>
-                </a:solidFill>
-              </a:rPr>
-              <a:t>https://en.wikipedia.org/wiki/Graphics_processing_unit#1970s</a:t>
-            </a:r>
-          </a:p>
         </p:txBody>
       </p:sp>
       <p:sp>
@@ -3932,7 +4486,7 @@
         <p:spPr>
           <a:xfrm>
             <a:off x="827584" y="260648"/>
-            <a:ext cx="7488832" cy="769441"/>
+            <a:ext cx="7488832" cy="1446550"/>
           </a:xfrm>
           <a:prstGeom prst="rect">
             <a:avLst/>
@@ -3947,7 +4501,7 @@
           <a:p>
             <a:pPr algn="ctr"/>
             <a:r>
-              <a:rPr lang="es-ES" sz="4400" b="1" dirty="0" smtClean="0">
+              <a:rPr lang="es-ES" sz="4400" b="1" dirty="0">
                 <a:ln w="12700">
                   <a:solidFill>
                     <a:schemeClr val="tx2">
@@ -3970,34 +4524,60 @@
                   </a:outerShdw>
                 </a:effectLst>
               </a:rPr>
-              <a:t>Los primeros juegos</a:t>
-            </a:r>
-            <a:endParaRPr lang="es-ES" sz="4400" b="1" dirty="0">
-              <a:ln w="12700">
-                <a:solidFill>
-                  <a:schemeClr val="tx2">
-                    <a:satMod val="155000"/>
-                  </a:schemeClr>
-                </a:solidFill>
-                <a:prstDash val="solid"/>
-              </a:ln>
-              <a:solidFill>
-                <a:schemeClr val="bg2">
-                  <a:tint val="85000"/>
-                  <a:satMod val="155000"/>
-                </a:schemeClr>
-              </a:solidFill>
-              <a:effectLst>
-                <a:outerShdw blurRad="41275" dist="20320" dir="1800000" algn="tl" rotWithShape="0">
-                  <a:srgbClr val="000000">
-                    <a:alpha val="40000"/>
-                  </a:srgbClr>
-                </a:outerShdw>
-              </a:effectLst>
-            </a:endParaRPr>
-          </a:p>
-        </p:txBody>
-      </p:sp>
+              <a:t>Historia de los aceleradores en videojuegos</a:t>
+            </a:r>
+          </a:p>
+        </p:txBody>
+      </p:sp>
+      <p:pic>
+        <p:nvPicPr>
+          <p:cNvPr id="5" name="Marcador de contenido 4">
+            <a:extLst>
+              <a:ext uri="{FF2B5EF4-FFF2-40B4-BE49-F238E27FC236}">
+                <a16:creationId xmlns:a16="http://schemas.microsoft.com/office/drawing/2014/main" id="{E0CEF005-EB1B-4CE0-9D4F-6B3BA016CFDE}"/>
+              </a:ext>
+            </a:extLst>
+          </p:cNvPr>
+          <p:cNvPicPr>
+            <a:picLocks noChangeAspect="1"/>
+          </p:cNvPicPr>
+          <p:nvPr/>
+        </p:nvPicPr>
+        <p:blipFill>
+          <a:blip r:embed="rId3">
+            <a:extLst>
+              <a:ext uri="{28A0092B-C50C-407E-A947-70E740481C1C}">
+                <a14:useLocalDpi xmlns:a14="http://schemas.microsoft.com/office/drawing/2010/main" val="0"/>
+              </a:ext>
+            </a:extLst>
+          </a:blip>
+          <a:stretch>
+            <a:fillRect/>
+          </a:stretch>
+        </p:blipFill>
+        <p:spPr>
+          <a:xfrm>
+            <a:off x="4614000" y="3429000"/>
+            <a:ext cx="4072800" cy="2671756"/>
+          </a:xfrm>
+          <a:prstGeom prst="roundRect">
+            <a:avLst>
+              <a:gd name="adj" fmla="val 8594"/>
+            </a:avLst>
+          </a:prstGeom>
+          <a:solidFill>
+            <a:srgbClr val="FFFFFF">
+              <a:shade val="85000"/>
+            </a:srgbClr>
+          </a:solidFill>
+          <a:ln>
+            <a:noFill/>
+          </a:ln>
+          <a:effectLst>
+            <a:reflection blurRad="12700" stA="38000" endPos="28000" dist="5000" dir="5400000" sy="-100000" algn="bl" rotWithShape="0"/>
+          </a:effectLst>
+        </p:spPr>
+      </p:pic>
     </p:spTree>
     <p:extLst>
       <p:ext uri="{BB962C8B-B14F-4D97-AF65-F5344CB8AC3E}">
@@ -4008,25 +4588,18 @@
   <p:clrMapOvr>
     <a:masterClrMapping/>
   </p:clrMapOvr>
-  <mc:AlternateContent xmlns:mc="http://schemas.openxmlformats.org/markup-compatibility/2006">
-    <mc:Choice xmlns:p15="http://schemas.microsoft.com/office/powerpoint/2012/main" Requires="p15">
+  <mc:AlternateContent xmlns:mc="http://schemas.openxmlformats.org/markup-compatibility/2006" xmlns:p15="http://schemas.microsoft.com/office/powerpoint/2012/main">
+    <mc:Choice Requires="p15">
       <p:transition xmlns:p14="http://schemas.microsoft.com/office/powerpoint/2010/main" spd="slow" p14:dur="2000">
         <p15:prstTrans prst="fallOver"/>
       </p:transition>
     </mc:Choice>
-    <mc:Fallback>
+    <mc:Fallback xmlns="">
       <p:transition spd="slow">
         <p:fade/>
       </p:transition>
     </mc:Fallback>
   </mc:AlternateContent>
-  <p:timing>
-    <p:tnLst>
-      <p:par>
-        <p:cTn id="1" dur="indefinite" restart="never" nodeType="tmRoot"/>
-      </p:par>
-    </p:tnLst>
-  </p:timing>
 </p:sld>
 </file>
 
@@ -4070,8 +4643,8 @@
         </p:blipFill>
         <p:spPr bwMode="auto">
           <a:xfrm>
-            <a:off x="-9885" y="-6978"/>
-            <a:ext cx="12191996" cy="6858000"/>
+            <a:off x="-2279" y="-135396"/>
+            <a:ext cx="12673404" cy="7128792"/>
           </a:xfrm>
           <a:prstGeom prst="rect">
             <a:avLst/>
@@ -4086,51 +4659,6 @@
               </a14:hiddenFill>
             </a:ext>
           </a:extLst>
-        </p:spPr>
-      </p:pic>
-      <p:pic>
-        <p:nvPicPr>
-          <p:cNvPr id="5" name="Marcador de contenido 4"/>
-          <p:cNvPicPr>
-            <a:picLocks noGrp="1" noChangeAspect="1"/>
-          </p:cNvPicPr>
-          <p:nvPr>
-            <p:ph idx="1"/>
-          </p:nvPr>
-        </p:nvPicPr>
-        <p:blipFill>
-          <a:blip r:embed="rId3">
-            <a:extLst>
-              <a:ext uri="{28A0092B-C50C-407E-A947-70E740481C1C}">
-                <a14:useLocalDpi xmlns:a14="http://schemas.microsoft.com/office/drawing/2010/main" val="0"/>
-              </a:ext>
-            </a:extLst>
-          </a:blip>
-          <a:stretch>
-            <a:fillRect/>
-          </a:stretch>
-        </p:blipFill>
-        <p:spPr>
-          <a:xfrm>
-            <a:off x="2555776" y="2852936"/>
-            <a:ext cx="3814479" cy="2502298"/>
-          </a:xfrm>
-          <a:prstGeom prst="roundRect">
-            <a:avLst>
-              <a:gd name="adj" fmla="val 8594"/>
-            </a:avLst>
-          </a:prstGeom>
-          <a:solidFill>
-            <a:srgbClr val="FFFFFF">
-              <a:shade val="85000"/>
-            </a:srgbClr>
-          </a:solidFill>
-          <a:ln>
-            <a:noFill/>
-          </a:ln>
-          <a:effectLst>
-            <a:reflection blurRad="12700" stA="38000" endPos="28000" dist="5000" dir="5400000" sy="-100000" algn="bl" rotWithShape="0"/>
-          </a:effectLst>
         </p:spPr>
       </p:pic>
       <p:sp>
@@ -4157,7 +4685,7 @@
           <a:p>
             <a:pPr algn="ctr"/>
             <a:r>
-              <a:rPr lang="es-ES" sz="4400" b="1" dirty="0" smtClean="0">
+              <a:rPr lang="es-ES" sz="4400" b="1" dirty="0">
                 <a:ln w="12700">
                   <a:solidFill>
                     <a:schemeClr val="tx2">
@@ -4180,8 +4708,11 @@
                   </a:outerShdw>
                 </a:effectLst>
               </a:rPr>
-              <a:t>Historia de los aceleradores en videojuegos</a:t>
-            </a:r>
+              <a:t>Bucle de Juego</a:t>
+            </a:r>
+          </a:p>
+          <a:p>
+            <a:pPr algn="ctr"/>
             <a:endParaRPr lang="es-ES" sz="4400" b="1" dirty="0">
               <a:ln w="12700">
                 <a:solidFill>
@@ -4208,6 +4739,82 @@
           </a:p>
         </p:txBody>
       </p:sp>
+      <p:sp>
+        <p:nvSpPr>
+          <p:cNvPr id="13" name="Marcador de contenido 12">
+            <a:extLst>
+              <a:ext uri="{FF2B5EF4-FFF2-40B4-BE49-F238E27FC236}">
+                <a16:creationId xmlns:a16="http://schemas.microsoft.com/office/drawing/2014/main" id="{8FFDEA8D-B3DB-40F3-BB7F-FF03EAF09D75}"/>
+              </a:ext>
+            </a:extLst>
+          </p:cNvPr>
+          <p:cNvSpPr>
+            <a:spLocks noGrp="1"/>
+          </p:cNvSpPr>
+          <p:nvPr>
+            <p:ph idx="1"/>
+          </p:nvPr>
+        </p:nvSpPr>
+        <p:spPr/>
+        <p:txBody>
+          <a:bodyPr/>
+          <a:lstStyle/>
+          <a:p>
+            <a:pPr marL="0" indent="0">
+              <a:buNone/>
+            </a:pPr>
+            <a:endParaRPr lang="es-ES" dirty="0">
+              <a:solidFill>
+                <a:schemeClr val="bg1">
+                  <a:lumMod val="95000"/>
+                </a:schemeClr>
+              </a:solidFill>
+            </a:endParaRPr>
+          </a:p>
+          <a:p>
+            <a:r>
+              <a:rPr lang="es-ES" dirty="0">
+                <a:solidFill>
+                  <a:schemeClr val="bg1">
+                    <a:lumMod val="95000"/>
+                  </a:schemeClr>
+                </a:solidFill>
+              </a:rPr>
+              <a:t>¿Dónde se usa la aceleración por GPU?</a:t>
+            </a:r>
+          </a:p>
+          <a:p>
+            <a:endParaRPr lang="es-ES" dirty="0">
+              <a:solidFill>
+                <a:schemeClr val="bg1">
+                  <a:lumMod val="95000"/>
+                </a:schemeClr>
+              </a:solidFill>
+            </a:endParaRPr>
+          </a:p>
+          <a:p>
+            <a:endParaRPr lang="es-ES" dirty="0">
+              <a:solidFill>
+                <a:schemeClr val="bg1">
+                  <a:lumMod val="95000"/>
+                </a:schemeClr>
+              </a:solidFill>
+            </a:endParaRPr>
+          </a:p>
+          <a:p>
+            <a:r>
+              <a:rPr lang="es-ES" dirty="0">
+                <a:solidFill>
+                  <a:schemeClr val="bg1">
+                    <a:lumMod val="95000"/>
+                  </a:schemeClr>
+                </a:solidFill>
+              </a:rPr>
+              <a:t>¿Dónde se puede usar?</a:t>
+            </a:r>
+          </a:p>
+        </p:txBody>
+      </p:sp>
     </p:spTree>
     <p:extLst>
       <p:ext uri="{BB962C8B-B14F-4D97-AF65-F5344CB8AC3E}">
@@ -4224,9 +4831,182 @@
   <p:timing>
     <p:tnLst>
       <p:par>
-        <p:cTn id="1" dur="indefinite" restart="never" nodeType="tmRoot"/>
+        <p:cTn id="1" dur="indefinite" restart="never" nodeType="tmRoot">
+          <p:childTnLst>
+            <p:seq concurrent="1" nextAc="seek">
+              <p:cTn id="2" dur="indefinite" nodeType="mainSeq">
+                <p:childTnLst>
+                  <p:par>
+                    <p:cTn id="3" fill="hold">
+                      <p:stCondLst>
+                        <p:cond delay="indefinite"/>
+                      </p:stCondLst>
+                      <p:childTnLst>
+                        <p:par>
+                          <p:cTn id="4" fill="hold">
+                            <p:stCondLst>
+                              <p:cond delay="0"/>
+                            </p:stCondLst>
+                            <p:childTnLst>
+                              <p:par>
+                                <p:cTn id="5" presetID="1" presetClass="entr" presetSubtype="0" fill="hold" nodeType="clickEffect">
+                                  <p:stCondLst>
+                                    <p:cond delay="0"/>
+                                  </p:stCondLst>
+                                  <p:childTnLst>
+                                    <p:set>
+                                      <p:cBhvr>
+                                        <p:cTn id="6" dur="1" fill="hold">
+                                          <p:stCondLst>
+                                            <p:cond delay="0"/>
+                                          </p:stCondLst>
+                                        </p:cTn>
+                                        <p:tgtEl>
+                                          <p:spTgt spid="7">
+                                            <p:txEl>
+                                              <p:pRg st="0" end="0"/>
+                                            </p:txEl>
+                                          </p:spTgt>
+                                        </p:tgtEl>
+                                        <p:attrNameLst>
+                                          <p:attrName>style.visibility</p:attrName>
+                                        </p:attrNameLst>
+                                      </p:cBhvr>
+                                      <p:to>
+                                        <p:strVal val="visible"/>
+                                      </p:to>
+                                    </p:set>
+                                  </p:childTnLst>
+                                </p:cTn>
+                              </p:par>
+                            </p:childTnLst>
+                          </p:cTn>
+                        </p:par>
+                      </p:childTnLst>
+                    </p:cTn>
+                  </p:par>
+                  <p:par>
+                    <p:cTn id="7" fill="hold">
+                      <p:stCondLst>
+                        <p:cond delay="indefinite"/>
+                      </p:stCondLst>
+                      <p:childTnLst>
+                        <p:par>
+                          <p:cTn id="8" fill="hold">
+                            <p:stCondLst>
+                              <p:cond delay="0"/>
+                            </p:stCondLst>
+                            <p:childTnLst>
+                              <p:par>
+                                <p:cTn id="9" presetID="1" presetClass="entr" presetSubtype="0" fill="hold" grpId="0" nodeType="clickEffect">
+                                  <p:stCondLst>
+                                    <p:cond delay="0"/>
+                                  </p:stCondLst>
+                                  <p:childTnLst>
+                                    <p:set>
+                                      <p:cBhvr>
+                                        <p:cTn id="10" dur="1" fill="hold">
+                                          <p:stCondLst>
+                                            <p:cond delay="0"/>
+                                          </p:stCondLst>
+                                        </p:cTn>
+                                        <p:tgtEl>
+                                          <p:spTgt spid="13">
+                                            <p:txEl>
+                                              <p:pRg st="1" end="1"/>
+                                            </p:txEl>
+                                          </p:spTgt>
+                                        </p:tgtEl>
+                                        <p:attrNameLst>
+                                          <p:attrName>style.visibility</p:attrName>
+                                        </p:attrNameLst>
+                                      </p:cBhvr>
+                                      <p:to>
+                                        <p:strVal val="visible"/>
+                                      </p:to>
+                                    </p:set>
+                                  </p:childTnLst>
+                                </p:cTn>
+                              </p:par>
+                            </p:childTnLst>
+                          </p:cTn>
+                        </p:par>
+                      </p:childTnLst>
+                    </p:cTn>
+                  </p:par>
+                  <p:par>
+                    <p:cTn id="11" fill="hold">
+                      <p:stCondLst>
+                        <p:cond delay="indefinite"/>
+                      </p:stCondLst>
+                      <p:childTnLst>
+                        <p:par>
+                          <p:cTn id="12" fill="hold">
+                            <p:stCondLst>
+                              <p:cond delay="0"/>
+                            </p:stCondLst>
+                            <p:childTnLst>
+                              <p:par>
+                                <p:cTn id="13" presetID="1" presetClass="entr" presetSubtype="0" fill="hold" grpId="0" nodeType="clickEffect">
+                                  <p:stCondLst>
+                                    <p:cond delay="0"/>
+                                  </p:stCondLst>
+                                  <p:childTnLst>
+                                    <p:set>
+                                      <p:cBhvr>
+                                        <p:cTn id="14" dur="1" fill="hold">
+                                          <p:stCondLst>
+                                            <p:cond delay="0"/>
+                                          </p:stCondLst>
+                                        </p:cTn>
+                                        <p:tgtEl>
+                                          <p:spTgt spid="13">
+                                            <p:txEl>
+                                              <p:pRg st="4" end="4"/>
+                                            </p:txEl>
+                                          </p:spTgt>
+                                        </p:tgtEl>
+                                        <p:attrNameLst>
+                                          <p:attrName>style.visibility</p:attrName>
+                                        </p:attrNameLst>
+                                      </p:cBhvr>
+                                      <p:to>
+                                        <p:strVal val="visible"/>
+                                      </p:to>
+                                    </p:set>
+                                  </p:childTnLst>
+                                </p:cTn>
+                              </p:par>
+                            </p:childTnLst>
+                          </p:cTn>
+                        </p:par>
+                      </p:childTnLst>
+                    </p:cTn>
+                  </p:par>
+                </p:childTnLst>
+              </p:cTn>
+              <p:prevCondLst>
+                <p:cond evt="onPrev" delay="0">
+                  <p:tgtEl>
+                    <p:sldTgt/>
+                  </p:tgtEl>
+                </p:cond>
+              </p:prevCondLst>
+              <p:nextCondLst>
+                <p:cond evt="onNext" delay="0">
+                  <p:tgtEl>
+                    <p:sldTgt/>
+                  </p:tgtEl>
+                </p:cond>
+              </p:nextCondLst>
+            </p:seq>
+          </p:childTnLst>
+        </p:cTn>
       </p:par>
     </p:tnLst>
+    <p:bldLst>
+      <p:bldP spid="13" grpId="0" build="p"/>
+    </p:bldLst>
   </p:timing>
 </p:sld>
 </file>
@@ -4315,7 +5095,7 @@
           <a:p>
             <a:pPr algn="ctr"/>
             <a:r>
-              <a:rPr lang="es-ES" sz="3600" b="1" dirty="0" smtClean="0">
+              <a:rPr lang="es-ES" sz="3600" b="1" dirty="0">
                 <a:ln w="12700">
                   <a:solidFill>
                     <a:schemeClr val="tx2">
@@ -4369,7 +5149,7 @@
           </a:p>
           <a:p>
             <a:pPr algn="ctr"/>
-            <a:endParaRPr lang="es-ES" sz="2800" b="1" dirty="0" smtClean="0">
+            <a:endParaRPr lang="es-ES" sz="2800" b="1" dirty="0">
               <a:ln w="12700">
                 <a:solidFill>
                   <a:schemeClr val="tx2">
@@ -4421,7 +5201,7 @@
           </a:p>
           <a:p>
             <a:pPr algn="ctr"/>
-            <a:endParaRPr lang="es-ES" sz="2800" b="1" dirty="0" smtClean="0">
+            <a:endParaRPr lang="es-ES" sz="2800" b="1" dirty="0">
               <a:ln w="12700">
                 <a:solidFill>
                   <a:schemeClr val="tx2">
@@ -4473,7 +5253,7 @@
           </a:p>
           <a:p>
             <a:pPr algn="ctr"/>
-            <a:endParaRPr lang="es-ES" sz="2800" b="1" dirty="0" smtClean="0">
+            <a:endParaRPr lang="es-ES" sz="2800" b="1" dirty="0">
               <a:ln w="12700">
                 <a:solidFill>
                   <a:schemeClr val="tx2">
@@ -4499,7 +5279,7 @@
           </a:p>
           <a:p>
             <a:pPr algn="ctr"/>
-            <a:endParaRPr lang="es-ES" sz="2800" b="1" dirty="0" smtClean="0">
+            <a:endParaRPr lang="es-ES" sz="2800" b="1" dirty="0">
               <a:ln w="12700">
                 <a:solidFill>
                   <a:schemeClr val="tx2">
@@ -4525,7 +5305,7 @@
           </a:p>
           <a:p>
             <a:pPr algn="ctr"/>
-            <a:endParaRPr lang="es-ES" sz="4800" b="1" dirty="0" smtClean="0">
+            <a:endParaRPr lang="es-ES" sz="4800" b="1" dirty="0">
               <a:ln w="12700">
                 <a:solidFill>
                   <a:schemeClr val="tx2">
@@ -4614,7 +5394,7 @@
           <a:p>
             <a:pPr algn="ctr"/>
             <a:r>
-              <a:rPr lang="es-ES" sz="3200" b="1" dirty="0" smtClean="0">
+              <a:rPr lang="es-ES" sz="3200" b="1" dirty="0">
                 <a:ln w="12700">
                   <a:solidFill>
                     <a:schemeClr val="tx2">
@@ -4637,7 +5417,7 @@
               </a:rPr>
               <a:t>https://www.youtube.com/watch?v=GVSWu_Wh0bM&amp;t=158s</a:t>
             </a:r>
-            <a:endParaRPr lang="es-ES" sz="3200" b="1" dirty="0" smtClean="0">
+            <a:endParaRPr lang="es-ES" sz="3200" b="1" dirty="0">
               <a:ln w="12700">
                 <a:solidFill>
                   <a:schemeClr val="tx2">
@@ -4928,6 +5708,745 @@
           </p:cNvPicPr>
           <p:nvPr/>
         </p:nvPicPr>
+        <p:blipFill rotWithShape="1">
+          <a:blip r:embed="rId2">
+            <a:extLst>
+              <a:ext uri="{28A0092B-C50C-407E-A947-70E740481C1C}">
+                <a14:useLocalDpi xmlns:a14="http://schemas.microsoft.com/office/drawing/2010/main" val="0"/>
+              </a:ext>
+            </a:extLst>
+          </a:blip>
+          <a:srcRect r="44372"/>
+          <a:stretch/>
+        </p:blipFill>
+        <p:spPr bwMode="auto">
+          <a:xfrm>
+            <a:off x="-159541" y="-23036"/>
+            <a:ext cx="9546312" cy="7081969"/>
+          </a:xfrm>
+          <a:prstGeom prst="rect">
+            <a:avLst/>
+          </a:prstGeom>
+          <a:noFill/>
+          <a:extLst>
+            <a:ext uri="{909E8E84-426E-40DD-AFC4-6F175D3DCCD1}">
+              <a14:hiddenFill xmlns:a14="http://schemas.microsoft.com/office/drawing/2010/main">
+                <a:solidFill>
+                  <a:srgbClr val="FFFFFF"/>
+                </a:solidFill>
+              </a14:hiddenFill>
+            </a:ext>
+          </a:extLst>
+        </p:spPr>
+      </p:pic>
+      <p:pic>
+        <p:nvPicPr>
+          <p:cNvPr id="9218" name="Picture 2"/>
+          <p:cNvPicPr>
+            <a:picLocks noChangeAspect="1" noChangeArrowheads="1"/>
+          </p:cNvPicPr>
+          <p:nvPr/>
+        </p:nvPicPr>
+        <p:blipFill rotWithShape="1">
+          <a:blip r:embed="rId3">
+            <a:extLst>
+              <a:ext uri="{28A0092B-C50C-407E-A947-70E740481C1C}">
+                <a14:useLocalDpi xmlns:a14="http://schemas.microsoft.com/office/drawing/2010/main" val="0"/>
+              </a:ext>
+            </a:extLst>
+          </a:blip>
+          <a:srcRect l="12932" t="11859" r="2498" b="5205"/>
+          <a:stretch/>
+        </p:blipFill>
+        <p:spPr bwMode="auto">
+          <a:xfrm>
+            <a:off x="-72608" y="1118647"/>
+            <a:ext cx="9372445" cy="5175320"/>
+          </a:xfrm>
+          <a:prstGeom prst="roundRect">
+            <a:avLst>
+              <a:gd name="adj" fmla="val 8594"/>
+            </a:avLst>
+          </a:prstGeom>
+          <a:solidFill>
+            <a:srgbClr val="FFFFFF">
+              <a:shade val="85000"/>
+            </a:srgbClr>
+          </a:solidFill>
+          <a:ln>
+            <a:noFill/>
+          </a:ln>
+          <a:effectLst>
+            <a:reflection blurRad="12700" stA="38000" endPos="28000" dist="5000" dir="5400000" sy="-100000" algn="bl" rotWithShape="0"/>
+          </a:effectLst>
+          <a:extLst>
+            <a:ext uri="{91240B29-F687-4F45-9708-019B960494DF}">
+              <a14:hiddenLine xmlns:a14="http://schemas.microsoft.com/office/drawing/2010/main" w="9525">
+                <a:solidFill>
+                  <a:schemeClr val="tx1"/>
+                </a:solidFill>
+                <a:miter lim="800000"/>
+                <a:headEnd/>
+                <a:tailEnd/>
+              </a14:hiddenLine>
+            </a:ext>
+          </a:extLst>
+        </p:spPr>
+      </p:pic>
+      <p:sp>
+        <p:nvSpPr>
+          <p:cNvPr id="6" name="5 Rectángulo"/>
+          <p:cNvSpPr/>
+          <p:nvPr/>
+        </p:nvSpPr>
+        <p:spPr>
+          <a:xfrm>
+            <a:off x="323528" y="411536"/>
+            <a:ext cx="8820472" cy="523220"/>
+          </a:xfrm>
+          <a:prstGeom prst="rect">
+            <a:avLst/>
+          </a:prstGeom>
+          <a:noFill/>
+        </p:spPr>
+        <p:txBody>
+          <a:bodyPr wrap="square" lIns="91440" tIns="45720" rIns="91440" bIns="45720">
+            <a:spAutoFit/>
+          </a:bodyPr>
+          <a:lstStyle/>
+          <a:p>
+            <a:pPr algn="ctr"/>
+            <a:r>
+              <a:rPr lang="es-ES" sz="2800" b="1" dirty="0">
+                <a:ln w="12700">
+                  <a:solidFill>
+                    <a:schemeClr val="tx2">
+                      <a:satMod val="155000"/>
+                    </a:schemeClr>
+                  </a:solidFill>
+                  <a:prstDash val="solid"/>
+                </a:ln>
+                <a:solidFill>
+                  <a:schemeClr val="bg2">
+                    <a:tint val="85000"/>
+                    <a:satMod val="155000"/>
+                  </a:schemeClr>
+                </a:solidFill>
+                <a:effectLst>
+                  <a:outerShdw blurRad="41275" dist="20320" dir="1800000" algn="tl" rotWithShape="0">
+                    <a:srgbClr val="000000">
+                      <a:alpha val="40000"/>
+                    </a:srgbClr>
+                  </a:outerShdw>
+                </a:effectLst>
+              </a:rPr>
+              <a:t>Cientos de juegos usan otros tipos de aceleradores…</a:t>
+            </a:r>
+          </a:p>
+        </p:txBody>
+      </p:sp>
+    </p:spTree>
+    <p:extLst>
+      <p:ext uri="{BB962C8B-B14F-4D97-AF65-F5344CB8AC3E}">
+        <p14:creationId xmlns:p14="http://schemas.microsoft.com/office/powerpoint/2010/main" val="3206352606"/>
+      </p:ext>
+    </p:extLst>
+  </p:cSld>
+  <p:clrMapOvr>
+    <a:masterClrMapping/>
+  </p:clrMapOvr>
+  <mc:AlternateContent xmlns:mc="http://schemas.openxmlformats.org/markup-compatibility/2006" xmlns:p14="http://schemas.microsoft.com/office/powerpoint/2010/main">
+    <mc:Choice Requires="p14">
+      <p:transition spd="slow" p14:dur="1500">
+        <p14:pan dir="u"/>
+      </p:transition>
+    </mc:Choice>
+    <mc:Fallback xmlns="">
+      <p:transition spd="slow">
+        <p:fade/>
+      </p:transition>
+    </mc:Fallback>
+  </mc:AlternateContent>
+</p:sld>
+</file>
+
+<file path=ppt/slides/slide6.xml><?xml version="1.0" encoding="utf-8"?>
+<p:sld xmlns:a="http://schemas.openxmlformats.org/drawingml/2006/main" xmlns:r="http://schemas.openxmlformats.org/officeDocument/2006/relationships" xmlns:p="http://schemas.openxmlformats.org/presentationml/2006/main">
+  <p:cSld>
+    <p:spTree>
+      <p:nvGrpSpPr>
+        <p:cNvPr id="1" name=""/>
+        <p:cNvGrpSpPr/>
+        <p:nvPr/>
+      </p:nvGrpSpPr>
+      <p:grpSpPr>
+        <a:xfrm>
+          <a:off x="0" y="0"/>
+          <a:ext cx="0" cy="0"/>
+          <a:chOff x="0" y="0"/>
+          <a:chExt cx="0" cy="0"/>
+        </a:xfrm>
+      </p:grpSpPr>
+      <p:pic>
+        <p:nvPicPr>
+          <p:cNvPr id="4" name="Picture 2" descr="Imagen relacionada"/>
+          <p:cNvPicPr>
+            <a:picLocks noChangeAspect="1" noChangeArrowheads="1"/>
+          </p:cNvPicPr>
+          <p:nvPr/>
+        </p:nvPicPr>
+        <p:blipFill rotWithShape="1">
+          <a:blip r:embed="rId2">
+            <a:extLst>
+              <a:ext uri="{28A0092B-C50C-407E-A947-70E740481C1C}">
+                <a14:useLocalDpi xmlns:a14="http://schemas.microsoft.com/office/drawing/2010/main" val="0"/>
+              </a:ext>
+            </a:extLst>
+          </a:blip>
+          <a:srcRect r="44372"/>
+          <a:stretch/>
+        </p:blipFill>
+        <p:spPr bwMode="auto">
+          <a:xfrm>
+            <a:off x="-159541" y="-23036"/>
+            <a:ext cx="9546312" cy="7081969"/>
+          </a:xfrm>
+          <a:prstGeom prst="rect">
+            <a:avLst/>
+          </a:prstGeom>
+          <a:noFill/>
+          <a:extLst>
+            <a:ext uri="{909E8E84-426E-40DD-AFC4-6F175D3DCCD1}">
+              <a14:hiddenFill xmlns:a14="http://schemas.microsoft.com/office/drawing/2010/main">
+                <a:solidFill>
+                  <a:srgbClr val="FFFFFF"/>
+                </a:solidFill>
+              </a14:hiddenFill>
+            </a:ext>
+          </a:extLst>
+        </p:spPr>
+      </p:pic>
+      <p:sp>
+        <p:nvSpPr>
+          <p:cNvPr id="5" name="4 Rectángulo"/>
+          <p:cNvSpPr/>
+          <p:nvPr/>
+        </p:nvSpPr>
+        <p:spPr>
+          <a:xfrm>
+            <a:off x="1409259" y="764704"/>
+            <a:ext cx="6408712" cy="1323439"/>
+          </a:xfrm>
+          <a:prstGeom prst="rect">
+            <a:avLst/>
+          </a:prstGeom>
+          <a:noFill/>
+        </p:spPr>
+        <p:txBody>
+          <a:bodyPr wrap="square" lIns="91440" tIns="45720" rIns="91440" bIns="45720">
+            <a:spAutoFit/>
+          </a:bodyPr>
+          <a:lstStyle/>
+          <a:p>
+            <a:pPr algn="ctr"/>
+            <a:r>
+              <a:rPr lang="es-ES" sz="4000" b="1" dirty="0">
+                <a:ln w="12700">
+                  <a:solidFill>
+                    <a:schemeClr val="tx2">
+                      <a:satMod val="155000"/>
+                    </a:schemeClr>
+                  </a:solidFill>
+                  <a:prstDash val="solid"/>
+                </a:ln>
+                <a:solidFill>
+                  <a:schemeClr val="bg2">
+                    <a:tint val="85000"/>
+                    <a:satMod val="155000"/>
+                  </a:schemeClr>
+                </a:solidFill>
+                <a:effectLst>
+                  <a:outerShdw blurRad="41275" dist="20320" dir="1800000" algn="tl" rotWithShape="0">
+                    <a:srgbClr val="000000">
+                      <a:alpha val="40000"/>
+                    </a:srgbClr>
+                  </a:outerShdw>
+                </a:effectLst>
+              </a:rPr>
+              <a:t>GPU </a:t>
+            </a:r>
+            <a:r>
+              <a:rPr lang="es-ES" sz="4000" b="1" dirty="0" err="1">
+                <a:ln w="12700">
+                  <a:solidFill>
+                    <a:schemeClr val="tx2">
+                      <a:satMod val="155000"/>
+                    </a:schemeClr>
+                  </a:solidFill>
+                  <a:prstDash val="solid"/>
+                </a:ln>
+                <a:solidFill>
+                  <a:schemeClr val="bg2">
+                    <a:tint val="85000"/>
+                    <a:satMod val="155000"/>
+                  </a:schemeClr>
+                </a:solidFill>
+                <a:effectLst>
+                  <a:outerShdw blurRad="41275" dist="20320" dir="1800000" algn="tl" rotWithShape="0">
+                    <a:srgbClr val="000000">
+                      <a:alpha val="40000"/>
+                    </a:srgbClr>
+                  </a:outerShdw>
+                </a:effectLst>
+              </a:rPr>
+              <a:t>RigidBody</a:t>
+            </a:r>
+            <a:r>
+              <a:rPr lang="es-ES" sz="4000" b="1" dirty="0">
+                <a:ln w="12700">
+                  <a:solidFill>
+                    <a:schemeClr val="tx2">
+                      <a:satMod val="155000"/>
+                    </a:schemeClr>
+                  </a:solidFill>
+                  <a:prstDash val="solid"/>
+                </a:ln>
+                <a:solidFill>
+                  <a:schemeClr val="bg2">
+                    <a:tint val="85000"/>
+                    <a:satMod val="155000"/>
+                  </a:schemeClr>
+                </a:solidFill>
+                <a:effectLst>
+                  <a:outerShdw blurRad="41275" dist="20320" dir="1800000" algn="tl" rotWithShape="0">
+                    <a:srgbClr val="000000">
+                      <a:alpha val="40000"/>
+                    </a:srgbClr>
+                  </a:outerShdw>
+                </a:effectLst>
+              </a:rPr>
+              <a:t> </a:t>
+            </a:r>
+            <a:r>
+              <a:rPr lang="es-ES" sz="4000" b="1" dirty="0" err="1">
+                <a:ln w="12700">
+                  <a:solidFill>
+                    <a:schemeClr val="tx2">
+                      <a:satMod val="155000"/>
+                    </a:schemeClr>
+                  </a:solidFill>
+                  <a:prstDash val="solid"/>
+                </a:ln>
+                <a:solidFill>
+                  <a:schemeClr val="bg2">
+                    <a:tint val="85000"/>
+                    <a:satMod val="155000"/>
+                  </a:schemeClr>
+                </a:solidFill>
+                <a:effectLst>
+                  <a:outerShdw blurRad="41275" dist="20320" dir="1800000" algn="tl" rotWithShape="0">
+                    <a:srgbClr val="000000">
+                      <a:alpha val="40000"/>
+                    </a:srgbClr>
+                  </a:outerShdw>
+                </a:effectLst>
+              </a:rPr>
+              <a:t>Simulation</a:t>
+            </a:r>
+            <a:r>
+              <a:rPr lang="es-ES" sz="4000" b="1" dirty="0">
+                <a:ln w="12700">
+                  <a:solidFill>
+                    <a:schemeClr val="tx2">
+                      <a:satMod val="155000"/>
+                    </a:schemeClr>
+                  </a:solidFill>
+                  <a:prstDash val="solid"/>
+                </a:ln>
+                <a:solidFill>
+                  <a:schemeClr val="bg2">
+                    <a:tint val="85000"/>
+                    <a:satMod val="155000"/>
+                  </a:schemeClr>
+                </a:solidFill>
+                <a:effectLst>
+                  <a:outerShdw blurRad="41275" dist="20320" dir="1800000" algn="tl" rotWithShape="0">
+                    <a:srgbClr val="000000">
+                      <a:alpha val="40000"/>
+                    </a:srgbClr>
+                  </a:outerShdw>
+                </a:effectLst>
+              </a:rPr>
+              <a:t> con </a:t>
+            </a:r>
+            <a:r>
+              <a:rPr lang="es-ES" sz="4000" b="1" dirty="0" err="1">
+                <a:ln w="12700">
+                  <a:solidFill>
+                    <a:schemeClr val="tx2">
+                      <a:satMod val="155000"/>
+                    </a:schemeClr>
+                  </a:solidFill>
+                  <a:prstDash val="solid"/>
+                </a:ln>
+                <a:solidFill>
+                  <a:schemeClr val="bg2">
+                    <a:tint val="85000"/>
+                    <a:satMod val="155000"/>
+                  </a:schemeClr>
+                </a:solidFill>
+                <a:effectLst>
+                  <a:outerShdw blurRad="41275" dist="20320" dir="1800000" algn="tl" rotWithShape="0">
+                    <a:srgbClr val="000000">
+                      <a:alpha val="40000"/>
+                    </a:srgbClr>
+                  </a:outerShdw>
+                </a:effectLst>
+              </a:rPr>
+              <a:t>Physx</a:t>
+            </a:r>
+            <a:r>
+              <a:rPr lang="es-ES" sz="4000" b="1" dirty="0">
+                <a:ln w="12700">
+                  <a:solidFill>
+                    <a:schemeClr val="tx2">
+                      <a:satMod val="155000"/>
+                    </a:schemeClr>
+                  </a:solidFill>
+                  <a:prstDash val="solid"/>
+                </a:ln>
+                <a:solidFill>
+                  <a:schemeClr val="bg2">
+                    <a:tint val="85000"/>
+                    <a:satMod val="155000"/>
+                  </a:schemeClr>
+                </a:solidFill>
+                <a:effectLst>
+                  <a:outerShdw blurRad="41275" dist="20320" dir="1800000" algn="tl" rotWithShape="0">
+                    <a:srgbClr val="000000">
+                      <a:alpha val="40000"/>
+                    </a:srgbClr>
+                  </a:outerShdw>
+                </a:effectLst>
+              </a:rPr>
+              <a:t> </a:t>
+            </a:r>
+          </a:p>
+        </p:txBody>
+      </p:sp>
+      <p:pic>
+        <p:nvPicPr>
+          <p:cNvPr id="8196" name="Picture 4" descr="Resultado de imagen de physx"/>
+          <p:cNvPicPr>
+            <a:picLocks noChangeAspect="1" noChangeArrowheads="1"/>
+          </p:cNvPicPr>
+          <p:nvPr/>
+        </p:nvPicPr>
+        <p:blipFill rotWithShape="1">
+          <a:blip r:embed="rId3">
+            <a:extLst>
+              <a:ext uri="{28A0092B-C50C-407E-A947-70E740481C1C}">
+                <a14:useLocalDpi xmlns:a14="http://schemas.microsoft.com/office/drawing/2010/main" val="0"/>
+              </a:ext>
+            </a:extLst>
+          </a:blip>
+          <a:srcRect l="7356" t="30977" r="16140" b="30871"/>
+          <a:stretch/>
+        </p:blipFill>
+        <p:spPr bwMode="auto">
+          <a:xfrm>
+            <a:off x="2616981" y="4441010"/>
+            <a:ext cx="3993267" cy="1562582"/>
+          </a:xfrm>
+          <a:prstGeom prst="rect">
+            <a:avLst/>
+          </a:prstGeom>
+          <a:noFill/>
+          <a:extLst>
+            <a:ext uri="{909E8E84-426E-40DD-AFC4-6F175D3DCCD1}">
+              <a14:hiddenFill xmlns:a14="http://schemas.microsoft.com/office/drawing/2010/main">
+                <a:solidFill>
+                  <a:srgbClr val="FFFFFF"/>
+                </a:solidFill>
+              </a14:hiddenFill>
+            </a:ext>
+          </a:extLst>
+        </p:spPr>
+      </p:pic>
+    </p:spTree>
+    <p:extLst>
+      <p:ext uri="{BB962C8B-B14F-4D97-AF65-F5344CB8AC3E}">
+        <p14:creationId xmlns:p14="http://schemas.microsoft.com/office/powerpoint/2010/main" val="3225306551"/>
+      </p:ext>
+    </p:extLst>
+  </p:cSld>
+  <p:clrMapOvr>
+    <a:masterClrMapping/>
+  </p:clrMapOvr>
+  <mc:AlternateContent xmlns:mc="http://schemas.openxmlformats.org/markup-compatibility/2006" xmlns:p14="http://schemas.microsoft.com/office/powerpoint/2010/main">
+    <mc:Choice Requires="p14">
+      <p:transition spd="slow">
+        <p14:flash/>
+      </p:transition>
+    </mc:Choice>
+    <mc:Fallback xmlns="">
+      <p:transition spd="slow">
+        <p:fade/>
+      </p:transition>
+    </mc:Fallback>
+  </mc:AlternateContent>
+</p:sld>
+</file>
+
+<file path=ppt/slides/slide7.xml><?xml version="1.0" encoding="utf-8"?>
+<p:sld xmlns:a="http://schemas.openxmlformats.org/drawingml/2006/main" xmlns:r="http://schemas.openxmlformats.org/officeDocument/2006/relationships" xmlns:p="http://schemas.openxmlformats.org/presentationml/2006/main">
+  <p:cSld>
+    <p:spTree>
+      <p:nvGrpSpPr>
+        <p:cNvPr id="1" name=""/>
+        <p:cNvGrpSpPr/>
+        <p:nvPr/>
+      </p:nvGrpSpPr>
+      <p:grpSpPr>
+        <a:xfrm>
+          <a:off x="0" y="0"/>
+          <a:ext cx="0" cy="0"/>
+          <a:chOff x="0" y="0"/>
+          <a:chExt cx="0" cy="0"/>
+        </a:xfrm>
+      </p:grpSpPr>
+      <p:pic>
+        <p:nvPicPr>
+          <p:cNvPr id="4" name="Picture 2" descr="Imagen relacionada">
+            <a:extLst>
+              <a:ext uri="{FF2B5EF4-FFF2-40B4-BE49-F238E27FC236}">
+                <a16:creationId xmlns:a16="http://schemas.microsoft.com/office/drawing/2014/main" id="{4098E2BC-363E-4ED2-A8B6-9C1606722194}"/>
+              </a:ext>
+            </a:extLst>
+          </p:cNvPr>
+          <p:cNvPicPr>
+            <a:picLocks noChangeAspect="1" noChangeArrowheads="1"/>
+          </p:cNvPicPr>
+          <p:nvPr/>
+        </p:nvPicPr>
+        <p:blipFill rotWithShape="1">
+          <a:blip r:embed="rId2">
+            <a:extLst>
+              <a:ext uri="{28A0092B-C50C-407E-A947-70E740481C1C}">
+                <a14:useLocalDpi xmlns:a14="http://schemas.microsoft.com/office/drawing/2010/main" val="0"/>
+              </a:ext>
+            </a:extLst>
+          </a:blip>
+          <a:srcRect r="44372"/>
+          <a:stretch/>
+        </p:blipFill>
+        <p:spPr bwMode="auto">
+          <a:xfrm>
+            <a:off x="0" y="0"/>
+            <a:ext cx="9546312" cy="7081969"/>
+          </a:xfrm>
+          <a:prstGeom prst="rect">
+            <a:avLst/>
+          </a:prstGeom>
+          <a:noFill/>
+          <a:extLst>
+            <a:ext uri="{909E8E84-426E-40DD-AFC4-6F175D3DCCD1}">
+              <a14:hiddenFill xmlns:a14="http://schemas.microsoft.com/office/drawing/2010/main">
+                <a:solidFill>
+                  <a:srgbClr val="FFFFFF"/>
+                </a:solidFill>
+              </a14:hiddenFill>
+            </a:ext>
+          </a:extLst>
+        </p:spPr>
+      </p:pic>
+      <p:sp>
+        <p:nvSpPr>
+          <p:cNvPr id="2" name="Título 1">
+            <a:extLst>
+              <a:ext uri="{FF2B5EF4-FFF2-40B4-BE49-F238E27FC236}">
+                <a16:creationId xmlns:a16="http://schemas.microsoft.com/office/drawing/2014/main" id="{60F49F64-7BE4-4C7F-A5D2-BF65ACEAF744}"/>
+              </a:ext>
+            </a:extLst>
+          </p:cNvPr>
+          <p:cNvSpPr>
+            <a:spLocks noGrp="1"/>
+          </p:cNvSpPr>
+          <p:nvPr>
+            <p:ph type="title"/>
+          </p:nvPr>
+        </p:nvSpPr>
+        <p:spPr/>
+        <p:txBody>
+          <a:bodyPr/>
+          <a:lstStyle/>
+          <a:p>
+            <a:r>
+              <a:rPr lang="es-ES" dirty="0">
+                <a:solidFill>
+                  <a:schemeClr val="bg1">
+                    <a:lumMod val="95000"/>
+                  </a:schemeClr>
+                </a:solidFill>
+              </a:rPr>
+              <a:t>¿Qué fases se pueden acelerar?</a:t>
+            </a:r>
+          </a:p>
+        </p:txBody>
+      </p:sp>
+      <p:sp>
+        <p:nvSpPr>
+          <p:cNvPr id="3" name="Marcador de contenido 2">
+            <a:extLst>
+              <a:ext uri="{FF2B5EF4-FFF2-40B4-BE49-F238E27FC236}">
+                <a16:creationId xmlns:a16="http://schemas.microsoft.com/office/drawing/2014/main" id="{556E026E-A20D-4CA1-83A5-D920278A6AE2}"/>
+              </a:ext>
+            </a:extLst>
+          </p:cNvPr>
+          <p:cNvSpPr>
+            <a:spLocks noGrp="1"/>
+          </p:cNvSpPr>
+          <p:nvPr>
+            <p:ph idx="1"/>
+          </p:nvPr>
+        </p:nvSpPr>
+        <p:spPr/>
+        <p:txBody>
+          <a:bodyPr/>
+          <a:lstStyle/>
+          <a:p>
+            <a:r>
+              <a:rPr lang="es-ES" dirty="0">
+                <a:solidFill>
+                  <a:schemeClr val="bg1">
+                    <a:lumMod val="95000"/>
+                  </a:schemeClr>
+                </a:solidFill>
+              </a:rPr>
+              <a:t>Fase Amplia</a:t>
+            </a:r>
+          </a:p>
+          <a:p>
+            <a:r>
+              <a:rPr lang="es-ES" dirty="0">
+                <a:solidFill>
+                  <a:schemeClr val="bg1">
+                    <a:lumMod val="95000"/>
+                  </a:schemeClr>
+                </a:solidFill>
+              </a:rPr>
+              <a:t>Generación de Contacto</a:t>
+            </a:r>
+          </a:p>
+          <a:p>
+            <a:r>
+              <a:rPr lang="es-ES" dirty="0">
+                <a:solidFill>
+                  <a:schemeClr val="bg1">
+                    <a:lumMod val="95000"/>
+                  </a:schemeClr>
+                </a:solidFill>
+              </a:rPr>
+              <a:t>Gestión de forma y cuerpo</a:t>
+            </a:r>
+          </a:p>
+          <a:p>
+            <a:r>
+              <a:rPr lang="es-ES" dirty="0">
+                <a:solidFill>
+                  <a:schemeClr val="bg1">
+                    <a:lumMod val="95000"/>
+                  </a:schemeClr>
+                </a:solidFill>
+              </a:rPr>
+              <a:t>Solucionador de restricciones</a:t>
+            </a:r>
+          </a:p>
+        </p:txBody>
+      </p:sp>
+      <p:pic>
+        <p:nvPicPr>
+          <p:cNvPr id="7" name="Imagen 6">
+            <a:extLst>
+              <a:ext uri="{FF2B5EF4-FFF2-40B4-BE49-F238E27FC236}">
+                <a16:creationId xmlns:a16="http://schemas.microsoft.com/office/drawing/2014/main" id="{96553244-7864-4283-A5C9-B33C68D6D835}"/>
+              </a:ext>
+            </a:extLst>
+          </p:cNvPr>
+          <p:cNvPicPr>
+            <a:picLocks noChangeAspect="1"/>
+          </p:cNvPicPr>
+          <p:nvPr/>
+        </p:nvPicPr>
+        <p:blipFill rotWithShape="1">
+          <a:blip r:embed="rId3"/>
+          <a:srcRect t="14315" b="11687"/>
+          <a:stretch/>
+        </p:blipFill>
+        <p:spPr>
+          <a:xfrm>
+            <a:off x="1733550" y="4077072"/>
+            <a:ext cx="5676900" cy="2664297"/>
+          </a:xfrm>
+          <a:prstGeom prst="roundRect">
+            <a:avLst>
+              <a:gd name="adj" fmla="val 8594"/>
+            </a:avLst>
+          </a:prstGeom>
+          <a:solidFill>
+            <a:srgbClr val="FFFFFF">
+              <a:shade val="85000"/>
+            </a:srgbClr>
+          </a:solidFill>
+          <a:ln>
+            <a:noFill/>
+          </a:ln>
+          <a:effectLst>
+            <a:reflection blurRad="12700" stA="38000" endPos="28000" dist="5000" dir="5400000" sy="-100000" algn="bl" rotWithShape="0"/>
+          </a:effectLst>
+        </p:spPr>
+      </p:pic>
+    </p:spTree>
+    <p:extLst>
+      <p:ext uri="{BB962C8B-B14F-4D97-AF65-F5344CB8AC3E}">
+        <p14:creationId xmlns:p14="http://schemas.microsoft.com/office/powerpoint/2010/main" val="1392439209"/>
+      </p:ext>
+    </p:extLst>
+  </p:cSld>
+  <p:clrMapOvr>
+    <a:masterClrMapping/>
+  </p:clrMapOvr>
+  <p:transition spd="slow">
+    <p:push dir="u"/>
+  </p:transition>
+</p:sld>
+</file>
+
+<file path=ppt/slides/slide8.xml><?xml version="1.0" encoding="utf-8"?>
+<p:sld xmlns:a="http://schemas.openxmlformats.org/drawingml/2006/main" xmlns:r="http://schemas.openxmlformats.org/officeDocument/2006/relationships" xmlns:p="http://schemas.openxmlformats.org/presentationml/2006/main">
+  <p:cSld>
+    <p:spTree>
+      <p:nvGrpSpPr>
+        <p:cNvPr id="1" name=""/>
+        <p:cNvGrpSpPr/>
+        <p:nvPr/>
+      </p:nvGrpSpPr>
+      <p:grpSpPr>
+        <a:xfrm>
+          <a:off x="0" y="0"/>
+          <a:ext cx="0" cy="0"/>
+          <a:chOff x="0" y="0"/>
+          <a:chExt cx="0" cy="0"/>
+        </a:xfrm>
+      </p:grpSpPr>
+      <p:pic>
+        <p:nvPicPr>
+          <p:cNvPr id="4" name="Picture 2" descr="Imagen relacionada"/>
+          <p:cNvPicPr>
+            <a:picLocks noChangeAspect="1" noChangeArrowheads="1"/>
+          </p:cNvPicPr>
+          <p:nvPr/>
+        </p:nvPicPr>
         <p:blipFill>
           <a:blip r:embed="rId2">
             <a:extLst>
@@ -4985,7 +6504,7 @@
           <a:p>
             <a:pPr algn="ctr"/>
             <a:r>
-              <a:rPr lang="es-ES" sz="4400" b="1" dirty="0" smtClean="0">
+              <a:rPr lang="es-ES" sz="4400" b="1" dirty="0">
                 <a:ln w="12700">
                   <a:solidFill>
                     <a:schemeClr val="tx2">
@@ -5010,29 +6529,6 @@
               </a:rPr>
               <a:t>Videojuegos hechos con CUDA</a:t>
             </a:r>
-            <a:endParaRPr lang="es-ES" sz="4400" b="1" dirty="0">
-              <a:ln w="12700">
-                <a:solidFill>
-                  <a:schemeClr val="tx2">
-                    <a:satMod val="155000"/>
-                  </a:schemeClr>
-                </a:solidFill>
-                <a:prstDash val="solid"/>
-              </a:ln>
-              <a:solidFill>
-                <a:schemeClr val="bg2">
-                  <a:tint val="85000"/>
-                  <a:satMod val="155000"/>
-                </a:schemeClr>
-              </a:solidFill>
-              <a:effectLst>
-                <a:outerShdw blurRad="41275" dist="20320" dir="1800000" algn="tl" rotWithShape="0">
-                  <a:srgbClr val="000000">
-                    <a:alpha val="40000"/>
-                  </a:srgbClr>
-                </a:outerShdw>
-              </a:effectLst>
-            </a:endParaRPr>
           </a:p>
         </p:txBody>
       </p:sp>
@@ -5190,17 +6686,10 @@
       </p:transition>
     </mc:Fallback>
   </mc:AlternateContent>
-  <p:timing>
-    <p:tnLst>
-      <p:par>
-        <p:cTn id="1" dur="indefinite" restart="never" nodeType="tmRoot"/>
-      </p:par>
-    </p:tnLst>
-  </p:timing>
 </p:sld>
 </file>
 
-<file path=ppt/slides/slide6.xml><?xml version="1.0" encoding="utf-8"?>
+<file path=ppt/slides/slide9.xml><?xml version="1.0" encoding="utf-8"?>
 <p:sld xmlns:a="http://schemas.openxmlformats.org/drawingml/2006/main" xmlns:r="http://schemas.openxmlformats.org/officeDocument/2006/relationships" xmlns:p="http://schemas.openxmlformats.org/presentationml/2006/main">
   <p:cSld>
     <p:spTree>
@@ -5321,7 +6810,7 @@
           <a:p>
             <a:pPr algn="ctr"/>
             <a:r>
-              <a:rPr lang="es-ES" sz="4400" b="1" dirty="0" smtClean="0">
+              <a:rPr lang="es-ES" sz="4400" b="1" dirty="0">
                 <a:ln w="12700">
                   <a:solidFill>
                     <a:schemeClr val="tx2">
@@ -5346,29 +6835,6 @@
               </a:rPr>
               <a:t>Y ahora…</a:t>
             </a:r>
-            <a:endParaRPr lang="es-ES" sz="4400" b="1" dirty="0">
-              <a:ln w="12700">
-                <a:solidFill>
-                  <a:schemeClr val="tx2">
-                    <a:satMod val="155000"/>
-                  </a:schemeClr>
-                </a:solidFill>
-                <a:prstDash val="solid"/>
-              </a:ln>
-              <a:solidFill>
-                <a:schemeClr val="bg2">
-                  <a:tint val="85000"/>
-                  <a:satMod val="155000"/>
-                </a:schemeClr>
-              </a:solidFill>
-              <a:effectLst>
-                <a:outerShdw blurRad="41275" dist="20320" dir="1800000" algn="tl" rotWithShape="0">
-                  <a:srgbClr val="000000">
-                    <a:alpha val="40000"/>
-                  </a:srgbClr>
-                </a:outerShdw>
-              </a:effectLst>
-            </a:endParaRPr>
           </a:p>
         </p:txBody>
       </p:sp>
@@ -5396,7 +6862,7 @@
           <a:p>
             <a:pPr algn="ctr"/>
             <a:r>
-              <a:rPr lang="es-ES" sz="7200" b="1" dirty="0" err="1" smtClean="0">
+              <a:rPr lang="es-ES" sz="7200" b="1" dirty="0" err="1">
                 <a:ln w="12700">
                   <a:solidFill>
                     <a:schemeClr val="tx2">
@@ -5648,1051 +7114,6 @@
       <p:bldP spid="6" grpId="0"/>
       <p:bldP spid="7" grpId="0"/>
     </p:bldLst>
-  </p:timing>
-</p:sld>
-</file>
-
-<file path=ppt/slides/slide7.xml><?xml version="1.0" encoding="utf-8"?>
-<p:sld xmlns:a="http://schemas.openxmlformats.org/drawingml/2006/main" xmlns:r="http://schemas.openxmlformats.org/officeDocument/2006/relationships" xmlns:p="http://schemas.openxmlformats.org/presentationml/2006/main">
-  <p:cSld>
-    <p:spTree>
-      <p:nvGrpSpPr>
-        <p:cNvPr id="1" name=""/>
-        <p:cNvGrpSpPr/>
-        <p:nvPr/>
-      </p:nvGrpSpPr>
-      <p:grpSpPr>
-        <a:xfrm>
-          <a:off x="0" y="0"/>
-          <a:ext cx="0" cy="0"/>
-          <a:chOff x="0" y="0"/>
-          <a:chExt cx="0" cy="0"/>
-        </a:xfrm>
-      </p:grpSpPr>
-      <p:pic>
-        <p:nvPicPr>
-          <p:cNvPr id="5122" name="Picture 2" descr="Imagen relacionada"/>
-          <p:cNvPicPr>
-            <a:picLocks noChangeAspect="1" noChangeArrowheads="1"/>
-          </p:cNvPicPr>
-          <p:nvPr/>
-        </p:nvPicPr>
-        <p:blipFill rotWithShape="1">
-          <a:blip r:embed="rId2">
-            <a:extLst>
-              <a:ext uri="{28A0092B-C50C-407E-A947-70E740481C1C}">
-                <a14:useLocalDpi xmlns:a14="http://schemas.microsoft.com/office/drawing/2010/main" val="0"/>
-              </a:ext>
-            </a:extLst>
-          </a:blip>
-          <a:srcRect r="44372"/>
-          <a:stretch/>
-        </p:blipFill>
-        <p:spPr bwMode="auto">
-          <a:xfrm>
-            <a:off x="-146742" y="-99392"/>
-            <a:ext cx="9546312" cy="7081969"/>
-          </a:xfrm>
-          <a:prstGeom prst="rect">
-            <a:avLst/>
-          </a:prstGeom>
-          <a:noFill/>
-          <a:extLst>
-            <a:ext uri="{909E8E84-426E-40DD-AFC4-6F175D3DCCD1}">
-              <a14:hiddenFill xmlns:a14="http://schemas.microsoft.com/office/drawing/2010/main">
-                <a:solidFill>
-                  <a:srgbClr val="FFFFFF"/>
-                </a:solidFill>
-              </a14:hiddenFill>
-            </a:ext>
-          </a:extLst>
-        </p:spPr>
-      </p:pic>
-      <p:pic>
-        <p:nvPicPr>
-          <p:cNvPr id="5" name="Picture 2" descr="Imagen relacionada"/>
-          <p:cNvPicPr>
-            <a:picLocks noChangeAspect="1" noChangeArrowheads="1"/>
-          </p:cNvPicPr>
-          <p:nvPr/>
-        </p:nvPicPr>
-        <p:blipFill>
-          <a:blip r:embed="rId3" cstate="print">
-            <a:extLst>
-              <a:ext uri="{28A0092B-C50C-407E-A947-70E740481C1C}">
-                <a14:useLocalDpi xmlns:a14="http://schemas.microsoft.com/office/drawing/2010/main" val="0"/>
-              </a:ext>
-            </a:extLst>
-          </a:blip>
-          <a:srcRect/>
-          <a:stretch>
-            <a:fillRect/>
-          </a:stretch>
-        </p:blipFill>
-        <p:spPr bwMode="auto">
-          <a:xfrm>
-            <a:off x="2751136" y="54243"/>
-            <a:ext cx="6639640" cy="3734797"/>
-          </a:xfrm>
-          <a:prstGeom prst="rect">
-            <a:avLst/>
-          </a:prstGeom>
-          <a:noFill/>
-          <a:extLst>
-            <a:ext uri="{909E8E84-426E-40DD-AFC4-6F175D3DCCD1}">
-              <a14:hiddenFill xmlns:a14="http://schemas.microsoft.com/office/drawing/2010/main">
-                <a:solidFill>
-                  <a:srgbClr val="FFFFFF"/>
-                </a:solidFill>
-              </a14:hiddenFill>
-            </a:ext>
-          </a:extLst>
-        </p:spPr>
-      </p:pic>
-      <p:sp>
-        <p:nvSpPr>
-          <p:cNvPr id="7" name="6 Rectángulo"/>
-          <p:cNvSpPr/>
-          <p:nvPr/>
-        </p:nvSpPr>
-        <p:spPr>
-          <a:xfrm>
-            <a:off x="683568" y="1259921"/>
-            <a:ext cx="6408712" cy="1323439"/>
-          </a:xfrm>
-          <a:prstGeom prst="rect">
-            <a:avLst/>
-          </a:prstGeom>
-          <a:noFill/>
-        </p:spPr>
-        <p:txBody>
-          <a:bodyPr wrap="square" lIns="91440" tIns="45720" rIns="91440" bIns="45720">
-            <a:spAutoFit/>
-          </a:bodyPr>
-          <a:lstStyle/>
-          <a:p>
-            <a:pPr algn="ctr"/>
-            <a:r>
-              <a:rPr lang="es-ES" sz="4000" b="1" dirty="0" smtClean="0">
-                <a:ln w="12700">
-                  <a:solidFill>
-                    <a:schemeClr val="tx2">
-                      <a:satMod val="155000"/>
-                    </a:schemeClr>
-                  </a:solidFill>
-                  <a:prstDash val="solid"/>
-                </a:ln>
-                <a:solidFill>
-                  <a:schemeClr val="bg2">
-                    <a:tint val="85000"/>
-                    <a:satMod val="155000"/>
-                  </a:schemeClr>
-                </a:solidFill>
-                <a:effectLst>
-                  <a:outerShdw blurRad="41275" dist="20320" dir="1800000" algn="tl" rotWithShape="0">
-                    <a:srgbClr val="000000">
-                      <a:alpha val="40000"/>
-                    </a:srgbClr>
-                  </a:outerShdw>
-                </a:effectLst>
-              </a:rPr>
-              <a:t>Aplicaciones hechas con </a:t>
-            </a:r>
-            <a:r>
-              <a:rPr lang="es-ES" sz="4000" b="1" dirty="0" err="1" smtClean="0">
-                <a:ln w="12700">
-                  <a:solidFill>
-                    <a:schemeClr val="tx2">
-                      <a:satMod val="155000"/>
-                    </a:schemeClr>
-                  </a:solidFill>
-                  <a:prstDash val="solid"/>
-                </a:ln>
-                <a:solidFill>
-                  <a:schemeClr val="bg2">
-                    <a:tint val="85000"/>
-                    <a:satMod val="155000"/>
-                  </a:schemeClr>
-                </a:solidFill>
-                <a:effectLst>
-                  <a:outerShdw blurRad="41275" dist="20320" dir="1800000" algn="tl" rotWithShape="0">
-                    <a:srgbClr val="000000">
-                      <a:alpha val="40000"/>
-                    </a:srgbClr>
-                  </a:outerShdw>
-                </a:effectLst>
-              </a:rPr>
-              <a:t>OpenCL</a:t>
-            </a:r>
-            <a:endParaRPr lang="es-ES" sz="4000" b="1" dirty="0">
-              <a:ln w="12700">
-                <a:solidFill>
-                  <a:schemeClr val="tx2">
-                    <a:satMod val="155000"/>
-                  </a:schemeClr>
-                </a:solidFill>
-                <a:prstDash val="solid"/>
-              </a:ln>
-              <a:solidFill>
-                <a:schemeClr val="bg2">
-                  <a:tint val="85000"/>
-                  <a:satMod val="155000"/>
-                </a:schemeClr>
-              </a:solidFill>
-              <a:effectLst>
-                <a:outerShdw blurRad="41275" dist="20320" dir="1800000" algn="tl" rotWithShape="0">
-                  <a:srgbClr val="000000">
-                    <a:alpha val="40000"/>
-                  </a:srgbClr>
-                </a:outerShdw>
-              </a:effectLst>
-            </a:endParaRPr>
-          </a:p>
-        </p:txBody>
-      </p:sp>
-      <p:pic>
-        <p:nvPicPr>
-          <p:cNvPr id="6146" name="Picture 2" descr="Imagen relacionada"/>
-          <p:cNvPicPr>
-            <a:picLocks noChangeAspect="1" noChangeArrowheads="1"/>
-          </p:cNvPicPr>
-          <p:nvPr/>
-        </p:nvPicPr>
-        <p:blipFill>
-          <a:blip r:embed="rId4" cstate="print">
-            <a:extLst>
-              <a:ext uri="{28A0092B-C50C-407E-A947-70E740481C1C}">
-                <a14:useLocalDpi xmlns:a14="http://schemas.microsoft.com/office/drawing/2010/main" val="0"/>
-              </a:ext>
-            </a:extLst>
-          </a:blip>
-          <a:srcRect/>
-          <a:stretch>
-            <a:fillRect/>
-          </a:stretch>
-        </p:blipFill>
-        <p:spPr bwMode="auto">
-          <a:xfrm>
-            <a:off x="842432" y="3060453"/>
-            <a:ext cx="1273185" cy="1241355"/>
-          </a:xfrm>
-          <a:prstGeom prst="rect">
-            <a:avLst/>
-          </a:prstGeom>
-          <a:noFill/>
-          <a:extLst>
-            <a:ext uri="{909E8E84-426E-40DD-AFC4-6F175D3DCCD1}">
-              <a14:hiddenFill xmlns:a14="http://schemas.microsoft.com/office/drawing/2010/main">
-                <a:solidFill>
-                  <a:srgbClr val="FFFFFF"/>
-                </a:solidFill>
-              </a14:hiddenFill>
-            </a:ext>
-          </a:extLst>
-        </p:spPr>
-      </p:pic>
-      <p:pic>
-        <p:nvPicPr>
-          <p:cNvPr id="6148" name="Picture 4" descr="Resultado de imagen de Autodesk Maya logo"/>
-          <p:cNvPicPr>
-            <a:picLocks noChangeAspect="1" noChangeArrowheads="1"/>
-          </p:cNvPicPr>
-          <p:nvPr/>
-        </p:nvPicPr>
-        <p:blipFill>
-          <a:blip r:embed="rId5">
-            <a:extLst>
-              <a:ext uri="{28A0092B-C50C-407E-A947-70E740481C1C}">
-                <a14:useLocalDpi xmlns:a14="http://schemas.microsoft.com/office/drawing/2010/main" val="0"/>
-              </a:ext>
-            </a:extLst>
-          </a:blip>
-          <a:srcRect/>
-          <a:stretch>
-            <a:fillRect/>
-          </a:stretch>
-        </p:blipFill>
-        <p:spPr bwMode="auto">
-          <a:xfrm>
-            <a:off x="3042798" y="2846644"/>
-            <a:ext cx="3200400" cy="3124201"/>
-          </a:xfrm>
-          <a:prstGeom prst="rect">
-            <a:avLst/>
-          </a:prstGeom>
-          <a:noFill/>
-          <a:extLst>
-            <a:ext uri="{909E8E84-426E-40DD-AFC4-6F175D3DCCD1}">
-              <a14:hiddenFill xmlns:a14="http://schemas.microsoft.com/office/drawing/2010/main">
-                <a:solidFill>
-                  <a:srgbClr val="FFFFFF"/>
-                </a:solidFill>
-              </a14:hiddenFill>
-            </a:ext>
-          </a:extLst>
-        </p:spPr>
-      </p:pic>
-      <p:pic>
-        <p:nvPicPr>
-          <p:cNvPr id="6150" name="Picture 6" descr="Resultado de imagen de blender logo"/>
-          <p:cNvPicPr>
-            <a:picLocks noChangeAspect="1" noChangeArrowheads="1"/>
-          </p:cNvPicPr>
-          <p:nvPr/>
-        </p:nvPicPr>
-        <p:blipFill>
-          <a:blip r:embed="rId6" cstate="print">
-            <a:extLst>
-              <a:ext uri="{28A0092B-C50C-407E-A947-70E740481C1C}">
-                <a14:useLocalDpi xmlns:a14="http://schemas.microsoft.com/office/drawing/2010/main" val="0"/>
-              </a:ext>
-            </a:extLst>
-          </a:blip>
-          <a:srcRect/>
-          <a:stretch>
-            <a:fillRect/>
-          </a:stretch>
-        </p:blipFill>
-        <p:spPr bwMode="auto">
-          <a:xfrm>
-            <a:off x="-53245" y="5013176"/>
-            <a:ext cx="3064541" cy="957669"/>
-          </a:xfrm>
-          <a:prstGeom prst="rect">
-            <a:avLst/>
-          </a:prstGeom>
-          <a:noFill/>
-          <a:extLst>
-            <a:ext uri="{909E8E84-426E-40DD-AFC4-6F175D3DCCD1}">
-              <a14:hiddenFill xmlns:a14="http://schemas.microsoft.com/office/drawing/2010/main">
-                <a:solidFill>
-                  <a:srgbClr val="FFFFFF"/>
-                </a:solidFill>
-              </a14:hiddenFill>
-            </a:ext>
-          </a:extLst>
-        </p:spPr>
-      </p:pic>
-      <p:pic>
-        <p:nvPicPr>
-          <p:cNvPr id="6152" name="Picture 8" descr="Resultado de imagen de gimp logo"/>
-          <p:cNvPicPr>
-            <a:picLocks noChangeAspect="1" noChangeArrowheads="1"/>
-          </p:cNvPicPr>
-          <p:nvPr/>
-        </p:nvPicPr>
-        <p:blipFill>
-          <a:blip r:embed="rId7">
-            <a:extLst>
-              <a:ext uri="{28A0092B-C50C-407E-A947-70E740481C1C}">
-                <a14:useLocalDpi xmlns:a14="http://schemas.microsoft.com/office/drawing/2010/main" val="0"/>
-              </a:ext>
-            </a:extLst>
-          </a:blip>
-          <a:srcRect/>
-          <a:stretch>
-            <a:fillRect/>
-          </a:stretch>
-        </p:blipFill>
-        <p:spPr bwMode="auto">
-          <a:xfrm rot="2302889">
-            <a:off x="5894619" y="4368382"/>
-            <a:ext cx="3614332" cy="1807167"/>
-          </a:xfrm>
-          <a:prstGeom prst="rect">
-            <a:avLst/>
-          </a:prstGeom>
-          <a:noFill/>
-          <a:extLst>
-            <a:ext uri="{909E8E84-426E-40DD-AFC4-6F175D3DCCD1}">
-              <a14:hiddenFill xmlns:a14="http://schemas.microsoft.com/office/drawing/2010/main">
-                <a:solidFill>
-                  <a:srgbClr val="FFFFFF"/>
-                </a:solidFill>
-              </a14:hiddenFill>
-            </a:ext>
-          </a:extLst>
-        </p:spPr>
-      </p:pic>
-    </p:spTree>
-    <p:extLst>
-      <p:ext uri="{BB962C8B-B14F-4D97-AF65-F5344CB8AC3E}">
-        <p14:creationId xmlns:p14="http://schemas.microsoft.com/office/powerpoint/2010/main" val="1202566718"/>
-      </p:ext>
-    </p:extLst>
-  </p:cSld>
-  <p:clrMapOvr>
-    <a:masterClrMapping/>
-  </p:clrMapOvr>
-  <mc:AlternateContent xmlns:mc="http://schemas.openxmlformats.org/markup-compatibility/2006" xmlns:p14="http://schemas.microsoft.com/office/powerpoint/2010/main">
-    <mc:Choice Requires="p14">
-      <p:transition spd="slow" p14:dur="1500">
-        <p:split orient="vert"/>
-      </p:transition>
-    </mc:Choice>
-    <mc:Fallback xmlns="">
-      <p:transition spd="slow">
-        <p:split orient="vert"/>
-      </p:transition>
-    </mc:Fallback>
-  </mc:AlternateContent>
-  <p:timing>
-    <p:tnLst>
-      <p:par>
-        <p:cTn id="1" dur="indefinite" restart="never" nodeType="tmRoot"/>
-      </p:par>
-    </p:tnLst>
-  </p:timing>
-</p:sld>
-</file>
-
-<file path=ppt/slides/slide8.xml><?xml version="1.0" encoding="utf-8"?>
-<p:sld xmlns:a="http://schemas.openxmlformats.org/drawingml/2006/main" xmlns:r="http://schemas.openxmlformats.org/officeDocument/2006/relationships" xmlns:p="http://schemas.openxmlformats.org/presentationml/2006/main">
-  <p:cSld>
-    <p:spTree>
-      <p:nvGrpSpPr>
-        <p:cNvPr id="1" name=""/>
-        <p:cNvGrpSpPr/>
-        <p:nvPr/>
-      </p:nvGrpSpPr>
-      <p:grpSpPr>
-        <a:xfrm>
-          <a:off x="0" y="0"/>
-          <a:ext cx="0" cy="0"/>
-          <a:chOff x="0" y="0"/>
-          <a:chExt cx="0" cy="0"/>
-        </a:xfrm>
-      </p:grpSpPr>
-      <p:pic>
-        <p:nvPicPr>
-          <p:cNvPr id="5122" name="Picture 2" descr="Imagen relacionada"/>
-          <p:cNvPicPr>
-            <a:picLocks noChangeAspect="1" noChangeArrowheads="1"/>
-          </p:cNvPicPr>
-          <p:nvPr/>
-        </p:nvPicPr>
-        <p:blipFill rotWithShape="1">
-          <a:blip r:embed="rId2">
-            <a:extLst>
-              <a:ext uri="{28A0092B-C50C-407E-A947-70E740481C1C}">
-                <a14:useLocalDpi xmlns:a14="http://schemas.microsoft.com/office/drawing/2010/main" val="0"/>
-              </a:ext>
-            </a:extLst>
-          </a:blip>
-          <a:srcRect r="44372"/>
-          <a:stretch/>
-        </p:blipFill>
-        <p:spPr bwMode="auto">
-          <a:xfrm>
-            <a:off x="-159541" y="-23036"/>
-            <a:ext cx="9546312" cy="7081969"/>
-          </a:xfrm>
-          <a:prstGeom prst="rect">
-            <a:avLst/>
-          </a:prstGeom>
-          <a:noFill/>
-          <a:extLst>
-            <a:ext uri="{909E8E84-426E-40DD-AFC4-6F175D3DCCD1}">
-              <a14:hiddenFill xmlns:a14="http://schemas.microsoft.com/office/drawing/2010/main">
-                <a:solidFill>
-                  <a:srgbClr val="FFFFFF"/>
-                </a:solidFill>
-              </a14:hiddenFill>
-            </a:ext>
-          </a:extLst>
-        </p:spPr>
-      </p:pic>
-      <p:pic>
-        <p:nvPicPr>
-          <p:cNvPr id="5" name="Picture 2" descr="Imagen relacionada"/>
-          <p:cNvPicPr>
-            <a:picLocks noChangeAspect="1" noChangeArrowheads="1"/>
-          </p:cNvPicPr>
-          <p:nvPr/>
-        </p:nvPicPr>
-        <p:blipFill>
-          <a:blip r:embed="rId3" cstate="print">
-            <a:extLst>
-              <a:ext uri="{28A0092B-C50C-407E-A947-70E740481C1C}">
-                <a14:useLocalDpi xmlns:a14="http://schemas.microsoft.com/office/drawing/2010/main" val="0"/>
-              </a:ext>
-            </a:extLst>
-          </a:blip>
-          <a:srcRect/>
-          <a:stretch>
-            <a:fillRect/>
-          </a:stretch>
-        </p:blipFill>
-        <p:spPr bwMode="auto">
-          <a:xfrm>
-            <a:off x="2791682" y="20073"/>
-            <a:ext cx="6639640" cy="3734797"/>
-          </a:xfrm>
-          <a:prstGeom prst="rect">
-            <a:avLst/>
-          </a:prstGeom>
-          <a:noFill/>
-          <a:extLst>
-            <a:ext uri="{909E8E84-426E-40DD-AFC4-6F175D3DCCD1}">
-              <a14:hiddenFill xmlns:a14="http://schemas.microsoft.com/office/drawing/2010/main">
-                <a:solidFill>
-                  <a:srgbClr val="FFFFFF"/>
-                </a:solidFill>
-              </a14:hiddenFill>
-            </a:ext>
-          </a:extLst>
-        </p:spPr>
-      </p:pic>
-      <p:sp>
-        <p:nvSpPr>
-          <p:cNvPr id="7" name="6 Rectángulo"/>
-          <p:cNvSpPr/>
-          <p:nvPr/>
-        </p:nvSpPr>
-        <p:spPr>
-          <a:xfrm>
-            <a:off x="611560" y="692696"/>
-            <a:ext cx="6192688" cy="3016210"/>
-          </a:xfrm>
-          <a:prstGeom prst="rect">
-            <a:avLst/>
-          </a:prstGeom>
-          <a:noFill/>
-        </p:spPr>
-        <p:txBody>
-          <a:bodyPr wrap="square" lIns="91440" tIns="45720" rIns="91440" bIns="45720">
-            <a:spAutoFit/>
-          </a:bodyPr>
-          <a:lstStyle/>
-          <a:p>
-            <a:pPr algn="ctr"/>
-            <a:r>
-              <a:rPr lang="es-ES" sz="5400" b="1" dirty="0" smtClean="0">
-                <a:ln w="12700">
-                  <a:solidFill>
-                    <a:schemeClr val="tx2">
-                      <a:satMod val="155000"/>
-                    </a:schemeClr>
-                  </a:solidFill>
-                  <a:prstDash val="solid"/>
-                </a:ln>
-                <a:solidFill>
-                  <a:schemeClr val="bg2">
-                    <a:tint val="85000"/>
-                    <a:satMod val="155000"/>
-                  </a:schemeClr>
-                </a:solidFill>
-                <a:effectLst>
-                  <a:outerShdw blurRad="41275" dist="20320" dir="1800000" algn="tl" rotWithShape="0">
-                    <a:srgbClr val="000000">
-                      <a:alpha val="40000"/>
-                    </a:srgbClr>
-                  </a:outerShdw>
-                </a:effectLst>
-              </a:rPr>
-              <a:t>Videojuegos hechos con </a:t>
-            </a:r>
-            <a:r>
-              <a:rPr lang="es-ES" sz="5400" b="1" dirty="0" err="1" smtClean="0">
-                <a:ln w="12700">
-                  <a:solidFill>
-                    <a:schemeClr val="tx2">
-                      <a:satMod val="155000"/>
-                    </a:schemeClr>
-                  </a:solidFill>
-                  <a:prstDash val="solid"/>
-                </a:ln>
-                <a:solidFill>
-                  <a:schemeClr val="bg2">
-                    <a:tint val="85000"/>
-                    <a:satMod val="155000"/>
-                  </a:schemeClr>
-                </a:solidFill>
-                <a:effectLst>
-                  <a:outerShdw blurRad="41275" dist="20320" dir="1800000" algn="tl" rotWithShape="0">
-                    <a:srgbClr val="000000">
-                      <a:alpha val="40000"/>
-                    </a:srgbClr>
-                  </a:outerShdw>
-                </a:effectLst>
-              </a:rPr>
-              <a:t>OpenCL</a:t>
-            </a:r>
-            <a:endParaRPr lang="es-ES" sz="5400" b="1" dirty="0" smtClean="0">
-              <a:ln w="12700">
-                <a:solidFill>
-                  <a:schemeClr val="tx2">
-                    <a:satMod val="155000"/>
-                  </a:schemeClr>
-                </a:solidFill>
-                <a:prstDash val="solid"/>
-              </a:ln>
-              <a:solidFill>
-                <a:schemeClr val="bg2">
-                  <a:tint val="85000"/>
-                  <a:satMod val="155000"/>
-                </a:schemeClr>
-              </a:solidFill>
-              <a:effectLst>
-                <a:outerShdw blurRad="41275" dist="20320" dir="1800000" algn="tl" rotWithShape="0">
-                  <a:srgbClr val="000000">
-                    <a:alpha val="40000"/>
-                  </a:srgbClr>
-                </a:outerShdw>
-              </a:effectLst>
-            </a:endParaRPr>
-          </a:p>
-          <a:p>
-            <a:pPr algn="ctr"/>
-            <a:endParaRPr lang="es-ES" sz="5400" b="1" dirty="0" smtClean="0">
-              <a:ln w="12700">
-                <a:solidFill>
-                  <a:schemeClr val="tx2">
-                    <a:satMod val="155000"/>
-                  </a:schemeClr>
-                </a:solidFill>
-                <a:prstDash val="solid"/>
-              </a:ln>
-              <a:solidFill>
-                <a:schemeClr val="bg2">
-                  <a:tint val="85000"/>
-                  <a:satMod val="155000"/>
-                </a:schemeClr>
-              </a:solidFill>
-              <a:effectLst>
-                <a:outerShdw blurRad="41275" dist="20320" dir="1800000" algn="tl" rotWithShape="0">
-                  <a:srgbClr val="000000">
-                    <a:alpha val="40000"/>
-                  </a:srgbClr>
-                </a:outerShdw>
-              </a:effectLst>
-            </a:endParaRPr>
-          </a:p>
-          <a:p>
-            <a:pPr algn="ctr"/>
-            <a:r>
-              <a:rPr lang="es-ES" sz="2800" b="1" dirty="0" smtClean="0">
-                <a:ln w="12700">
-                  <a:solidFill>
-                    <a:schemeClr val="tx2">
-                      <a:satMod val="155000"/>
-                    </a:schemeClr>
-                  </a:solidFill>
-                  <a:prstDash val="solid"/>
-                </a:ln>
-                <a:solidFill>
-                  <a:schemeClr val="bg2">
-                    <a:tint val="85000"/>
-                    <a:satMod val="155000"/>
-                  </a:schemeClr>
-                </a:solidFill>
-                <a:effectLst>
-                  <a:outerShdw blurRad="41275" dist="20320" dir="1800000" algn="tl" rotWithShape="0">
-                    <a:srgbClr val="000000">
-                      <a:alpha val="40000"/>
-                    </a:srgbClr>
-                  </a:outerShdw>
-                </a:effectLst>
-                <a:hlinkClick r:id="rId4"/>
-              </a:rPr>
-              <a:t>https://youtu.be/TE6PjoWPwt8</a:t>
-            </a:r>
-            <a:endParaRPr lang="es-ES" sz="2800" b="1" dirty="0">
-              <a:ln w="12700">
-                <a:solidFill>
-                  <a:schemeClr val="tx2">
-                    <a:satMod val="155000"/>
-                  </a:schemeClr>
-                </a:solidFill>
-                <a:prstDash val="solid"/>
-              </a:ln>
-              <a:solidFill>
-                <a:schemeClr val="bg2">
-                  <a:tint val="85000"/>
-                  <a:satMod val="155000"/>
-                </a:schemeClr>
-              </a:solidFill>
-              <a:effectLst>
-                <a:outerShdw blurRad="41275" dist="20320" dir="1800000" algn="tl" rotWithShape="0">
-                  <a:srgbClr val="000000">
-                    <a:alpha val="40000"/>
-                  </a:srgbClr>
-                </a:outerShdw>
-              </a:effectLst>
-            </a:endParaRPr>
-          </a:p>
-        </p:txBody>
-      </p:sp>
-      <p:sp>
-        <p:nvSpPr>
-          <p:cNvPr id="2" name="AutoShape 2" descr="Resultado de imagen de military operations juego"/>
-          <p:cNvSpPr>
-            <a:spLocks noChangeAspect="1" noChangeArrowheads="1"/>
-          </p:cNvSpPr>
-          <p:nvPr/>
-        </p:nvSpPr>
-        <p:spPr bwMode="auto">
-          <a:xfrm>
-            <a:off x="155575" y="-144463"/>
-            <a:ext cx="304800" cy="304801"/>
-          </a:xfrm>
-          <a:prstGeom prst="rect">
-            <a:avLst/>
-          </a:prstGeom>
-          <a:noFill/>
-          <a:extLst>
-            <a:ext uri="{909E8E84-426E-40DD-AFC4-6F175D3DCCD1}">
-              <a14:hiddenFill xmlns:a14="http://schemas.microsoft.com/office/drawing/2010/main">
-                <a:solidFill>
-                  <a:srgbClr val="FFFFFF"/>
-                </a:solidFill>
-              </a14:hiddenFill>
-            </a:ext>
-          </a:extLst>
-        </p:spPr>
-        <p:txBody>
-          <a:bodyPr vert="horz" wrap="square" lIns="91440" tIns="45720" rIns="91440" bIns="45720" numCol="1" anchor="t" anchorCtr="0" compatLnSpc="1">
-            <a:prstTxWarp prst="textNoShape">
-              <a:avLst/>
-            </a:prstTxWarp>
-          </a:bodyPr>
-          <a:lstStyle/>
-          <a:p>
-            <a:endParaRPr lang="es-ES"/>
-          </a:p>
-        </p:txBody>
-      </p:sp>
-      <p:pic>
-        <p:nvPicPr>
-          <p:cNvPr id="7171" name="Picture 3"/>
-          <p:cNvPicPr>
-            <a:picLocks noChangeAspect="1" noChangeArrowheads="1"/>
-          </p:cNvPicPr>
-          <p:nvPr/>
-        </p:nvPicPr>
-        <p:blipFill>
-          <a:blip r:embed="rId5">
-            <a:extLst>
-              <a:ext uri="{28A0092B-C50C-407E-A947-70E740481C1C}">
-                <a14:useLocalDpi xmlns:a14="http://schemas.microsoft.com/office/drawing/2010/main" val="0"/>
-              </a:ext>
-            </a:extLst>
-          </a:blip>
-          <a:srcRect/>
-          <a:stretch>
-            <a:fillRect/>
-          </a:stretch>
-        </p:blipFill>
-        <p:spPr bwMode="auto">
-          <a:xfrm>
-            <a:off x="683568" y="4455303"/>
-            <a:ext cx="3456384" cy="1942049"/>
-          </a:xfrm>
-          <a:prstGeom prst="roundRect">
-            <a:avLst>
-              <a:gd name="adj" fmla="val 8594"/>
-            </a:avLst>
-          </a:prstGeom>
-          <a:solidFill>
-            <a:srgbClr val="FFFFFF">
-              <a:shade val="85000"/>
-            </a:srgbClr>
-          </a:solidFill>
-          <a:ln>
-            <a:noFill/>
-          </a:ln>
-          <a:effectLst>
-            <a:reflection blurRad="12700" stA="38000" endPos="28000" dist="5000" dir="5400000" sy="-100000" algn="bl" rotWithShape="0"/>
-          </a:effectLst>
-          <a:extLst>
-            <a:ext uri="{91240B29-F687-4F45-9708-019B960494DF}">
-              <a14:hiddenLine xmlns:a14="http://schemas.microsoft.com/office/drawing/2010/main" w="9525">
-                <a:solidFill>
-                  <a:schemeClr val="tx1"/>
-                </a:solidFill>
-                <a:miter lim="800000"/>
-                <a:headEnd/>
-                <a:tailEnd/>
-              </a14:hiddenLine>
-            </a:ext>
-          </a:extLst>
-        </p:spPr>
-      </p:pic>
-      <p:pic>
-        <p:nvPicPr>
-          <p:cNvPr id="7173" name="Picture 5" descr="Resultado de imagen de planet explorers juego"/>
-          <p:cNvPicPr>
-            <a:picLocks noChangeAspect="1" noChangeArrowheads="1"/>
-          </p:cNvPicPr>
-          <p:nvPr/>
-        </p:nvPicPr>
-        <p:blipFill>
-          <a:blip r:embed="rId6" cstate="print">
-            <a:extLst>
-              <a:ext uri="{28A0092B-C50C-407E-A947-70E740481C1C}">
-                <a14:useLocalDpi xmlns:a14="http://schemas.microsoft.com/office/drawing/2010/main" val="0"/>
-              </a:ext>
-            </a:extLst>
-          </a:blip>
-          <a:srcRect/>
-          <a:stretch>
-            <a:fillRect/>
-          </a:stretch>
-        </p:blipFill>
-        <p:spPr bwMode="auto">
-          <a:xfrm>
-            <a:off x="5440474" y="4455304"/>
-            <a:ext cx="3399908" cy="1912448"/>
-          </a:xfrm>
-          <a:prstGeom prst="roundRect">
-            <a:avLst>
-              <a:gd name="adj" fmla="val 8594"/>
-            </a:avLst>
-          </a:prstGeom>
-          <a:solidFill>
-            <a:srgbClr val="FFFFFF">
-              <a:shade val="85000"/>
-            </a:srgbClr>
-          </a:solidFill>
-          <a:ln>
-            <a:noFill/>
-          </a:ln>
-          <a:effectLst>
-            <a:reflection blurRad="12700" stA="38000" endPos="28000" dist="5000" dir="5400000" sy="-100000" algn="bl" rotWithShape="0"/>
-          </a:effectLst>
-          <a:extLst/>
-        </p:spPr>
-      </p:pic>
-    </p:spTree>
-    <p:extLst>
-      <p:ext uri="{BB962C8B-B14F-4D97-AF65-F5344CB8AC3E}">
-        <p14:creationId xmlns:p14="http://schemas.microsoft.com/office/powerpoint/2010/main" val="3944155017"/>
-      </p:ext>
-    </p:extLst>
-  </p:cSld>
-  <p:clrMapOvr>
-    <a:masterClrMapping/>
-  </p:clrMapOvr>
-  <mc:AlternateContent xmlns:mc="http://schemas.openxmlformats.org/markup-compatibility/2006" xmlns:p14="http://schemas.microsoft.com/office/powerpoint/2010/main">
-    <mc:Choice Requires="p14">
-      <p:transition spd="slow" p14:dur="1400">
-        <p14:ripple/>
-      </p:transition>
-    </mc:Choice>
-    <mc:Fallback xmlns="">
-      <p:transition spd="slow">
-        <p:fade/>
-      </p:transition>
-    </mc:Fallback>
-  </mc:AlternateContent>
-  <p:timing>
-    <p:tnLst>
-      <p:par>
-        <p:cTn id="1" dur="indefinite" restart="never" nodeType="tmRoot"/>
-      </p:par>
-    </p:tnLst>
-  </p:timing>
-</p:sld>
-</file>
-
-<file path=ppt/slides/slide9.xml><?xml version="1.0" encoding="utf-8"?>
-<p:sld xmlns:a="http://schemas.openxmlformats.org/drawingml/2006/main" xmlns:r="http://schemas.openxmlformats.org/officeDocument/2006/relationships" xmlns:p="http://schemas.openxmlformats.org/presentationml/2006/main">
-  <p:cSld>
-    <p:spTree>
-      <p:nvGrpSpPr>
-        <p:cNvPr id="1" name=""/>
-        <p:cNvGrpSpPr/>
-        <p:nvPr/>
-      </p:nvGrpSpPr>
-      <p:grpSpPr>
-        <a:xfrm>
-          <a:off x="0" y="0"/>
-          <a:ext cx="0" cy="0"/>
-          <a:chOff x="0" y="0"/>
-          <a:chExt cx="0" cy="0"/>
-        </a:xfrm>
-      </p:grpSpPr>
-      <p:pic>
-        <p:nvPicPr>
-          <p:cNvPr id="4" name="Picture 2" descr="Imagen relacionada"/>
-          <p:cNvPicPr>
-            <a:picLocks noChangeAspect="1" noChangeArrowheads="1"/>
-          </p:cNvPicPr>
-          <p:nvPr/>
-        </p:nvPicPr>
-        <p:blipFill rotWithShape="1">
-          <a:blip r:embed="rId2">
-            <a:extLst>
-              <a:ext uri="{28A0092B-C50C-407E-A947-70E740481C1C}">
-                <a14:useLocalDpi xmlns:a14="http://schemas.microsoft.com/office/drawing/2010/main" val="0"/>
-              </a:ext>
-            </a:extLst>
-          </a:blip>
-          <a:srcRect r="44372"/>
-          <a:stretch/>
-        </p:blipFill>
-        <p:spPr bwMode="auto">
-          <a:xfrm>
-            <a:off x="-159541" y="-23036"/>
-            <a:ext cx="9546312" cy="7081969"/>
-          </a:xfrm>
-          <a:prstGeom prst="rect">
-            <a:avLst/>
-          </a:prstGeom>
-          <a:noFill/>
-          <a:extLst>
-            <a:ext uri="{909E8E84-426E-40DD-AFC4-6F175D3DCCD1}">
-              <a14:hiddenFill xmlns:a14="http://schemas.microsoft.com/office/drawing/2010/main">
-                <a:solidFill>
-                  <a:srgbClr val="FFFFFF"/>
-                </a:solidFill>
-              </a14:hiddenFill>
-            </a:ext>
-          </a:extLst>
-        </p:spPr>
-      </p:pic>
-      <p:sp>
-        <p:nvSpPr>
-          <p:cNvPr id="5" name="4 Rectángulo"/>
-          <p:cNvSpPr/>
-          <p:nvPr/>
-        </p:nvSpPr>
-        <p:spPr>
-          <a:xfrm>
-            <a:off x="1409259" y="764704"/>
-            <a:ext cx="6408712" cy="707886"/>
-          </a:xfrm>
-          <a:prstGeom prst="rect">
-            <a:avLst/>
-          </a:prstGeom>
-          <a:noFill/>
-        </p:spPr>
-        <p:txBody>
-          <a:bodyPr wrap="square" lIns="91440" tIns="45720" rIns="91440" bIns="45720">
-            <a:spAutoFit/>
-          </a:bodyPr>
-          <a:lstStyle/>
-          <a:p>
-            <a:pPr algn="ctr"/>
-            <a:r>
-              <a:rPr lang="es-ES" sz="4000" b="1" dirty="0" smtClean="0">
-                <a:ln w="12700">
-                  <a:solidFill>
-                    <a:schemeClr val="tx2">
-                      <a:satMod val="155000"/>
-                    </a:schemeClr>
-                  </a:solidFill>
-                  <a:prstDash val="solid"/>
-                </a:ln>
-                <a:solidFill>
-                  <a:schemeClr val="bg2">
-                    <a:tint val="85000"/>
-                    <a:satMod val="155000"/>
-                  </a:schemeClr>
-                </a:solidFill>
-                <a:effectLst>
-                  <a:outerShdw blurRad="41275" dist="20320" dir="1800000" algn="tl" rotWithShape="0">
-                    <a:srgbClr val="000000">
-                      <a:alpha val="40000"/>
-                    </a:srgbClr>
-                  </a:outerShdw>
-                </a:effectLst>
-              </a:rPr>
-              <a:t>Y esto no es todo…</a:t>
-            </a:r>
-            <a:endParaRPr lang="es-ES" sz="4000" b="1" dirty="0">
-              <a:ln w="12700">
-                <a:solidFill>
-                  <a:schemeClr val="tx2">
-                    <a:satMod val="155000"/>
-                  </a:schemeClr>
-                </a:solidFill>
-                <a:prstDash val="solid"/>
-              </a:ln>
-              <a:solidFill>
-                <a:schemeClr val="bg2">
-                  <a:tint val="85000"/>
-                  <a:satMod val="155000"/>
-                </a:schemeClr>
-              </a:solidFill>
-              <a:effectLst>
-                <a:outerShdw blurRad="41275" dist="20320" dir="1800000" algn="tl" rotWithShape="0">
-                  <a:srgbClr val="000000">
-                    <a:alpha val="40000"/>
-                  </a:srgbClr>
-                </a:outerShdw>
-              </a:effectLst>
-            </a:endParaRPr>
-          </a:p>
-        </p:txBody>
-      </p:sp>
-      <p:pic>
-        <p:nvPicPr>
-          <p:cNvPr id="8196" name="Picture 4" descr="Resultado de imagen de physx"/>
-          <p:cNvPicPr>
-            <a:picLocks noChangeAspect="1" noChangeArrowheads="1"/>
-          </p:cNvPicPr>
-          <p:nvPr/>
-        </p:nvPicPr>
-        <p:blipFill rotWithShape="1">
-          <a:blip r:embed="rId3">
-            <a:extLst>
-              <a:ext uri="{28A0092B-C50C-407E-A947-70E740481C1C}">
-                <a14:useLocalDpi xmlns:a14="http://schemas.microsoft.com/office/drawing/2010/main" val="0"/>
-              </a:ext>
-            </a:extLst>
-          </a:blip>
-          <a:srcRect l="7356" t="30977" r="16140" b="30871"/>
-          <a:stretch/>
-        </p:blipFill>
-        <p:spPr bwMode="auto">
-          <a:xfrm>
-            <a:off x="2616981" y="4441010"/>
-            <a:ext cx="3993267" cy="1562582"/>
-          </a:xfrm>
-          <a:prstGeom prst="rect">
-            <a:avLst/>
-          </a:prstGeom>
-          <a:noFill/>
-          <a:extLst>
-            <a:ext uri="{909E8E84-426E-40DD-AFC4-6F175D3DCCD1}">
-              <a14:hiddenFill xmlns:a14="http://schemas.microsoft.com/office/drawing/2010/main">
-                <a:solidFill>
-                  <a:srgbClr val="FFFFFF"/>
-                </a:solidFill>
-              </a14:hiddenFill>
-            </a:ext>
-          </a:extLst>
-        </p:spPr>
-      </p:pic>
-    </p:spTree>
-    <p:extLst>
-      <p:ext uri="{BB962C8B-B14F-4D97-AF65-F5344CB8AC3E}">
-        <p14:creationId xmlns:p14="http://schemas.microsoft.com/office/powerpoint/2010/main" val="3225306551"/>
-      </p:ext>
-    </p:extLst>
-  </p:cSld>
-  <p:clrMapOvr>
-    <a:masterClrMapping/>
-  </p:clrMapOvr>
-  <mc:AlternateContent xmlns:mc="http://schemas.openxmlformats.org/markup-compatibility/2006" xmlns:p14="http://schemas.microsoft.com/office/powerpoint/2010/main">
-    <mc:Choice Requires="p14">
-      <p:transition spd="slow">
-        <p14:flash/>
-      </p:transition>
-    </mc:Choice>
-    <mc:Fallback xmlns="">
-      <p:transition spd="slow">
-        <p:fade/>
-      </p:transition>
-    </mc:Fallback>
-  </mc:AlternateContent>
-  <p:timing>
-    <p:tnLst>
-      <p:par>
-        <p:cTn id="1" dur="indefinite" restart="never" nodeType="tmRoot"/>
-      </p:par>
-    </p:tnLst>
   </p:timing>
 </p:sld>
 </file>
